--- a/Presentation Paper.pptx
+++ b/Presentation Paper.pptx
@@ -5,22 +5,24 @@
     <p:sldMasterId id="2147483648" r:id="rId1"/>
   </p:sldMasterIdLst>
   <p:notesMasterIdLst>
-    <p:notesMasterId r:id="rId15"/>
+    <p:notesMasterId r:id="rId17"/>
   </p:notesMasterIdLst>
   <p:sldIdLst>
     <p:sldId id="256" r:id="rId2"/>
-    <p:sldId id="257" r:id="rId3"/>
-    <p:sldId id="258" r:id="rId4"/>
-    <p:sldId id="260" r:id="rId5"/>
-    <p:sldId id="261" r:id="rId6"/>
-    <p:sldId id="263" r:id="rId7"/>
-    <p:sldId id="264" r:id="rId8"/>
-    <p:sldId id="262" r:id="rId9"/>
-    <p:sldId id="265" r:id="rId10"/>
-    <p:sldId id="266" r:id="rId11"/>
-    <p:sldId id="267" r:id="rId12"/>
-    <p:sldId id="268" r:id="rId13"/>
-    <p:sldId id="259" r:id="rId14"/>
+    <p:sldId id="270" r:id="rId3"/>
+    <p:sldId id="257" r:id="rId4"/>
+    <p:sldId id="258" r:id="rId5"/>
+    <p:sldId id="260" r:id="rId6"/>
+    <p:sldId id="261" r:id="rId7"/>
+    <p:sldId id="263" r:id="rId8"/>
+    <p:sldId id="264" r:id="rId9"/>
+    <p:sldId id="262" r:id="rId10"/>
+    <p:sldId id="265" r:id="rId11"/>
+    <p:sldId id="266" r:id="rId12"/>
+    <p:sldId id="267" r:id="rId13"/>
+    <p:sldId id="268" r:id="rId14"/>
+    <p:sldId id="259" r:id="rId15"/>
+    <p:sldId id="269" r:id="rId16"/>
   </p:sldIdLst>
   <p:sldSz cx="12192000" cy="6858000"/>
   <p:notesSz cx="6858000" cy="9144000"/>
@@ -209,7 +211,7 @@
           <a:p>
             <a:fld id="{C6C4B0E7-9324-4139-8F75-1B64F0E09A27}" type="datetimeFigureOut">
               <a:rPr lang="de-DE" smtClean="0"/>
-              <a:t>19.12.2021</a:t>
+              <a:t>20.12.2021</a:t>
             </a:fld>
             <a:endParaRPr lang="de-DE"/>
           </a:p>
@@ -1086,6 +1088,60 @@
       </p:grpSpPr>
       <p:sp>
         <p:nvSpPr>
+          <p:cNvPr id="12" name="Rechteck 11">
+            <a:extLst>
+              <a:ext uri="{FF2B5EF4-FFF2-40B4-BE49-F238E27FC236}">
+                <a16:creationId xmlns:a16="http://schemas.microsoft.com/office/drawing/2014/main" id="{EE065A54-BBEE-403A-8750-6B543168175E}"/>
+              </a:ext>
+            </a:extLst>
+          </p:cNvPr>
+          <p:cNvSpPr/>
+          <p:nvPr userDrawn="1"/>
+        </p:nvSpPr>
+        <p:spPr>
+          <a:xfrm>
+            <a:off x="0" y="0"/>
+            <a:ext cx="12191999" cy="365125"/>
+          </a:xfrm>
+          <a:prstGeom prst="rect">
+            <a:avLst/>
+          </a:prstGeom>
+          <a:solidFill>
+            <a:schemeClr val="tx2"/>
+          </a:solidFill>
+          <a:ln>
+            <a:solidFill>
+              <a:schemeClr val="tx2"/>
+            </a:solidFill>
+          </a:ln>
+        </p:spPr>
+        <p:style>
+          <a:lnRef idx="2">
+            <a:schemeClr val="accent1">
+              <a:shade val="50000"/>
+            </a:schemeClr>
+          </a:lnRef>
+          <a:fillRef idx="1">
+            <a:schemeClr val="accent1"/>
+          </a:fillRef>
+          <a:effectRef idx="0">
+            <a:schemeClr val="accent1"/>
+          </a:effectRef>
+          <a:fontRef idx="minor">
+            <a:schemeClr val="lt1"/>
+          </a:fontRef>
+        </p:style>
+        <p:txBody>
+          <a:bodyPr rtlCol="0" anchor="ctr"/>
+          <a:lstStyle/>
+          <a:p>
+            <a:pPr algn="ctr"/>
+            <a:endParaRPr lang="de-DE"/>
+          </a:p>
+        </p:txBody>
+      </p:sp>
+      <p:sp>
+        <p:nvSpPr>
           <p:cNvPr id="2" name="Titel 1">
             <a:extLst>
               <a:ext uri="{FF2B5EF4-FFF2-40B4-BE49-F238E27FC236}">
@@ -1192,7 +1248,7 @@
           <a:p>
             <a:fld id="{57BF7E81-4A25-4945-A8A1-ED5714DDBF31}" type="datetime1">
               <a:rPr lang="de-DE" smtClean="0"/>
-              <a:t>19.12.2021</a:t>
+              <a:t>20.12.2021</a:t>
             </a:fld>
             <a:endParaRPr lang="de-DE" dirty="0"/>
           </a:p>
@@ -1300,10 +1356,242 @@
       </p:sp>
       <p:sp>
         <p:nvSpPr>
-          <p:cNvPr id="12" name="Rechteck 11">
-            <a:extLst>
-              <a:ext uri="{FF2B5EF4-FFF2-40B4-BE49-F238E27FC236}">
-                <a16:creationId xmlns:a16="http://schemas.microsoft.com/office/drawing/2014/main" id="{EE065A54-BBEE-403A-8750-6B543168175E}"/>
+          <p:cNvPr id="14" name="Titel 1">
+            <a:extLst>
+              <a:ext uri="{FF2B5EF4-FFF2-40B4-BE49-F238E27FC236}">
+                <a16:creationId xmlns:a16="http://schemas.microsoft.com/office/drawing/2014/main" id="{C30FB7C0-7697-4F89-8186-9707F6CBF821}"/>
+              </a:ext>
+            </a:extLst>
+          </p:cNvPr>
+          <p:cNvSpPr txBox="1">
+            <a:spLocks/>
+          </p:cNvSpPr>
+          <p:nvPr userDrawn="1"/>
+        </p:nvSpPr>
+        <p:spPr>
+          <a:xfrm>
+            <a:off x="0" y="18113"/>
+            <a:ext cx="4361440" cy="365125"/>
+          </a:xfrm>
+          <a:prstGeom prst="rect">
+            <a:avLst/>
+          </a:prstGeom>
+        </p:spPr>
+        <p:txBody>
+          <a:bodyPr vert="horz" lIns="91440" tIns="45720" rIns="91440" bIns="45720" rtlCol="0" anchor="ctr">
+            <a:normAutofit/>
+          </a:bodyPr>
+          <a:lstStyle>
+            <a:lvl1pPr algn="l" defTabSz="914400" rtl="0" eaLnBrk="1" latinLnBrk="0" hangingPunct="1">
+              <a:lnSpc>
+                <a:spcPct val="90000"/>
+              </a:lnSpc>
+              <a:spcBef>
+                <a:spcPct val="0"/>
+              </a:spcBef>
+              <a:buNone/>
+              <a:defRPr sz="3600" kern="1200">
+                <a:solidFill>
+                  <a:schemeClr val="tx1"/>
+                </a:solidFill>
+                <a:latin typeface="+mj-lt"/>
+                <a:ea typeface="+mj-ea"/>
+                <a:cs typeface="Aharoni" panose="02010803020104030203" pitchFamily="2" charset="-79"/>
+              </a:defRPr>
+            </a:lvl1pPr>
+          </a:lstStyle>
+          <a:p>
+            <a:endParaRPr lang="de-DE" sz="1600" dirty="0"/>
+          </a:p>
+        </p:txBody>
+      </p:sp>
+    </p:spTree>
+    <p:extLst>
+      <p:ext uri="{BB962C8B-B14F-4D97-AF65-F5344CB8AC3E}">
+        <p14:creationId xmlns:p14="http://schemas.microsoft.com/office/powerpoint/2010/main" val="2232773628"/>
+      </p:ext>
+    </p:extLst>
+  </p:cSld>
+  <p:clrMapOvr>
+    <a:masterClrMapping/>
+  </p:clrMapOvr>
+</p:sldLayout>
+</file>
+
+<file path=ppt/slideLayouts/slideLayout3.xml><?xml version="1.0" encoding="utf-8"?>
+<p:sldLayout xmlns:a="http://schemas.openxmlformats.org/drawingml/2006/main" xmlns:r="http://schemas.openxmlformats.org/officeDocument/2006/relationships" xmlns:p="http://schemas.openxmlformats.org/presentationml/2006/main" preserve="1" userDrawn="1">
+  <p:cSld name="Benutzerdefiniertes Layout">
+    <p:spTree>
+      <p:nvGrpSpPr>
+        <p:cNvPr id="1" name=""/>
+        <p:cNvGrpSpPr/>
+        <p:nvPr/>
+      </p:nvGrpSpPr>
+      <p:grpSpPr>
+        <a:xfrm>
+          <a:off x="0" y="0"/>
+          <a:ext cx="0" cy="0"/>
+          <a:chOff x="0" y="0"/>
+          <a:chExt cx="0" cy="0"/>
+        </a:xfrm>
+      </p:grpSpPr>
+      <p:sp>
+        <p:nvSpPr>
+          <p:cNvPr id="3" name="Datumsplatzhalter 2">
+            <a:extLst>
+              <a:ext uri="{FF2B5EF4-FFF2-40B4-BE49-F238E27FC236}">
+                <a16:creationId xmlns:a16="http://schemas.microsoft.com/office/drawing/2014/main" id="{E2C043A6-22A8-43C7-BF8E-138C905D5920}"/>
+              </a:ext>
+            </a:extLst>
+          </p:cNvPr>
+          <p:cNvSpPr>
+            <a:spLocks noGrp="1"/>
+          </p:cNvSpPr>
+          <p:nvPr>
+            <p:ph type="dt" sz="half" idx="10"/>
+          </p:nvPr>
+        </p:nvSpPr>
+        <p:spPr>
+          <a:xfrm>
+            <a:off x="0" y="6486147"/>
+            <a:ext cx="3581400" cy="365125"/>
+          </a:xfrm>
+          <a:solidFill>
+            <a:schemeClr val="tx2">
+              <a:lumMod val="75000"/>
+            </a:schemeClr>
+          </a:solidFill>
+        </p:spPr>
+        <p:txBody>
+          <a:bodyPr/>
+          <a:lstStyle>
+            <a:lvl1pPr>
+              <a:defRPr>
+                <a:solidFill>
+                  <a:schemeClr val="accent4">
+                    <a:lumMod val="40000"/>
+                    <a:lumOff val="60000"/>
+                  </a:schemeClr>
+                </a:solidFill>
+              </a:defRPr>
+            </a:lvl1pPr>
+          </a:lstStyle>
+          <a:p>
+            <a:fld id="{0B68DAEF-758E-4837-9EDC-C3E6104B9F64}" type="datetime1">
+              <a:rPr lang="de-DE" smtClean="0"/>
+              <a:pPr/>
+              <a:t>20.12.2021</a:t>
+            </a:fld>
+            <a:endParaRPr lang="de-DE" dirty="0"/>
+          </a:p>
+        </p:txBody>
+      </p:sp>
+      <p:sp>
+        <p:nvSpPr>
+          <p:cNvPr id="4" name="Fußzeilenplatzhalter 3">
+            <a:extLst>
+              <a:ext uri="{FF2B5EF4-FFF2-40B4-BE49-F238E27FC236}">
+                <a16:creationId xmlns:a16="http://schemas.microsoft.com/office/drawing/2014/main" id="{6659EBA3-C2FC-4458-97B6-6818D8755C78}"/>
+              </a:ext>
+            </a:extLst>
+          </p:cNvPr>
+          <p:cNvSpPr>
+            <a:spLocks noGrp="1"/>
+          </p:cNvSpPr>
+          <p:nvPr>
+            <p:ph type="ftr" sz="quarter" idx="11"/>
+          </p:nvPr>
+        </p:nvSpPr>
+        <p:spPr>
+          <a:xfrm>
+            <a:off x="3581400" y="6486148"/>
+            <a:ext cx="5029200" cy="365125"/>
+          </a:xfrm>
+          <a:solidFill>
+            <a:schemeClr val="tx2">
+              <a:lumMod val="75000"/>
+            </a:schemeClr>
+          </a:solidFill>
+        </p:spPr>
+        <p:txBody>
+          <a:bodyPr/>
+          <a:lstStyle>
+            <a:lvl1pPr>
+              <a:defRPr>
+                <a:solidFill>
+                  <a:schemeClr val="accent4">
+                    <a:lumMod val="40000"/>
+                    <a:lumOff val="60000"/>
+                  </a:schemeClr>
+                </a:solidFill>
+              </a:defRPr>
+            </a:lvl1pPr>
+          </a:lstStyle>
+          <a:p>
+            <a:r>
+              <a:rPr lang="de-DE" dirty="0"/>
+              <a:t>Timo Meyer</a:t>
+            </a:r>
+          </a:p>
+        </p:txBody>
+      </p:sp>
+      <p:sp>
+        <p:nvSpPr>
+          <p:cNvPr id="5" name="Foliennummernplatzhalter 4">
+            <a:extLst>
+              <a:ext uri="{FF2B5EF4-FFF2-40B4-BE49-F238E27FC236}">
+                <a16:creationId xmlns:a16="http://schemas.microsoft.com/office/drawing/2014/main" id="{ACCD68A6-6770-4130-B195-603E1FFF0C4D}"/>
+              </a:ext>
+            </a:extLst>
+          </p:cNvPr>
+          <p:cNvSpPr>
+            <a:spLocks noGrp="1"/>
+          </p:cNvSpPr>
+          <p:nvPr>
+            <p:ph type="sldNum" sz="quarter" idx="12"/>
+          </p:nvPr>
+        </p:nvSpPr>
+        <p:spPr>
+          <a:xfrm>
+            <a:off x="8610600" y="6486149"/>
+            <a:ext cx="3581400" cy="365125"/>
+          </a:xfrm>
+          <a:solidFill>
+            <a:schemeClr val="tx2">
+              <a:lumMod val="75000"/>
+            </a:schemeClr>
+          </a:solidFill>
+        </p:spPr>
+        <p:txBody>
+          <a:bodyPr/>
+          <a:lstStyle>
+            <a:lvl1pPr>
+              <a:defRPr>
+                <a:solidFill>
+                  <a:schemeClr val="accent4">
+                    <a:lumMod val="40000"/>
+                    <a:lumOff val="60000"/>
+                  </a:schemeClr>
+                </a:solidFill>
+              </a:defRPr>
+            </a:lvl1pPr>
+          </a:lstStyle>
+          <a:p>
+            <a:fld id="{A97D2E83-CF14-4A73-BFD5-C2A89A8455B9}" type="slidenum">
+              <a:rPr lang="de-DE" smtClean="0"/>
+              <a:pPr/>
+              <a:t>‹Nr.›</a:t>
+            </a:fld>
+            <a:endParaRPr lang="de-DE" dirty="0"/>
+          </a:p>
+        </p:txBody>
+      </p:sp>
+      <p:sp>
+        <p:nvSpPr>
+          <p:cNvPr id="6" name="Rechteck 5">
+            <a:extLst>
+              <a:ext uri="{FF2B5EF4-FFF2-40B4-BE49-F238E27FC236}">
+                <a16:creationId xmlns:a16="http://schemas.microsoft.com/office/drawing/2014/main" id="{80DD097B-F1FA-4B36-AE9E-C3036B9AA749}"/>
               </a:ext>
             </a:extLst>
           </p:cNvPr>
@@ -1352,10 +1640,173 @@
           </a:p>
         </p:txBody>
       </p:sp>
+      <p:sp>
+        <p:nvSpPr>
+          <p:cNvPr id="7" name="Titel 1">
+            <a:extLst>
+              <a:ext uri="{FF2B5EF4-FFF2-40B4-BE49-F238E27FC236}">
+                <a16:creationId xmlns:a16="http://schemas.microsoft.com/office/drawing/2014/main" id="{9A1A36F6-72FF-43A9-84B3-2D60AA967784}"/>
+              </a:ext>
+            </a:extLst>
+          </p:cNvPr>
+          <p:cNvSpPr>
+            <a:spLocks noGrp="1"/>
+          </p:cNvSpPr>
+          <p:nvPr>
+            <p:ph type="title"/>
+          </p:nvPr>
+        </p:nvSpPr>
+        <p:spPr>
+          <a:xfrm>
+            <a:off x="698240" y="365126"/>
+            <a:ext cx="10655560" cy="1089602"/>
+          </a:xfrm>
+        </p:spPr>
+        <p:txBody>
+          <a:bodyPr/>
+          <a:lstStyle/>
+          <a:p>
+            <a:r>
+              <a:rPr lang="de-DE" dirty="0"/>
+              <a:t>Mastertitelformat bearbeiten</a:t>
+            </a:r>
+          </a:p>
+        </p:txBody>
+      </p:sp>
+      <p:sp>
+        <p:nvSpPr>
+          <p:cNvPr id="11" name="Bildplatzhalter 8">
+            <a:extLst>
+              <a:ext uri="{FF2B5EF4-FFF2-40B4-BE49-F238E27FC236}">
+                <a16:creationId xmlns:a16="http://schemas.microsoft.com/office/drawing/2014/main" id="{D0DAB31C-30C9-4895-835B-A7BC330F251C}"/>
+              </a:ext>
+            </a:extLst>
+          </p:cNvPr>
+          <p:cNvSpPr>
+            <a:spLocks noGrp="1"/>
+          </p:cNvSpPr>
+          <p:nvPr>
+            <p:ph type="pic" sz="quarter" idx="15"/>
+          </p:nvPr>
+        </p:nvSpPr>
+        <p:spPr>
+          <a:xfrm>
+            <a:off x="8056721" y="1546225"/>
+            <a:ext cx="3890961" cy="3773488"/>
+          </a:xfrm>
+        </p:spPr>
+        <p:txBody>
+          <a:bodyPr/>
+          <a:lstStyle/>
+          <a:p>
+            <a:endParaRPr lang="de-DE"/>
+          </a:p>
+        </p:txBody>
+      </p:sp>
+      <p:sp>
+        <p:nvSpPr>
+          <p:cNvPr id="12" name="Bildplatzhalter 8">
+            <a:extLst>
+              <a:ext uri="{FF2B5EF4-FFF2-40B4-BE49-F238E27FC236}">
+                <a16:creationId xmlns:a16="http://schemas.microsoft.com/office/drawing/2014/main" id="{0C3E31A3-0AED-49EE-9BF3-E522540D7170}"/>
+              </a:ext>
+            </a:extLst>
+          </p:cNvPr>
+          <p:cNvSpPr>
+            <a:spLocks noGrp="1"/>
+          </p:cNvSpPr>
+          <p:nvPr>
+            <p:ph type="pic" sz="quarter" idx="16"/>
+          </p:nvPr>
+        </p:nvSpPr>
+        <p:spPr>
+          <a:xfrm>
+            <a:off x="4135279" y="1546225"/>
+            <a:ext cx="3890961" cy="3773488"/>
+          </a:xfrm>
+        </p:spPr>
+        <p:txBody>
+          <a:bodyPr/>
+          <a:lstStyle/>
+          <a:p>
+            <a:endParaRPr lang="de-DE"/>
+          </a:p>
+        </p:txBody>
+      </p:sp>
+      <p:sp>
+        <p:nvSpPr>
+          <p:cNvPr id="13" name="Bildplatzhalter 8">
+            <a:extLst>
+              <a:ext uri="{FF2B5EF4-FFF2-40B4-BE49-F238E27FC236}">
+                <a16:creationId xmlns:a16="http://schemas.microsoft.com/office/drawing/2014/main" id="{F9AC914D-D36C-4D90-829C-6C1E225DA720}"/>
+              </a:ext>
+            </a:extLst>
+          </p:cNvPr>
+          <p:cNvSpPr>
+            <a:spLocks noGrp="1"/>
+          </p:cNvSpPr>
+          <p:nvPr>
+            <p:ph type="pic" sz="quarter" idx="17"/>
+          </p:nvPr>
+        </p:nvSpPr>
+        <p:spPr>
+          <a:xfrm>
+            <a:off x="244318" y="1546225"/>
+            <a:ext cx="3890961" cy="3773488"/>
+          </a:xfrm>
+        </p:spPr>
+        <p:txBody>
+          <a:bodyPr/>
+          <a:lstStyle/>
+          <a:p>
+            <a:endParaRPr lang="de-DE"/>
+          </a:p>
+        </p:txBody>
+      </p:sp>
+      <p:sp>
+        <p:nvSpPr>
+          <p:cNvPr id="15" name="Textplatzhalter 14">
+            <a:extLst>
+              <a:ext uri="{FF2B5EF4-FFF2-40B4-BE49-F238E27FC236}">
+                <a16:creationId xmlns:a16="http://schemas.microsoft.com/office/drawing/2014/main" id="{6469126D-AB4C-4D9D-9855-9A744CA8A1DD}"/>
+              </a:ext>
+            </a:extLst>
+          </p:cNvPr>
+          <p:cNvSpPr>
+            <a:spLocks noGrp="1"/>
+          </p:cNvSpPr>
+          <p:nvPr>
+            <p:ph type="body" sz="quarter" idx="18"/>
+          </p:nvPr>
+        </p:nvSpPr>
+        <p:spPr>
+          <a:xfrm>
+            <a:off x="244475" y="5419725"/>
+            <a:ext cx="11703050" cy="965200"/>
+          </a:xfrm>
+        </p:spPr>
+        <p:txBody>
+          <a:bodyPr>
+            <a:normAutofit/>
+          </a:bodyPr>
+          <a:lstStyle>
+            <a:lvl1pPr>
+              <a:defRPr sz="1800"/>
+            </a:lvl1pPr>
+          </a:lstStyle>
+          <a:p>
+            <a:pPr lvl="0"/>
+            <a:r>
+              <a:rPr lang="de-DE" dirty="0"/>
+              <a:t>Mastertextformat bearbeiten</a:t>
+            </a:r>
+          </a:p>
+        </p:txBody>
+      </p:sp>
     </p:spTree>
     <p:extLst>
       <p:ext uri="{BB962C8B-B14F-4D97-AF65-F5344CB8AC3E}">
-        <p14:creationId xmlns:p14="http://schemas.microsoft.com/office/powerpoint/2010/main" val="2232773628"/>
+        <p14:creationId xmlns:p14="http://schemas.microsoft.com/office/powerpoint/2010/main" val="3636408058"/>
       </p:ext>
     </p:extLst>
   </p:cSld>
@@ -1365,9 +1816,9 @@
 </p:sldLayout>
 </file>
 
-<file path=ppt/slideLayouts/slideLayout3.xml><?xml version="1.0" encoding="utf-8"?>
+<file path=ppt/slideLayouts/slideLayout4.xml><?xml version="1.0" encoding="utf-8"?>
 <p:sldLayout xmlns:a="http://schemas.openxmlformats.org/drawingml/2006/main" xmlns:r="http://schemas.openxmlformats.org/officeDocument/2006/relationships" xmlns:p="http://schemas.openxmlformats.org/presentationml/2006/main" preserve="1" userDrawn="1">
-  <p:cSld name="Benutzerdefiniertes Layout">
+  <p:cSld name="1_PRIMARY SLIDE">
     <p:spTree>
       <p:nvGrpSpPr>
         <p:cNvPr id="1" name=""/>
@@ -1384,161 +1835,10 @@
       </p:grpSpPr>
       <p:sp>
         <p:nvSpPr>
-          <p:cNvPr id="3" name="Datumsplatzhalter 2">
-            <a:extLst>
-              <a:ext uri="{FF2B5EF4-FFF2-40B4-BE49-F238E27FC236}">
-                <a16:creationId xmlns:a16="http://schemas.microsoft.com/office/drawing/2014/main" id="{E2C043A6-22A8-43C7-BF8E-138C905D5920}"/>
-              </a:ext>
-            </a:extLst>
-          </p:cNvPr>
-          <p:cNvSpPr>
-            <a:spLocks noGrp="1"/>
-          </p:cNvSpPr>
-          <p:nvPr>
-            <p:ph type="dt" sz="half" idx="10"/>
-          </p:nvPr>
-        </p:nvSpPr>
-        <p:spPr>
-          <a:xfrm>
-            <a:off x="0" y="6486147"/>
-            <a:ext cx="3581400" cy="365125"/>
-          </a:xfrm>
-          <a:solidFill>
-            <a:schemeClr val="tx2">
-              <a:lumMod val="75000"/>
-            </a:schemeClr>
-          </a:solidFill>
-        </p:spPr>
-        <p:txBody>
-          <a:bodyPr/>
-          <a:lstStyle>
-            <a:lvl1pPr>
-              <a:defRPr>
-                <a:solidFill>
-                  <a:schemeClr val="accent4">
-                    <a:lumMod val="40000"/>
-                    <a:lumOff val="60000"/>
-                  </a:schemeClr>
-                </a:solidFill>
-              </a:defRPr>
-            </a:lvl1pPr>
-          </a:lstStyle>
-          <a:p>
-            <a:fld id="{0B68DAEF-758E-4837-9EDC-C3E6104B9F64}" type="datetime1">
-              <a:rPr lang="de-DE" smtClean="0"/>
-              <a:pPr/>
-              <a:t>19.12.2021</a:t>
-            </a:fld>
-            <a:endParaRPr lang="de-DE" dirty="0"/>
-          </a:p>
-        </p:txBody>
-      </p:sp>
-      <p:sp>
-        <p:nvSpPr>
-          <p:cNvPr id="4" name="Fußzeilenplatzhalter 3">
-            <a:extLst>
-              <a:ext uri="{FF2B5EF4-FFF2-40B4-BE49-F238E27FC236}">
-                <a16:creationId xmlns:a16="http://schemas.microsoft.com/office/drawing/2014/main" id="{6659EBA3-C2FC-4458-97B6-6818D8755C78}"/>
-              </a:ext>
-            </a:extLst>
-          </p:cNvPr>
-          <p:cNvSpPr>
-            <a:spLocks noGrp="1"/>
-          </p:cNvSpPr>
-          <p:nvPr>
-            <p:ph type="ftr" sz="quarter" idx="11"/>
-          </p:nvPr>
-        </p:nvSpPr>
-        <p:spPr>
-          <a:xfrm>
-            <a:off x="3581400" y="6486148"/>
-            <a:ext cx="5029200" cy="365125"/>
-          </a:xfrm>
-          <a:solidFill>
-            <a:schemeClr val="tx2">
-              <a:lumMod val="75000"/>
-            </a:schemeClr>
-          </a:solidFill>
-        </p:spPr>
-        <p:txBody>
-          <a:bodyPr/>
-          <a:lstStyle>
-            <a:lvl1pPr>
-              <a:defRPr>
-                <a:solidFill>
-                  <a:schemeClr val="accent4">
-                    <a:lumMod val="40000"/>
-                    <a:lumOff val="60000"/>
-                  </a:schemeClr>
-                </a:solidFill>
-              </a:defRPr>
-            </a:lvl1pPr>
-          </a:lstStyle>
-          <a:p>
-            <a:r>
-              <a:rPr lang="de-DE" dirty="0"/>
-              <a:t>Timo Meyer</a:t>
-            </a:r>
-          </a:p>
-        </p:txBody>
-      </p:sp>
-      <p:sp>
-        <p:nvSpPr>
-          <p:cNvPr id="5" name="Foliennummernplatzhalter 4">
-            <a:extLst>
-              <a:ext uri="{FF2B5EF4-FFF2-40B4-BE49-F238E27FC236}">
-                <a16:creationId xmlns:a16="http://schemas.microsoft.com/office/drawing/2014/main" id="{ACCD68A6-6770-4130-B195-603E1FFF0C4D}"/>
-              </a:ext>
-            </a:extLst>
-          </p:cNvPr>
-          <p:cNvSpPr>
-            <a:spLocks noGrp="1"/>
-          </p:cNvSpPr>
-          <p:nvPr>
-            <p:ph type="sldNum" sz="quarter" idx="12"/>
-          </p:nvPr>
-        </p:nvSpPr>
-        <p:spPr>
-          <a:xfrm>
-            <a:off x="8610600" y="6486149"/>
-            <a:ext cx="3581400" cy="365125"/>
-          </a:xfrm>
-          <a:solidFill>
-            <a:schemeClr val="tx2">
-              <a:lumMod val="75000"/>
-            </a:schemeClr>
-          </a:solidFill>
-        </p:spPr>
-        <p:txBody>
-          <a:bodyPr/>
-          <a:lstStyle>
-            <a:lvl1pPr>
-              <a:defRPr>
-                <a:solidFill>
-                  <a:schemeClr val="accent4">
-                    <a:lumMod val="40000"/>
-                    <a:lumOff val="60000"/>
-                  </a:schemeClr>
-                </a:solidFill>
-              </a:defRPr>
-            </a:lvl1pPr>
-          </a:lstStyle>
-          <a:p>
-            <a:fld id="{A97D2E83-CF14-4A73-BFD5-C2A89A8455B9}" type="slidenum">
-              <a:rPr lang="de-DE" smtClean="0"/>
-              <a:pPr/>
-              <a:t>‹Nr.›</a:t>
-            </a:fld>
-            <a:endParaRPr lang="de-DE" dirty="0"/>
-          </a:p>
-        </p:txBody>
-      </p:sp>
-      <p:sp>
-        <p:nvSpPr>
-          <p:cNvPr id="6" name="Rechteck 5">
-            <a:extLst>
-              <a:ext uri="{FF2B5EF4-FFF2-40B4-BE49-F238E27FC236}">
-                <a16:creationId xmlns:a16="http://schemas.microsoft.com/office/drawing/2014/main" id="{80DD097B-F1FA-4B36-AE9E-C3036B9AA749}"/>
+          <p:cNvPr id="12" name="Rechteck 11">
+            <a:extLst>
+              <a:ext uri="{FF2B5EF4-FFF2-40B4-BE49-F238E27FC236}">
+                <a16:creationId xmlns:a16="http://schemas.microsoft.com/office/drawing/2014/main" id="{EE065A54-BBEE-403A-8750-6B543168175E}"/>
               </a:ext>
             </a:extLst>
           </p:cNvPr>
@@ -1589,199 +1889,6 @@
       </p:sp>
       <p:sp>
         <p:nvSpPr>
-          <p:cNvPr id="7" name="Titel 1">
-            <a:extLst>
-              <a:ext uri="{FF2B5EF4-FFF2-40B4-BE49-F238E27FC236}">
-                <a16:creationId xmlns:a16="http://schemas.microsoft.com/office/drawing/2014/main" id="{9A1A36F6-72FF-43A9-84B3-2D60AA967784}"/>
-              </a:ext>
-            </a:extLst>
-          </p:cNvPr>
-          <p:cNvSpPr>
-            <a:spLocks noGrp="1"/>
-          </p:cNvSpPr>
-          <p:nvPr>
-            <p:ph type="title"/>
-          </p:nvPr>
-        </p:nvSpPr>
-        <p:spPr>
-          <a:xfrm>
-            <a:off x="698240" y="365126"/>
-            <a:ext cx="10655560" cy="1089602"/>
-          </a:xfrm>
-        </p:spPr>
-        <p:txBody>
-          <a:bodyPr/>
-          <a:lstStyle/>
-          <a:p>
-            <a:r>
-              <a:rPr lang="de-DE" dirty="0"/>
-              <a:t>Mastertitelformat bearbeiten</a:t>
-            </a:r>
-          </a:p>
-        </p:txBody>
-      </p:sp>
-      <p:sp>
-        <p:nvSpPr>
-          <p:cNvPr id="11" name="Bildplatzhalter 8">
-            <a:extLst>
-              <a:ext uri="{FF2B5EF4-FFF2-40B4-BE49-F238E27FC236}">
-                <a16:creationId xmlns:a16="http://schemas.microsoft.com/office/drawing/2014/main" id="{D0DAB31C-30C9-4895-835B-A7BC330F251C}"/>
-              </a:ext>
-            </a:extLst>
-          </p:cNvPr>
-          <p:cNvSpPr>
-            <a:spLocks noGrp="1"/>
-          </p:cNvSpPr>
-          <p:nvPr>
-            <p:ph type="pic" sz="quarter" idx="15"/>
-          </p:nvPr>
-        </p:nvSpPr>
-        <p:spPr>
-          <a:xfrm>
-            <a:off x="8056721" y="1546225"/>
-            <a:ext cx="3890961" cy="3773488"/>
-          </a:xfrm>
-        </p:spPr>
-        <p:txBody>
-          <a:bodyPr/>
-          <a:lstStyle/>
-          <a:p>
-            <a:endParaRPr lang="de-DE"/>
-          </a:p>
-        </p:txBody>
-      </p:sp>
-      <p:sp>
-        <p:nvSpPr>
-          <p:cNvPr id="12" name="Bildplatzhalter 8">
-            <a:extLst>
-              <a:ext uri="{FF2B5EF4-FFF2-40B4-BE49-F238E27FC236}">
-                <a16:creationId xmlns:a16="http://schemas.microsoft.com/office/drawing/2014/main" id="{0C3E31A3-0AED-49EE-9BF3-E522540D7170}"/>
-              </a:ext>
-            </a:extLst>
-          </p:cNvPr>
-          <p:cNvSpPr>
-            <a:spLocks noGrp="1"/>
-          </p:cNvSpPr>
-          <p:nvPr>
-            <p:ph type="pic" sz="quarter" idx="16"/>
-          </p:nvPr>
-        </p:nvSpPr>
-        <p:spPr>
-          <a:xfrm>
-            <a:off x="4135279" y="1546225"/>
-            <a:ext cx="3890961" cy="3773488"/>
-          </a:xfrm>
-        </p:spPr>
-        <p:txBody>
-          <a:bodyPr/>
-          <a:lstStyle/>
-          <a:p>
-            <a:endParaRPr lang="de-DE"/>
-          </a:p>
-        </p:txBody>
-      </p:sp>
-      <p:sp>
-        <p:nvSpPr>
-          <p:cNvPr id="13" name="Bildplatzhalter 8">
-            <a:extLst>
-              <a:ext uri="{FF2B5EF4-FFF2-40B4-BE49-F238E27FC236}">
-                <a16:creationId xmlns:a16="http://schemas.microsoft.com/office/drawing/2014/main" id="{F9AC914D-D36C-4D90-829C-6C1E225DA720}"/>
-              </a:ext>
-            </a:extLst>
-          </p:cNvPr>
-          <p:cNvSpPr>
-            <a:spLocks noGrp="1"/>
-          </p:cNvSpPr>
-          <p:nvPr>
-            <p:ph type="pic" sz="quarter" idx="17"/>
-          </p:nvPr>
-        </p:nvSpPr>
-        <p:spPr>
-          <a:xfrm>
-            <a:off x="244318" y="1546225"/>
-            <a:ext cx="3890961" cy="3773488"/>
-          </a:xfrm>
-        </p:spPr>
-        <p:txBody>
-          <a:bodyPr/>
-          <a:lstStyle/>
-          <a:p>
-            <a:endParaRPr lang="de-DE"/>
-          </a:p>
-        </p:txBody>
-      </p:sp>
-      <p:sp>
-        <p:nvSpPr>
-          <p:cNvPr id="15" name="Textplatzhalter 14">
-            <a:extLst>
-              <a:ext uri="{FF2B5EF4-FFF2-40B4-BE49-F238E27FC236}">
-                <a16:creationId xmlns:a16="http://schemas.microsoft.com/office/drawing/2014/main" id="{6469126D-AB4C-4D9D-9855-9A744CA8A1DD}"/>
-              </a:ext>
-            </a:extLst>
-          </p:cNvPr>
-          <p:cNvSpPr>
-            <a:spLocks noGrp="1"/>
-          </p:cNvSpPr>
-          <p:nvPr>
-            <p:ph type="body" sz="quarter" idx="18"/>
-          </p:nvPr>
-        </p:nvSpPr>
-        <p:spPr>
-          <a:xfrm>
-            <a:off x="244475" y="5419725"/>
-            <a:ext cx="11703050" cy="965200"/>
-          </a:xfrm>
-        </p:spPr>
-        <p:txBody>
-          <a:bodyPr>
-            <a:normAutofit/>
-          </a:bodyPr>
-          <a:lstStyle>
-            <a:lvl1pPr>
-              <a:defRPr sz="1800"/>
-            </a:lvl1pPr>
-          </a:lstStyle>
-          <a:p>
-            <a:pPr lvl="0"/>
-            <a:r>
-              <a:rPr lang="de-DE" dirty="0"/>
-              <a:t>Mastertextformat bearbeiten</a:t>
-            </a:r>
-          </a:p>
-        </p:txBody>
-      </p:sp>
-    </p:spTree>
-    <p:extLst>
-      <p:ext uri="{BB962C8B-B14F-4D97-AF65-F5344CB8AC3E}">
-        <p14:creationId xmlns:p14="http://schemas.microsoft.com/office/powerpoint/2010/main" val="3636408058"/>
-      </p:ext>
-    </p:extLst>
-  </p:cSld>
-  <p:clrMapOvr>
-    <a:masterClrMapping/>
-  </p:clrMapOvr>
-</p:sldLayout>
-</file>
-
-<file path=ppt/slideLayouts/slideLayout4.xml><?xml version="1.0" encoding="utf-8"?>
-<p:sldLayout xmlns:a="http://schemas.openxmlformats.org/drawingml/2006/main" xmlns:r="http://schemas.openxmlformats.org/officeDocument/2006/relationships" xmlns:p="http://schemas.openxmlformats.org/presentationml/2006/main" preserve="1" userDrawn="1">
-  <p:cSld name="1_PRIMARY SLIDE">
-    <p:spTree>
-      <p:nvGrpSpPr>
-        <p:cNvPr id="1" name=""/>
-        <p:cNvGrpSpPr/>
-        <p:nvPr/>
-      </p:nvGrpSpPr>
-      <p:grpSpPr>
-        <a:xfrm>
-          <a:off x="0" y="0"/>
-          <a:ext cx="0" cy="0"/>
-          <a:chOff x="0" y="0"/>
-          <a:chExt cx="0" cy="0"/>
-        </a:xfrm>
-      </p:grpSpPr>
-      <p:sp>
-        <p:nvSpPr>
           <p:cNvPr id="2" name="Titel 1">
             <a:extLst>
               <a:ext uri="{FF2B5EF4-FFF2-40B4-BE49-F238E27FC236}">
@@ -1888,7 +1995,7 @@
           <a:p>
             <a:fld id="{57BF7E81-4A25-4945-A8A1-ED5714DDBF31}" type="datetime1">
               <a:rPr lang="de-DE" smtClean="0"/>
-              <a:t>19.12.2021</a:t>
+              <a:t>20.12.2021</a:t>
             </a:fld>
             <a:endParaRPr lang="de-DE" dirty="0"/>
           </a:p>
@@ -1996,60 +2103,6 @@
       </p:sp>
       <p:sp>
         <p:nvSpPr>
-          <p:cNvPr id="12" name="Rechteck 11">
-            <a:extLst>
-              <a:ext uri="{FF2B5EF4-FFF2-40B4-BE49-F238E27FC236}">
-                <a16:creationId xmlns:a16="http://schemas.microsoft.com/office/drawing/2014/main" id="{EE065A54-BBEE-403A-8750-6B543168175E}"/>
-              </a:ext>
-            </a:extLst>
-          </p:cNvPr>
-          <p:cNvSpPr/>
-          <p:nvPr userDrawn="1"/>
-        </p:nvSpPr>
-        <p:spPr>
-          <a:xfrm>
-            <a:off x="0" y="0"/>
-            <a:ext cx="12192000" cy="365125"/>
-          </a:xfrm>
-          <a:prstGeom prst="rect">
-            <a:avLst/>
-          </a:prstGeom>
-          <a:solidFill>
-            <a:schemeClr val="tx2"/>
-          </a:solidFill>
-          <a:ln>
-            <a:solidFill>
-              <a:schemeClr val="tx2"/>
-            </a:solidFill>
-          </a:ln>
-        </p:spPr>
-        <p:style>
-          <a:lnRef idx="2">
-            <a:schemeClr val="accent1">
-              <a:shade val="50000"/>
-            </a:schemeClr>
-          </a:lnRef>
-          <a:fillRef idx="1">
-            <a:schemeClr val="accent1"/>
-          </a:fillRef>
-          <a:effectRef idx="0">
-            <a:schemeClr val="accent1"/>
-          </a:effectRef>
-          <a:fontRef idx="minor">
-            <a:schemeClr val="lt1"/>
-          </a:fontRef>
-        </p:style>
-        <p:txBody>
-          <a:bodyPr rtlCol="0" anchor="ctr"/>
-          <a:lstStyle/>
-          <a:p>
-            <a:pPr algn="ctr"/>
-            <a:endParaRPr lang="de-DE"/>
-          </a:p>
-        </p:txBody>
-      </p:sp>
-      <p:sp>
-        <p:nvSpPr>
           <p:cNvPr id="8" name="Bildplatzhalter 8">
             <a:extLst>
               <a:ext uri="{FF2B5EF4-FFF2-40B4-BE49-F238E27FC236}">
@@ -2075,6 +2128,57 @@
           <a:lstStyle/>
           <a:p>
             <a:endParaRPr lang="de-DE"/>
+          </a:p>
+        </p:txBody>
+      </p:sp>
+      <p:sp>
+        <p:nvSpPr>
+          <p:cNvPr id="15" name="Titel 1">
+            <a:extLst>
+              <a:ext uri="{FF2B5EF4-FFF2-40B4-BE49-F238E27FC236}">
+                <a16:creationId xmlns:a16="http://schemas.microsoft.com/office/drawing/2014/main" id="{1CCD204D-F3A1-40D2-B1C4-609086C58181}"/>
+              </a:ext>
+            </a:extLst>
+          </p:cNvPr>
+          <p:cNvSpPr txBox="1">
+            <a:spLocks/>
+          </p:cNvSpPr>
+          <p:nvPr userDrawn="1"/>
+        </p:nvSpPr>
+        <p:spPr>
+          <a:xfrm>
+            <a:off x="0" y="18113"/>
+            <a:ext cx="4361440" cy="365125"/>
+          </a:xfrm>
+          <a:prstGeom prst="rect">
+            <a:avLst/>
+          </a:prstGeom>
+        </p:spPr>
+        <p:txBody>
+          <a:bodyPr vert="horz" lIns="91440" tIns="45720" rIns="91440" bIns="45720" rtlCol="0" anchor="ctr">
+            <a:normAutofit/>
+          </a:bodyPr>
+          <a:lstStyle>
+            <a:lvl1pPr algn="l" defTabSz="914400" rtl="0" eaLnBrk="1" latinLnBrk="0" hangingPunct="1">
+              <a:lnSpc>
+                <a:spcPct val="90000"/>
+              </a:lnSpc>
+              <a:spcBef>
+                <a:spcPct val="0"/>
+              </a:spcBef>
+              <a:buNone/>
+              <a:defRPr sz="3600" kern="1200">
+                <a:solidFill>
+                  <a:schemeClr val="tx1"/>
+                </a:solidFill>
+                <a:latin typeface="+mj-lt"/>
+                <a:ea typeface="+mj-ea"/>
+                <a:cs typeface="Aharoni" panose="02010803020104030203" pitchFamily="2" charset="-79"/>
+              </a:defRPr>
+            </a:lvl1pPr>
+          </a:lstStyle>
+          <a:p>
+            <a:endParaRPr lang="de-DE" sz="1600" dirty="0"/>
           </a:p>
         </p:txBody>
       </p:sp>
@@ -2265,7 +2369,7 @@
           <a:p>
             <a:fld id="{0B68DAEF-758E-4837-9EDC-C3E6104B9F64}" type="datetime1">
               <a:rPr lang="de-DE" smtClean="0"/>
-              <a:t>19.12.2021</a:t>
+              <a:t>20.12.2021</a:t>
             </a:fld>
             <a:endParaRPr lang="de-DE"/>
           </a:p>
@@ -2717,6 +2821,38 @@
               <a:t>Fine-Scale Tracking of Ambient Temperature and Movement Reveals Shuttling Behavior of Elephants to Water</a:t>
             </a:r>
             <a:br>
+              <a:rPr lang="en-US" sz="2700" b="0" i="0" dirty="0">
+                <a:solidFill>
+                  <a:schemeClr val="bg2"/>
+                </a:solidFill>
+                <a:effectLst/>
+              </a:rPr>
+            </a:br>
+            <a:br>
+              <a:rPr lang="en-US" sz="2700" b="0" i="0" dirty="0">
+                <a:solidFill>
+                  <a:schemeClr val="bg2"/>
+                </a:solidFill>
+                <a:effectLst/>
+              </a:rPr>
+            </a:br>
+            <a:r>
+              <a:rPr lang="en-US" sz="2700" dirty="0" err="1">
+                <a:solidFill>
+                  <a:schemeClr val="bg2"/>
+                </a:solidFill>
+              </a:rPr>
+              <a:t>Thaker</a:t>
+            </a:r>
+            <a:r>
+              <a:rPr lang="en-US" sz="2700" dirty="0">
+                <a:solidFill>
+                  <a:schemeClr val="bg2"/>
+                </a:solidFill>
+              </a:rPr>
+              <a:t>, M., et al.</a:t>
+            </a:r>
+            <a:br>
               <a:rPr lang="en-US" b="0" i="0" dirty="0">
                 <a:solidFill>
                   <a:srgbClr val="111111"/>
@@ -2796,7 +2932,7 @@
           <p:cNvPr id="2" name="Titel 1">
             <a:extLst>
               <a:ext uri="{FF2B5EF4-FFF2-40B4-BE49-F238E27FC236}">
-                <a16:creationId xmlns:a16="http://schemas.microsoft.com/office/drawing/2014/main" id="{ED41A9EB-1B63-4274-9CBF-3E5E313C1742}"/>
+                <a16:creationId xmlns:a16="http://schemas.microsoft.com/office/drawing/2014/main" id="{BFE9B805-56A0-4A5A-8B55-36A815C80D1B}"/>
               </a:ext>
             </a:extLst>
           </p:cNvPr>
@@ -2814,7 +2950,7 @@
           <a:p>
             <a:r>
               <a:rPr lang="de-DE" dirty="0"/>
-              <a:t>Pendelverhalten zu Wasserquellen</a:t>
+              <a:t>Beziehung zwischen Geschwindigkeit und Temperatur</a:t>
             </a:r>
           </a:p>
         </p:txBody>
@@ -2824,7 +2960,7 @@
           <p:cNvPr id="3" name="Inhaltsplatzhalter 2">
             <a:extLst>
               <a:ext uri="{FF2B5EF4-FFF2-40B4-BE49-F238E27FC236}">
-                <a16:creationId xmlns:a16="http://schemas.microsoft.com/office/drawing/2014/main" id="{11FF0CED-FBBE-42D1-ACA1-D97D44FB5702}"/>
+                <a16:creationId xmlns:a16="http://schemas.microsoft.com/office/drawing/2014/main" id="{A5142B95-0C01-4C1B-8753-667DD20A13C7}"/>
               </a:ext>
             </a:extLst>
           </p:cNvPr>
@@ -2837,92 +2973,16 @@
         </p:nvSpPr>
         <p:spPr/>
         <p:txBody>
-          <a:bodyPr>
-            <a:normAutofit lnSpcReduction="10000"/>
-          </a:bodyPr>
-          <a:lstStyle/>
-          <a:p>
-            <a:r>
-              <a:rPr lang="de-DE" dirty="0"/>
-              <a:t>Vorgehen</a:t>
-            </a:r>
-          </a:p>
-          <a:p>
-            <a:pPr lvl="1">
-              <a:spcBef>
-                <a:spcPts val="1200"/>
-              </a:spcBef>
+          <a:bodyPr/>
+          <a:lstStyle/>
+          <a:p>
+            <a:pPr marL="0" indent="0">
+              <a:buNone/>
             </a:pPr>
-            <a:r>
-              <a:rPr lang="de-DE" dirty="0"/>
-              <a:t>Kolmogorov-Smirnov Test zur Verteilung der Tiere relativ zu Wasserquellen</a:t>
-            </a:r>
-          </a:p>
-          <a:p>
-            <a:pPr lvl="1">
-              <a:spcBef>
-                <a:spcPts val="1200"/>
-              </a:spcBef>
-            </a:pPr>
-            <a:r>
-              <a:rPr lang="de-DE" dirty="0"/>
-              <a:t>Unterteilung des Bewegungsverhaltens in Segmente</a:t>
-            </a:r>
-          </a:p>
-          <a:p>
-            <a:pPr lvl="1">
-              <a:spcBef>
-                <a:spcPts val="1200"/>
-              </a:spcBef>
-            </a:pPr>
-            <a:r>
-              <a:rPr lang="de-DE" dirty="0"/>
-              <a:t>Nutzung eines Clusteralgorithmus zur Einteilung der Segmente in drei Klassen</a:t>
-            </a:r>
-          </a:p>
-          <a:p>
-            <a:pPr lvl="2">
-              <a:spcBef>
-                <a:spcPts val="1200"/>
-              </a:spcBef>
-            </a:pPr>
-            <a:r>
-              <a:rPr lang="de-DE" dirty="0"/>
-              <a:t>(1) Bewegung weg vom Wasser</a:t>
-            </a:r>
-          </a:p>
-          <a:p>
-            <a:pPr lvl="2">
-              <a:spcBef>
-                <a:spcPts val="1200"/>
-              </a:spcBef>
-            </a:pPr>
-            <a:r>
-              <a:rPr lang="de-DE" dirty="0"/>
-              <a:t>(2) Bewegung gleichbleibend zum Wasser (parallel)</a:t>
-            </a:r>
-          </a:p>
-          <a:p>
-            <a:pPr lvl="2">
-              <a:spcBef>
-                <a:spcPts val="1200"/>
-              </a:spcBef>
-            </a:pPr>
-            <a:r>
-              <a:rPr lang="de-DE" dirty="0"/>
-              <a:t>(3) Bewegung hin zum Wasser</a:t>
-            </a:r>
-          </a:p>
-          <a:p>
-            <a:pPr lvl="1">
-              <a:spcBef>
-                <a:spcPts val="1200"/>
-              </a:spcBef>
-            </a:pPr>
-            <a:r>
-              <a:rPr lang="de-DE" dirty="0"/>
-              <a:t>LMMs zum testen von diversen Bewegungsmustern</a:t>
-            </a:r>
+            <a:endParaRPr lang="de-DE" dirty="0"/>
+          </a:p>
+          <a:p>
+            <a:endParaRPr lang="de-DE" dirty="0"/>
           </a:p>
         </p:txBody>
       </p:sp>
@@ -2931,7 +2991,7 @@
           <p:cNvPr id="4" name="Datumsplatzhalter 3">
             <a:extLst>
               <a:ext uri="{FF2B5EF4-FFF2-40B4-BE49-F238E27FC236}">
-                <a16:creationId xmlns:a16="http://schemas.microsoft.com/office/drawing/2014/main" id="{10F464EE-C240-41D8-99B3-B03ED5C50763}"/>
+                <a16:creationId xmlns:a16="http://schemas.microsoft.com/office/drawing/2014/main" id="{B834A4EC-3FEB-4923-974A-B62C04AD0FBC}"/>
               </a:ext>
             </a:extLst>
           </p:cNvPr>
@@ -2949,7 +3009,7 @@
           <a:p>
             <a:fld id="{57BF7E81-4A25-4945-A8A1-ED5714DDBF31}" type="datetime1">
               <a:rPr lang="de-DE" smtClean="0"/>
-              <a:t>19.12.2021</a:t>
+              <a:t>20.12.2021</a:t>
             </a:fld>
             <a:endParaRPr lang="de-DE" dirty="0"/>
           </a:p>
@@ -2960,7 +3020,7 @@
           <p:cNvPr id="5" name="Fußzeilenplatzhalter 4">
             <a:extLst>
               <a:ext uri="{FF2B5EF4-FFF2-40B4-BE49-F238E27FC236}">
-                <a16:creationId xmlns:a16="http://schemas.microsoft.com/office/drawing/2014/main" id="{9EE29F14-608C-421B-A937-89F57BA8807F}"/>
+                <a16:creationId xmlns:a16="http://schemas.microsoft.com/office/drawing/2014/main" id="{FC974BB4-5806-44EF-91D1-746FFE1D9EE3}"/>
               </a:ext>
             </a:extLst>
           </p:cNvPr>
@@ -2989,7 +3049,7 @@
           <p:cNvPr id="6" name="Foliennummernplatzhalter 5">
             <a:extLst>
               <a:ext uri="{FF2B5EF4-FFF2-40B4-BE49-F238E27FC236}">
-                <a16:creationId xmlns:a16="http://schemas.microsoft.com/office/drawing/2014/main" id="{FCE12FBC-D676-4284-A142-C4A9B571C3F8}"/>
+                <a16:creationId xmlns:a16="http://schemas.microsoft.com/office/drawing/2014/main" id="{CD8B40E4-A3A4-4B42-A2BE-542E89943AE4}"/>
               </a:ext>
             </a:extLst>
           </p:cNvPr>
@@ -3014,30 +3074,12 @@
           </a:p>
         </p:txBody>
       </p:sp>
-      <p:sp>
-        <p:nvSpPr>
-          <p:cNvPr id="14" name="Bildplatzhalter 13">
-            <a:extLst>
-              <a:ext uri="{FF2B5EF4-FFF2-40B4-BE49-F238E27FC236}">
-                <a16:creationId xmlns:a16="http://schemas.microsoft.com/office/drawing/2014/main" id="{926D6319-CB4A-43E3-8423-B9B2864DEA2D}"/>
-              </a:ext>
-            </a:extLst>
-          </p:cNvPr>
-          <p:cNvSpPr>
-            <a:spLocks noGrp="1"/>
-          </p:cNvSpPr>
-          <p:nvPr>
-            <p:ph type="pic" sz="quarter" idx="17"/>
-          </p:nvPr>
-        </p:nvSpPr>
-        <p:spPr/>
-      </p:sp>
       <p:pic>
         <p:nvPicPr>
-          <p:cNvPr id="16" name="Grafik 15">
-            <a:extLst>
-              <a:ext uri="{FF2B5EF4-FFF2-40B4-BE49-F238E27FC236}">
-                <a16:creationId xmlns:a16="http://schemas.microsoft.com/office/drawing/2014/main" id="{525F8872-81D4-4154-A0C0-44BF62D5867C}"/>
+          <p:cNvPr id="9" name="Grafik 8">
+            <a:extLst>
+              <a:ext uri="{FF2B5EF4-FFF2-40B4-BE49-F238E27FC236}">
+                <a16:creationId xmlns:a16="http://schemas.microsoft.com/office/drawing/2014/main" id="{7EA390A3-7A3F-4C1E-ADD0-87DC32103938}"/>
               </a:ext>
             </a:extLst>
           </p:cNvPr>
@@ -3054,18 +3096,60 @@
         </p:blipFill>
         <p:spPr>
           <a:xfrm>
-            <a:off x="623455" y="1693579"/>
-            <a:ext cx="5472545" cy="4640717"/>
+            <a:off x="838200" y="1454728"/>
+            <a:ext cx="10470343" cy="4184701"/>
           </a:xfrm>
           <a:prstGeom prst="rect">
             <a:avLst/>
           </a:prstGeom>
         </p:spPr>
       </p:pic>
+      <p:sp>
+        <p:nvSpPr>
+          <p:cNvPr id="8" name="Textfeld 7">
+            <a:extLst>
+              <a:ext uri="{FF2B5EF4-FFF2-40B4-BE49-F238E27FC236}">
+                <a16:creationId xmlns:a16="http://schemas.microsoft.com/office/drawing/2014/main" id="{3618A810-61BE-425E-ABB7-EED29009CEAA}"/>
+              </a:ext>
+            </a:extLst>
+          </p:cNvPr>
+          <p:cNvSpPr txBox="1"/>
+          <p:nvPr/>
+        </p:nvSpPr>
+        <p:spPr>
+          <a:xfrm>
+            <a:off x="0" y="0"/>
+            <a:ext cx="5066950" cy="338554"/>
+          </a:xfrm>
+          <a:prstGeom prst="rect">
+            <a:avLst/>
+          </a:prstGeom>
+          <a:noFill/>
+        </p:spPr>
+        <p:txBody>
+          <a:bodyPr wrap="square" rtlCol="0">
+            <a:spAutoFit/>
+          </a:bodyPr>
+          <a:lstStyle/>
+          <a:p>
+            <a:r>
+              <a:rPr lang="de-DE" sz="1600" dirty="0">
+                <a:solidFill>
+                  <a:schemeClr val="accent4">
+                    <a:lumMod val="20000"/>
+                    <a:lumOff val="80000"/>
+                  </a:schemeClr>
+                </a:solidFill>
+              </a:rPr>
+              <a:t>2. Hauptresultat</a:t>
+            </a:r>
+          </a:p>
+        </p:txBody>
+      </p:sp>
     </p:spTree>
     <p:extLst>
       <p:ext uri="{BB962C8B-B14F-4D97-AF65-F5344CB8AC3E}">
-        <p14:creationId xmlns:p14="http://schemas.microsoft.com/office/powerpoint/2010/main" val="1455091407"/>
+        <p14:creationId xmlns:p14="http://schemas.microsoft.com/office/powerpoint/2010/main" val="3000718789"/>
       </p:ext>
     </p:extLst>
   </p:cSld>
@@ -3097,7 +3181,7 @@
           <p:cNvPr id="2" name="Titel 1">
             <a:extLst>
               <a:ext uri="{FF2B5EF4-FFF2-40B4-BE49-F238E27FC236}">
-                <a16:creationId xmlns:a16="http://schemas.microsoft.com/office/drawing/2014/main" id="{4DFADACC-22EA-40F6-8ED5-4C8432824F0D}"/>
+                <a16:creationId xmlns:a16="http://schemas.microsoft.com/office/drawing/2014/main" id="{ED41A9EB-1B63-4274-9CBF-3E5E313C1742}"/>
               </a:ext>
             </a:extLst>
           </p:cNvPr>
@@ -3115,7 +3199,114 @@
           <a:p>
             <a:r>
               <a:rPr lang="de-DE" dirty="0"/>
-              <a:t>Ergebnisse</a:t>
+              <a:t>Pendelverhalten zu Wasserquellen</a:t>
+            </a:r>
+          </a:p>
+        </p:txBody>
+      </p:sp>
+      <p:sp>
+        <p:nvSpPr>
+          <p:cNvPr id="3" name="Inhaltsplatzhalter 2">
+            <a:extLst>
+              <a:ext uri="{FF2B5EF4-FFF2-40B4-BE49-F238E27FC236}">
+                <a16:creationId xmlns:a16="http://schemas.microsoft.com/office/drawing/2014/main" id="{11FF0CED-FBBE-42D1-ACA1-D97D44FB5702}"/>
+              </a:ext>
+            </a:extLst>
+          </p:cNvPr>
+          <p:cNvSpPr>
+            <a:spLocks noGrp="1"/>
+          </p:cNvSpPr>
+          <p:nvPr>
+            <p:ph idx="1"/>
+          </p:nvPr>
+        </p:nvSpPr>
+        <p:spPr/>
+        <p:txBody>
+          <a:bodyPr>
+            <a:normAutofit lnSpcReduction="10000"/>
+          </a:bodyPr>
+          <a:lstStyle/>
+          <a:p>
+            <a:r>
+              <a:rPr lang="de-DE" dirty="0"/>
+              <a:t>Vorgehen</a:t>
+            </a:r>
+          </a:p>
+          <a:p>
+            <a:pPr lvl="1">
+              <a:spcBef>
+                <a:spcPts val="1200"/>
+              </a:spcBef>
+            </a:pPr>
+            <a:r>
+              <a:rPr lang="de-DE" dirty="0"/>
+              <a:t>Kolmogorov-Smirnov Test zur Verteilung der Tiere relativ zu Wasserquellen</a:t>
+            </a:r>
+          </a:p>
+          <a:p>
+            <a:pPr lvl="1">
+              <a:spcBef>
+                <a:spcPts val="1200"/>
+              </a:spcBef>
+            </a:pPr>
+            <a:r>
+              <a:rPr lang="de-DE" dirty="0"/>
+              <a:t>Unterteilung des Bewegungsverhaltens in Segmente</a:t>
+            </a:r>
+          </a:p>
+          <a:p>
+            <a:pPr lvl="1">
+              <a:spcBef>
+                <a:spcPts val="1200"/>
+              </a:spcBef>
+            </a:pPr>
+            <a:r>
+              <a:rPr lang="de-DE" dirty="0"/>
+              <a:t>Nutzung eines Clusteralgorithmus zur Einteilung der Segmente in drei Klassen</a:t>
+            </a:r>
+          </a:p>
+          <a:p>
+            <a:pPr lvl="2">
+              <a:spcBef>
+                <a:spcPts val="1200"/>
+              </a:spcBef>
+            </a:pPr>
+            <a:r>
+              <a:rPr lang="de-DE" dirty="0"/>
+              <a:t>(1) Bewegung weg vom Wasser</a:t>
+            </a:r>
+          </a:p>
+          <a:p>
+            <a:pPr lvl="2">
+              <a:spcBef>
+                <a:spcPts val="1200"/>
+              </a:spcBef>
+            </a:pPr>
+            <a:r>
+              <a:rPr lang="de-DE" dirty="0"/>
+              <a:t>(2) Bewegung gleichbleibend zum Wasser (parallel)</a:t>
+            </a:r>
+          </a:p>
+          <a:p>
+            <a:pPr lvl="2">
+              <a:spcBef>
+                <a:spcPts val="1200"/>
+              </a:spcBef>
+            </a:pPr>
+            <a:r>
+              <a:rPr lang="de-DE" dirty="0"/>
+              <a:t>(3) Bewegung hin zum Wasser</a:t>
+            </a:r>
+          </a:p>
+          <a:p>
+            <a:pPr lvl="1">
+              <a:spcBef>
+                <a:spcPts val="1200"/>
+              </a:spcBef>
+            </a:pPr>
+            <a:r>
+              <a:rPr lang="de-DE" dirty="0"/>
+              <a:t>LMMs zum testen von diversen Bewegungsmustern</a:t>
             </a:r>
           </a:p>
         </p:txBody>
@@ -3125,7 +3316,7 @@
           <p:cNvPr id="4" name="Datumsplatzhalter 3">
             <a:extLst>
               <a:ext uri="{FF2B5EF4-FFF2-40B4-BE49-F238E27FC236}">
-                <a16:creationId xmlns:a16="http://schemas.microsoft.com/office/drawing/2014/main" id="{068C2AD8-EB3E-4C33-A31F-431DBD457466}"/>
+                <a16:creationId xmlns:a16="http://schemas.microsoft.com/office/drawing/2014/main" id="{10F464EE-C240-41D8-99B3-B03ED5C50763}"/>
               </a:ext>
             </a:extLst>
           </p:cNvPr>
@@ -3143,7 +3334,7 @@
           <a:p>
             <a:fld id="{57BF7E81-4A25-4945-A8A1-ED5714DDBF31}" type="datetime1">
               <a:rPr lang="de-DE" smtClean="0"/>
-              <a:t>19.12.2021</a:t>
+              <a:t>20.12.2021</a:t>
             </a:fld>
             <a:endParaRPr lang="de-DE" dirty="0"/>
           </a:p>
@@ -3154,7 +3345,7 @@
           <p:cNvPr id="5" name="Fußzeilenplatzhalter 4">
             <a:extLst>
               <a:ext uri="{FF2B5EF4-FFF2-40B4-BE49-F238E27FC236}">
-                <a16:creationId xmlns:a16="http://schemas.microsoft.com/office/drawing/2014/main" id="{8B8089B2-64B0-40F0-A46E-6C4B52AE464E}"/>
+                <a16:creationId xmlns:a16="http://schemas.microsoft.com/office/drawing/2014/main" id="{9EE29F14-608C-421B-A937-89F57BA8807F}"/>
               </a:ext>
             </a:extLst>
           </p:cNvPr>
@@ -3183,7 +3374,7 @@
           <p:cNvPr id="6" name="Foliennummernplatzhalter 5">
             <a:extLst>
               <a:ext uri="{FF2B5EF4-FFF2-40B4-BE49-F238E27FC236}">
-                <a16:creationId xmlns:a16="http://schemas.microsoft.com/office/drawing/2014/main" id="{8E10546F-4D02-4211-9C0C-1F72BF737DAE}"/>
+                <a16:creationId xmlns:a16="http://schemas.microsoft.com/office/drawing/2014/main" id="{FCE12FBC-D676-4284-A142-C4A9B571C3F8}"/>
               </a:ext>
             </a:extLst>
           </p:cNvPr>
@@ -3210,113 +3401,98 @@
       </p:sp>
       <p:sp>
         <p:nvSpPr>
-          <p:cNvPr id="10" name="Inhaltsplatzhalter 9">
-            <a:extLst>
-              <a:ext uri="{FF2B5EF4-FFF2-40B4-BE49-F238E27FC236}">
-                <a16:creationId xmlns:a16="http://schemas.microsoft.com/office/drawing/2014/main" id="{2DC5E95E-B3DB-437D-887E-26286B6B73F9}"/>
-              </a:ext>
-            </a:extLst>
-          </p:cNvPr>
-          <p:cNvSpPr>
-            <a:spLocks noGrp="1"/>
-          </p:cNvSpPr>
-          <p:nvPr>
-            <p:ph idx="1"/>
+          <p:cNvPr id="14" name="Bildplatzhalter 13">
+            <a:extLst>
+              <a:ext uri="{FF2B5EF4-FFF2-40B4-BE49-F238E27FC236}">
+                <a16:creationId xmlns:a16="http://schemas.microsoft.com/office/drawing/2014/main" id="{926D6319-CB4A-43E3-8423-B9B2864DEA2D}"/>
+              </a:ext>
+            </a:extLst>
+          </p:cNvPr>
+          <p:cNvSpPr>
+            <a:spLocks noGrp="1"/>
+          </p:cNvSpPr>
+          <p:nvPr>
+            <p:ph type="pic" sz="quarter" idx="17"/>
           </p:nvPr>
         </p:nvSpPr>
         <p:spPr/>
-        <p:txBody>
-          <a:bodyPr/>
-          <a:lstStyle/>
-          <a:p>
-            <a:pPr marL="0" indent="0">
-              <a:buNone/>
-            </a:pPr>
-            <a:r>
-              <a:rPr lang="de-DE" dirty="0"/>
-              <a:t>Kolmogorov-Smirnov Test</a:t>
-            </a:r>
-          </a:p>
-          <a:p>
-            <a:r>
-              <a:rPr lang="de-DE" dirty="0"/>
-              <a:t>Tiere näher am Wasser als man es zufällig erwarten würde (p &lt; 0.01)</a:t>
-            </a:r>
-          </a:p>
-          <a:p>
-            <a:pPr lvl="1"/>
-            <a:r>
-              <a:rPr lang="de-DE" dirty="0"/>
-              <a:t>Knapp 21.6% der Zeit am Wasser verbracht</a:t>
-            </a:r>
-          </a:p>
-          <a:p>
-            <a:pPr marL="457200" lvl="1" indent="0">
-              <a:buNone/>
-            </a:pPr>
-            <a:endParaRPr lang="de-DE" dirty="0"/>
-          </a:p>
-          <a:p>
-            <a:pPr marL="0" indent="0">
-              <a:buNone/>
-            </a:pPr>
-            <a:r>
-              <a:rPr lang="de-DE" dirty="0"/>
-              <a:t>LMMs</a:t>
-            </a:r>
-          </a:p>
-          <a:p>
-            <a:r>
-              <a:rPr lang="de-DE" dirty="0"/>
-              <a:t>Entlang der Segmente eine Distanz von</a:t>
-            </a:r>
-          </a:p>
-          <a:p>
-            <a:pPr lvl="1"/>
-            <a:r>
-              <a:rPr lang="de-DE" dirty="0"/>
-              <a:t>2.6km in der Trockenzeit (p &lt;0.01)</a:t>
-            </a:r>
-          </a:p>
-          <a:p>
-            <a:pPr lvl="1"/>
-            <a:r>
-              <a:rPr lang="de-DE" dirty="0"/>
-              <a:t>1.9km in der Regenzeit (p &lt;0.01) zurückgelegt</a:t>
-            </a:r>
-          </a:p>
-          <a:p>
-            <a:r>
-              <a:rPr lang="de-DE" dirty="0"/>
-              <a:t>Durchschnittliche Geschwindigkeit betrug 0.4km/h (p&lt;0.01)</a:t>
-            </a:r>
-          </a:p>
-          <a:p>
-            <a:r>
-              <a:rPr lang="de-DE" dirty="0" err="1"/>
-              <a:t>Collar</a:t>
-            </a:r>
-            <a:r>
-              <a:rPr lang="de-DE" dirty="0"/>
-              <a:t> Temperatur am Beginn des Segments 29.6°C, am Endpunkt 30.2°C (p&lt;0.01)</a:t>
-            </a:r>
-          </a:p>
-          <a:p>
-            <a:pPr lvl="1"/>
-            <a:endParaRPr lang="de-DE" dirty="0"/>
-          </a:p>
-          <a:p>
-            <a:endParaRPr lang="de-DE" dirty="0"/>
-          </a:p>
-          <a:p>
-            <a:endParaRPr lang="de-DE" dirty="0"/>
+      </p:sp>
+      <p:pic>
+        <p:nvPicPr>
+          <p:cNvPr id="16" name="Grafik 15">
+            <a:extLst>
+              <a:ext uri="{FF2B5EF4-FFF2-40B4-BE49-F238E27FC236}">
+                <a16:creationId xmlns:a16="http://schemas.microsoft.com/office/drawing/2014/main" id="{525F8872-81D4-4154-A0C0-44BF62D5867C}"/>
+              </a:ext>
+            </a:extLst>
+          </p:cNvPr>
+          <p:cNvPicPr>
+            <a:picLocks noChangeAspect="1"/>
+          </p:cNvPicPr>
+          <p:nvPr/>
+        </p:nvPicPr>
+        <p:blipFill>
+          <a:blip r:embed="rId2"/>
+          <a:stretch>
+            <a:fillRect/>
+          </a:stretch>
+        </p:blipFill>
+        <p:spPr>
+          <a:xfrm>
+            <a:off x="623455" y="1693579"/>
+            <a:ext cx="5472545" cy="4640717"/>
+          </a:xfrm>
+          <a:prstGeom prst="rect">
+            <a:avLst/>
+          </a:prstGeom>
+        </p:spPr>
+      </p:pic>
+      <p:sp>
+        <p:nvSpPr>
+          <p:cNvPr id="9" name="Textfeld 8">
+            <a:extLst>
+              <a:ext uri="{FF2B5EF4-FFF2-40B4-BE49-F238E27FC236}">
+                <a16:creationId xmlns:a16="http://schemas.microsoft.com/office/drawing/2014/main" id="{5473FD40-F687-4957-8E1E-C555DCB1A399}"/>
+              </a:ext>
+            </a:extLst>
+          </p:cNvPr>
+          <p:cNvSpPr txBox="1"/>
+          <p:nvPr/>
+        </p:nvSpPr>
+        <p:spPr>
+          <a:xfrm>
+            <a:off x="-1" y="0"/>
+            <a:ext cx="5159229" cy="338554"/>
+          </a:xfrm>
+          <a:prstGeom prst="rect">
+            <a:avLst/>
+          </a:prstGeom>
+          <a:noFill/>
+        </p:spPr>
+        <p:txBody>
+          <a:bodyPr wrap="square" rtlCol="0">
+            <a:spAutoFit/>
+          </a:bodyPr>
+          <a:lstStyle/>
+          <a:p>
+            <a:r>
+              <a:rPr lang="de-DE" sz="1600" dirty="0">
+                <a:solidFill>
+                  <a:schemeClr val="accent4">
+                    <a:lumMod val="20000"/>
+                    <a:lumOff val="80000"/>
+                  </a:schemeClr>
+                </a:solidFill>
+              </a:rPr>
+              <a:t>2. Hauptresultat</a:t>
+            </a:r>
           </a:p>
         </p:txBody>
       </p:sp>
     </p:spTree>
     <p:extLst>
       <p:ext uri="{BB962C8B-B14F-4D97-AF65-F5344CB8AC3E}">
-        <p14:creationId xmlns:p14="http://schemas.microsoft.com/office/powerpoint/2010/main" val="875620448"/>
+        <p14:creationId xmlns:p14="http://schemas.microsoft.com/office/powerpoint/2010/main" val="1455091407"/>
       </p:ext>
     </p:extLst>
   </p:cSld>
@@ -3348,7 +3524,7 @@
           <p:cNvPr id="2" name="Titel 1">
             <a:extLst>
               <a:ext uri="{FF2B5EF4-FFF2-40B4-BE49-F238E27FC236}">
-                <a16:creationId xmlns:a16="http://schemas.microsoft.com/office/drawing/2014/main" id="{399B081B-4B5A-45BC-98FC-00A884FEF525}"/>
+                <a16:creationId xmlns:a16="http://schemas.microsoft.com/office/drawing/2014/main" id="{4DFADACC-22EA-40F6-8ED5-4C8432824F0D}"/>
               </a:ext>
             </a:extLst>
           </p:cNvPr>
@@ -3365,18 +3541,19 @@
           <a:lstStyle/>
           <a:p>
             <a:r>
-              <a:rPr lang="de-DE" dirty="0"/>
-              <a:t>Zurück zur Grafik</a:t>
-            </a:r>
-          </a:p>
-        </p:txBody>
-      </p:sp>
-      <p:sp>
-        <p:nvSpPr>
-          <p:cNvPr id="3" name="Inhaltsplatzhalter 2">
-            <a:extLst>
-              <a:ext uri="{FF2B5EF4-FFF2-40B4-BE49-F238E27FC236}">
-                <a16:creationId xmlns:a16="http://schemas.microsoft.com/office/drawing/2014/main" id="{682525D5-C302-4241-A1C7-844165C5E1B8}"/>
+              <a:rPr lang="de-DE"/>
+              <a:t>Ergebnisse</a:t>
+            </a:r>
+            <a:endParaRPr lang="de-DE" dirty="0"/>
+          </a:p>
+        </p:txBody>
+      </p:sp>
+      <p:sp>
+        <p:nvSpPr>
+          <p:cNvPr id="10" name="Inhaltsplatzhalter 9">
+            <a:extLst>
+              <a:ext uri="{FF2B5EF4-FFF2-40B4-BE49-F238E27FC236}">
+                <a16:creationId xmlns:a16="http://schemas.microsoft.com/office/drawing/2014/main" id="{2DC5E95E-B3DB-437D-887E-26286B6B73F9}"/>
               </a:ext>
             </a:extLst>
           </p:cNvPr>
@@ -3389,149 +3566,83 @@
         </p:nvSpPr>
         <p:spPr/>
         <p:txBody>
-          <a:bodyPr>
-            <a:normAutofit fontScale="92500" lnSpcReduction="20000"/>
-          </a:bodyPr>
+          <a:bodyPr/>
           <a:lstStyle/>
           <a:p>
             <a:pPr marL="0" indent="0">
-              <a:spcBef>
-                <a:spcPts val="800"/>
-              </a:spcBef>
               <a:buNone/>
             </a:pPr>
-            <a:endParaRPr lang="de-DE" dirty="0"/>
-          </a:p>
-          <a:p>
-            <a:pPr marL="0" indent="0">
-              <a:spcBef>
-                <a:spcPts val="800"/>
-              </a:spcBef>
+            <a:r>
+              <a:rPr lang="de-DE"/>
+              <a:t>Kolmogorov-Smirnov Test</a:t>
+            </a:r>
+          </a:p>
+          <a:p>
+            <a:r>
+              <a:rPr lang="de-DE"/>
+              <a:t>Tiere näher am Wasser als man es zufällig erwarten würde (p &lt; 0.01)</a:t>
+            </a:r>
+          </a:p>
+          <a:p>
+            <a:pPr lvl="1"/>
+            <a:r>
+              <a:rPr lang="de-DE"/>
+              <a:t>Knapp 21.6% der Zeit am Wasser verbracht</a:t>
+            </a:r>
+          </a:p>
+          <a:p>
+            <a:pPr marL="457200" lvl="1" indent="0">
               <a:buNone/>
             </a:pPr>
-            <a:endParaRPr lang="de-DE" dirty="0"/>
+            <a:endParaRPr lang="de-DE"/>
           </a:p>
           <a:p>
             <a:pPr marL="0" indent="0">
-              <a:spcBef>
-                <a:spcPts val="800"/>
-              </a:spcBef>
               <a:buNone/>
             </a:pPr>
-            <a:endParaRPr lang="de-DE" dirty="0"/>
-          </a:p>
-          <a:p>
-            <a:pPr marL="0" indent="0">
-              <a:spcBef>
-                <a:spcPts val="800"/>
-              </a:spcBef>
-              <a:buNone/>
-            </a:pPr>
-            <a:endParaRPr lang="de-DE" dirty="0"/>
-          </a:p>
-          <a:p>
-            <a:pPr marL="0" indent="0">
-              <a:spcBef>
-                <a:spcPts val="800"/>
-              </a:spcBef>
-              <a:buNone/>
-            </a:pPr>
-            <a:endParaRPr lang="de-DE" dirty="0"/>
-          </a:p>
-          <a:p>
-            <a:pPr marL="0" indent="0">
-              <a:spcBef>
-                <a:spcPts val="800"/>
-              </a:spcBef>
-              <a:buNone/>
-            </a:pPr>
-            <a:endParaRPr lang="de-DE" dirty="0"/>
-          </a:p>
-          <a:p>
-            <a:pPr marL="0" indent="0">
-              <a:spcBef>
-                <a:spcPts val="800"/>
-              </a:spcBef>
-              <a:buNone/>
-            </a:pPr>
-            <a:endParaRPr lang="de-DE" dirty="0"/>
-          </a:p>
-          <a:p>
-            <a:pPr marL="0" indent="0">
-              <a:spcBef>
-                <a:spcPts val="800"/>
-              </a:spcBef>
-              <a:buNone/>
-            </a:pPr>
-            <a:endParaRPr lang="de-DE" dirty="0"/>
-          </a:p>
-          <a:p>
-            <a:pPr marL="0" indent="0">
-              <a:spcBef>
-                <a:spcPts val="800"/>
-              </a:spcBef>
-              <a:buNone/>
-            </a:pPr>
-            <a:endParaRPr lang="de-DE" dirty="0"/>
-          </a:p>
-          <a:p>
-            <a:pPr marL="0" indent="0">
-              <a:spcBef>
-                <a:spcPts val="800"/>
-              </a:spcBef>
-              <a:buNone/>
-            </a:pPr>
-            <a:endParaRPr lang="de-DE" dirty="0"/>
-          </a:p>
-          <a:p>
-            <a:pPr marL="0" indent="0">
-              <a:spcBef>
-                <a:spcPts val="800"/>
-              </a:spcBef>
-              <a:buNone/>
-            </a:pPr>
-            <a:endParaRPr lang="de-DE" dirty="0"/>
-          </a:p>
-          <a:p>
-            <a:pPr marL="0" indent="0">
-              <a:spcBef>
-                <a:spcPts val="800"/>
-              </a:spcBef>
-              <a:buNone/>
-            </a:pPr>
-            <a:endParaRPr lang="de-DE" dirty="0"/>
-          </a:p>
-          <a:p>
-            <a:pPr marL="0" indent="0">
-              <a:spcBef>
-                <a:spcPts val="800"/>
-              </a:spcBef>
-              <a:buNone/>
-            </a:pPr>
-            <a:r>
-              <a:rPr lang="de-DE" dirty="0"/>
-              <a:t>Temperatur und Wasserabhängigkeit sind starke Treiber des Bewegungsverhaltens</a:t>
-            </a:r>
-          </a:p>
-          <a:p>
-            <a:pPr marL="514350" indent="-514350">
-              <a:spcBef>
-                <a:spcPts val="800"/>
-              </a:spcBef>
-              <a:buFont typeface="+mj-lt"/>
-              <a:buAutoNum type="arabicPeriod"/>
-            </a:pPr>
-            <a:endParaRPr lang="de-DE" dirty="0"/>
-          </a:p>
-          <a:p>
-            <a:pPr marL="514350" indent="-514350">
-              <a:spcBef>
-                <a:spcPts val="800"/>
-              </a:spcBef>
-              <a:buFont typeface="+mj-lt"/>
-              <a:buAutoNum type="arabicPeriod"/>
-            </a:pPr>
-            <a:endParaRPr lang="de-DE" dirty="0"/>
+            <a:r>
+              <a:rPr lang="de-DE"/>
+              <a:t>LMMs</a:t>
+            </a:r>
+          </a:p>
+          <a:p>
+            <a:r>
+              <a:rPr lang="de-DE"/>
+              <a:t>Entlang der Segmente eine Distanz von</a:t>
+            </a:r>
+          </a:p>
+          <a:p>
+            <a:pPr lvl="1"/>
+            <a:r>
+              <a:rPr lang="de-DE"/>
+              <a:t>2.6km in der Trockenzeit (p &lt;0.01)</a:t>
+            </a:r>
+          </a:p>
+          <a:p>
+            <a:pPr lvl="1"/>
+            <a:r>
+              <a:rPr lang="de-DE"/>
+              <a:t>1.9km in der Regenzeit (p &lt;0.01) zurückgelegt</a:t>
+            </a:r>
+          </a:p>
+          <a:p>
+            <a:r>
+              <a:rPr lang="de-DE"/>
+              <a:t>Durchschnittliche Geschwindigkeit betrug 0.4km/h (p&lt;0.01)</a:t>
+            </a:r>
+          </a:p>
+          <a:p>
+            <a:r>
+              <a:rPr lang="de-DE"/>
+              <a:t>Collar Temperatur am Beginn des Segments 29.6°C, am Endpunkt 30.2°C (p&lt;0.01)</a:t>
+            </a:r>
+          </a:p>
+          <a:p>
+            <a:pPr lvl="1"/>
+            <a:endParaRPr lang="de-DE"/>
+          </a:p>
+          <a:p>
+            <a:endParaRPr lang="de-DE"/>
           </a:p>
           <a:p>
             <a:endParaRPr lang="de-DE" dirty="0"/>
@@ -3543,7 +3654,7 @@
           <p:cNvPr id="4" name="Datumsplatzhalter 3">
             <a:extLst>
               <a:ext uri="{FF2B5EF4-FFF2-40B4-BE49-F238E27FC236}">
-                <a16:creationId xmlns:a16="http://schemas.microsoft.com/office/drawing/2014/main" id="{A90E44A9-A59F-42FA-B519-D21ED1CDAE21}"/>
+                <a16:creationId xmlns:a16="http://schemas.microsoft.com/office/drawing/2014/main" id="{068C2AD8-EB3E-4C33-A31F-431DBD457466}"/>
               </a:ext>
             </a:extLst>
           </p:cNvPr>
@@ -3561,7 +3672,7 @@
           <a:p>
             <a:fld id="{57BF7E81-4A25-4945-A8A1-ED5714DDBF31}" type="datetime1">
               <a:rPr lang="de-DE" smtClean="0"/>
-              <a:t>19.12.2021</a:t>
+              <a:t>20.12.2021</a:t>
             </a:fld>
             <a:endParaRPr lang="de-DE" dirty="0"/>
           </a:p>
@@ -3572,7 +3683,7 @@
           <p:cNvPr id="5" name="Fußzeilenplatzhalter 4">
             <a:extLst>
               <a:ext uri="{FF2B5EF4-FFF2-40B4-BE49-F238E27FC236}">
-                <a16:creationId xmlns:a16="http://schemas.microsoft.com/office/drawing/2014/main" id="{46EF5C28-7F38-4051-9BC8-658AF66A986B}"/>
+                <a16:creationId xmlns:a16="http://schemas.microsoft.com/office/drawing/2014/main" id="{8B8089B2-64B0-40F0-A46E-6C4B52AE464E}"/>
               </a:ext>
             </a:extLst>
           </p:cNvPr>
@@ -3601,7 +3712,7 @@
           <p:cNvPr id="6" name="Foliennummernplatzhalter 5">
             <a:extLst>
               <a:ext uri="{FF2B5EF4-FFF2-40B4-BE49-F238E27FC236}">
-                <a16:creationId xmlns:a16="http://schemas.microsoft.com/office/drawing/2014/main" id="{99946D70-A43E-4280-B716-4F6F3148E63F}"/>
+                <a16:creationId xmlns:a16="http://schemas.microsoft.com/office/drawing/2014/main" id="{8E10546F-4D02-4211-9C0C-1F72BF737DAE}"/>
               </a:ext>
             </a:extLst>
           </p:cNvPr>
@@ -3626,70 +3737,52 @@
           </a:p>
         </p:txBody>
       </p:sp>
-      <p:pic>
-        <p:nvPicPr>
-          <p:cNvPr id="10" name="Grafik 9">
-            <a:extLst>
-              <a:ext uri="{FF2B5EF4-FFF2-40B4-BE49-F238E27FC236}">
-                <a16:creationId xmlns:a16="http://schemas.microsoft.com/office/drawing/2014/main" id="{627FCD6F-D4C1-4E9C-BE27-5D5D1B1C3B63}"/>
-              </a:ext>
-            </a:extLst>
-          </p:cNvPr>
-          <p:cNvPicPr>
-            <a:picLocks noChangeAspect="1"/>
-          </p:cNvPicPr>
+      <p:sp>
+        <p:nvSpPr>
+          <p:cNvPr id="7" name="Textfeld 6">
+            <a:extLst>
+              <a:ext uri="{FF2B5EF4-FFF2-40B4-BE49-F238E27FC236}">
+                <a16:creationId xmlns:a16="http://schemas.microsoft.com/office/drawing/2014/main" id="{C1C88B81-9F82-49C2-819A-6312557A7DBF}"/>
+              </a:ext>
+            </a:extLst>
+          </p:cNvPr>
+          <p:cNvSpPr txBox="1"/>
           <p:nvPr/>
-        </p:nvPicPr>
-        <p:blipFill>
-          <a:blip r:embed="rId2"/>
-          <a:stretch>
-            <a:fillRect/>
-          </a:stretch>
-        </p:blipFill>
+        </p:nvSpPr>
         <p:spPr>
           <a:xfrm>
-            <a:off x="838200" y="1454728"/>
-            <a:ext cx="10470343" cy="4184702"/>
+            <a:off x="0" y="0"/>
+            <a:ext cx="5142451" cy="338554"/>
           </a:xfrm>
           <a:prstGeom prst="rect">
             <a:avLst/>
           </a:prstGeom>
+          <a:noFill/>
         </p:spPr>
-      </p:pic>
-      <p:pic>
-        <p:nvPicPr>
-          <p:cNvPr id="8" name="Grafik 7">
-            <a:extLst>
-              <a:ext uri="{FF2B5EF4-FFF2-40B4-BE49-F238E27FC236}">
-                <a16:creationId xmlns:a16="http://schemas.microsoft.com/office/drawing/2014/main" id="{2F343CAB-8E7E-4D60-AC79-E495B1DBC127}"/>
-              </a:ext>
-            </a:extLst>
-          </p:cNvPr>
-          <p:cNvPicPr>
-            <a:picLocks noChangeAspect="1"/>
-          </p:cNvPicPr>
-          <p:nvPr/>
-        </p:nvPicPr>
-        <p:blipFill>
-          <a:blip r:embed="rId3"/>
-          <a:stretch>
-            <a:fillRect/>
-          </a:stretch>
-        </p:blipFill>
-        <p:spPr>
-          <a:xfrm>
-            <a:off x="838199" y="1454728"/>
-            <a:ext cx="10470343" cy="4184702"/>
-          </a:xfrm>
-          <a:prstGeom prst="rect">
-            <a:avLst/>
-          </a:prstGeom>
-        </p:spPr>
-      </p:pic>
+        <p:txBody>
+          <a:bodyPr wrap="square" rtlCol="0">
+            <a:spAutoFit/>
+          </a:bodyPr>
+          <a:lstStyle/>
+          <a:p>
+            <a:r>
+              <a:rPr lang="de-DE" sz="1600" dirty="0">
+                <a:solidFill>
+                  <a:schemeClr val="accent4">
+                    <a:lumMod val="20000"/>
+                    <a:lumOff val="80000"/>
+                  </a:schemeClr>
+                </a:solidFill>
+              </a:rPr>
+              <a:t>2. Hauptresultat</a:t>
+            </a:r>
+          </a:p>
+        </p:txBody>
+      </p:sp>
     </p:spTree>
     <p:extLst>
       <p:ext uri="{BB962C8B-B14F-4D97-AF65-F5344CB8AC3E}">
-        <p14:creationId xmlns:p14="http://schemas.microsoft.com/office/powerpoint/2010/main" val="2779366183"/>
+        <p14:creationId xmlns:p14="http://schemas.microsoft.com/office/powerpoint/2010/main" val="875620448"/>
       </p:ext>
     </p:extLst>
   </p:cSld>
@@ -3721,6 +3814,421 @@
           <p:cNvPr id="2" name="Titel 1">
             <a:extLst>
               <a:ext uri="{FF2B5EF4-FFF2-40B4-BE49-F238E27FC236}">
+                <a16:creationId xmlns:a16="http://schemas.microsoft.com/office/drawing/2014/main" id="{399B081B-4B5A-45BC-98FC-00A884FEF525}"/>
+              </a:ext>
+            </a:extLst>
+          </p:cNvPr>
+          <p:cNvSpPr>
+            <a:spLocks noGrp="1"/>
+          </p:cNvSpPr>
+          <p:nvPr>
+            <p:ph type="title"/>
+          </p:nvPr>
+        </p:nvSpPr>
+        <p:spPr/>
+        <p:txBody>
+          <a:bodyPr/>
+          <a:lstStyle/>
+          <a:p>
+            <a:r>
+              <a:rPr lang="de-DE" dirty="0"/>
+              <a:t>Zurück zur Grafik</a:t>
+            </a:r>
+          </a:p>
+        </p:txBody>
+      </p:sp>
+      <p:sp>
+        <p:nvSpPr>
+          <p:cNvPr id="3" name="Inhaltsplatzhalter 2">
+            <a:extLst>
+              <a:ext uri="{FF2B5EF4-FFF2-40B4-BE49-F238E27FC236}">
+                <a16:creationId xmlns:a16="http://schemas.microsoft.com/office/drawing/2014/main" id="{682525D5-C302-4241-A1C7-844165C5E1B8}"/>
+              </a:ext>
+            </a:extLst>
+          </p:cNvPr>
+          <p:cNvSpPr>
+            <a:spLocks noGrp="1"/>
+          </p:cNvSpPr>
+          <p:nvPr>
+            <p:ph idx="1"/>
+          </p:nvPr>
+        </p:nvSpPr>
+        <p:spPr/>
+        <p:txBody>
+          <a:bodyPr>
+            <a:normAutofit fontScale="92500" lnSpcReduction="20000"/>
+          </a:bodyPr>
+          <a:lstStyle/>
+          <a:p>
+            <a:pPr marL="0" indent="0">
+              <a:spcBef>
+                <a:spcPts val="800"/>
+              </a:spcBef>
+              <a:buNone/>
+            </a:pPr>
+            <a:endParaRPr lang="de-DE" dirty="0"/>
+          </a:p>
+          <a:p>
+            <a:pPr marL="0" indent="0">
+              <a:spcBef>
+                <a:spcPts val="800"/>
+              </a:spcBef>
+              <a:buNone/>
+            </a:pPr>
+            <a:endParaRPr lang="de-DE" dirty="0"/>
+          </a:p>
+          <a:p>
+            <a:pPr marL="0" indent="0">
+              <a:spcBef>
+                <a:spcPts val="800"/>
+              </a:spcBef>
+              <a:buNone/>
+            </a:pPr>
+            <a:endParaRPr lang="de-DE" dirty="0"/>
+          </a:p>
+          <a:p>
+            <a:pPr marL="0" indent="0">
+              <a:spcBef>
+                <a:spcPts val="800"/>
+              </a:spcBef>
+              <a:buNone/>
+            </a:pPr>
+            <a:endParaRPr lang="de-DE" dirty="0"/>
+          </a:p>
+          <a:p>
+            <a:pPr marL="0" indent="0">
+              <a:spcBef>
+                <a:spcPts val="800"/>
+              </a:spcBef>
+              <a:buNone/>
+            </a:pPr>
+            <a:endParaRPr lang="de-DE" dirty="0"/>
+          </a:p>
+          <a:p>
+            <a:pPr marL="0" indent="0">
+              <a:spcBef>
+                <a:spcPts val="800"/>
+              </a:spcBef>
+              <a:buNone/>
+            </a:pPr>
+            <a:endParaRPr lang="de-DE" dirty="0"/>
+          </a:p>
+          <a:p>
+            <a:pPr marL="0" indent="0">
+              <a:spcBef>
+                <a:spcPts val="800"/>
+              </a:spcBef>
+              <a:buNone/>
+            </a:pPr>
+            <a:endParaRPr lang="de-DE" dirty="0"/>
+          </a:p>
+          <a:p>
+            <a:pPr marL="0" indent="0">
+              <a:spcBef>
+                <a:spcPts val="800"/>
+              </a:spcBef>
+              <a:buNone/>
+            </a:pPr>
+            <a:endParaRPr lang="de-DE" dirty="0"/>
+          </a:p>
+          <a:p>
+            <a:pPr marL="0" indent="0">
+              <a:spcBef>
+                <a:spcPts val="800"/>
+              </a:spcBef>
+              <a:buNone/>
+            </a:pPr>
+            <a:endParaRPr lang="de-DE" dirty="0"/>
+          </a:p>
+          <a:p>
+            <a:pPr marL="0" indent="0">
+              <a:spcBef>
+                <a:spcPts val="800"/>
+              </a:spcBef>
+              <a:buNone/>
+            </a:pPr>
+            <a:endParaRPr lang="de-DE" dirty="0"/>
+          </a:p>
+          <a:p>
+            <a:pPr marL="0" indent="0">
+              <a:spcBef>
+                <a:spcPts val="800"/>
+              </a:spcBef>
+              <a:buNone/>
+            </a:pPr>
+            <a:endParaRPr lang="de-DE" dirty="0"/>
+          </a:p>
+          <a:p>
+            <a:pPr marL="0" indent="0">
+              <a:spcBef>
+                <a:spcPts val="800"/>
+              </a:spcBef>
+              <a:buNone/>
+            </a:pPr>
+            <a:endParaRPr lang="de-DE" dirty="0"/>
+          </a:p>
+          <a:p>
+            <a:pPr marL="0" indent="0">
+              <a:spcBef>
+                <a:spcPts val="800"/>
+              </a:spcBef>
+              <a:buNone/>
+            </a:pPr>
+            <a:r>
+              <a:rPr lang="de-DE" dirty="0"/>
+              <a:t>Temperatur und Wasserabhängigkeit sind starke Treiber des Bewegungsverhaltens</a:t>
+            </a:r>
+          </a:p>
+          <a:p>
+            <a:pPr marL="514350" indent="-514350">
+              <a:spcBef>
+                <a:spcPts val="800"/>
+              </a:spcBef>
+              <a:buFont typeface="+mj-lt"/>
+              <a:buAutoNum type="arabicPeriod"/>
+            </a:pPr>
+            <a:endParaRPr lang="de-DE" dirty="0"/>
+          </a:p>
+          <a:p>
+            <a:pPr marL="514350" indent="-514350">
+              <a:spcBef>
+                <a:spcPts val="800"/>
+              </a:spcBef>
+              <a:buFont typeface="+mj-lt"/>
+              <a:buAutoNum type="arabicPeriod"/>
+            </a:pPr>
+            <a:endParaRPr lang="de-DE" dirty="0"/>
+          </a:p>
+          <a:p>
+            <a:endParaRPr lang="de-DE" dirty="0"/>
+          </a:p>
+        </p:txBody>
+      </p:sp>
+      <p:sp>
+        <p:nvSpPr>
+          <p:cNvPr id="4" name="Datumsplatzhalter 3">
+            <a:extLst>
+              <a:ext uri="{FF2B5EF4-FFF2-40B4-BE49-F238E27FC236}">
+                <a16:creationId xmlns:a16="http://schemas.microsoft.com/office/drawing/2014/main" id="{A90E44A9-A59F-42FA-B519-D21ED1CDAE21}"/>
+              </a:ext>
+            </a:extLst>
+          </p:cNvPr>
+          <p:cNvSpPr>
+            <a:spLocks noGrp="1"/>
+          </p:cNvSpPr>
+          <p:nvPr>
+            <p:ph type="dt" sz="half" idx="10"/>
+          </p:nvPr>
+        </p:nvSpPr>
+        <p:spPr/>
+        <p:txBody>
+          <a:bodyPr/>
+          <a:lstStyle/>
+          <a:p>
+            <a:fld id="{57BF7E81-4A25-4945-A8A1-ED5714DDBF31}" type="datetime1">
+              <a:rPr lang="de-DE" smtClean="0"/>
+              <a:t>20.12.2021</a:t>
+            </a:fld>
+            <a:endParaRPr lang="de-DE" dirty="0"/>
+          </a:p>
+        </p:txBody>
+      </p:sp>
+      <p:sp>
+        <p:nvSpPr>
+          <p:cNvPr id="5" name="Fußzeilenplatzhalter 4">
+            <a:extLst>
+              <a:ext uri="{FF2B5EF4-FFF2-40B4-BE49-F238E27FC236}">
+                <a16:creationId xmlns:a16="http://schemas.microsoft.com/office/drawing/2014/main" id="{46EF5C28-7F38-4051-9BC8-658AF66A986B}"/>
+              </a:ext>
+            </a:extLst>
+          </p:cNvPr>
+          <p:cNvSpPr>
+            <a:spLocks noGrp="1"/>
+          </p:cNvSpPr>
+          <p:nvPr>
+            <p:ph type="ftr" sz="quarter" idx="11"/>
+          </p:nvPr>
+        </p:nvSpPr>
+        <p:spPr/>
+        <p:txBody>
+          <a:bodyPr/>
+          <a:lstStyle/>
+          <a:p>
+            <a:r>
+              <a:rPr lang="de-DE"/>
+              <a:t>Timo Meyer</a:t>
+            </a:r>
+            <a:endParaRPr lang="de-DE" dirty="0"/>
+          </a:p>
+        </p:txBody>
+      </p:sp>
+      <p:sp>
+        <p:nvSpPr>
+          <p:cNvPr id="6" name="Foliennummernplatzhalter 5">
+            <a:extLst>
+              <a:ext uri="{FF2B5EF4-FFF2-40B4-BE49-F238E27FC236}">
+                <a16:creationId xmlns:a16="http://schemas.microsoft.com/office/drawing/2014/main" id="{99946D70-A43E-4280-B716-4F6F3148E63F}"/>
+              </a:ext>
+            </a:extLst>
+          </p:cNvPr>
+          <p:cNvSpPr>
+            <a:spLocks noGrp="1"/>
+          </p:cNvSpPr>
+          <p:nvPr>
+            <p:ph type="sldNum" sz="quarter" idx="12"/>
+          </p:nvPr>
+        </p:nvSpPr>
+        <p:spPr/>
+        <p:txBody>
+          <a:bodyPr/>
+          <a:lstStyle/>
+          <a:p>
+            <a:fld id="{A97D2E83-CF14-4A73-BFD5-C2A89A8455B9}" type="slidenum">
+              <a:rPr lang="de-DE" smtClean="0"/>
+              <a:pPr/>
+              <a:t>13</a:t>
+            </a:fld>
+            <a:endParaRPr lang="de-DE" dirty="0"/>
+          </a:p>
+        </p:txBody>
+      </p:sp>
+      <p:pic>
+        <p:nvPicPr>
+          <p:cNvPr id="10" name="Grafik 9">
+            <a:extLst>
+              <a:ext uri="{FF2B5EF4-FFF2-40B4-BE49-F238E27FC236}">
+                <a16:creationId xmlns:a16="http://schemas.microsoft.com/office/drawing/2014/main" id="{627FCD6F-D4C1-4E9C-BE27-5D5D1B1C3B63}"/>
+              </a:ext>
+            </a:extLst>
+          </p:cNvPr>
+          <p:cNvPicPr>
+            <a:picLocks noChangeAspect="1"/>
+          </p:cNvPicPr>
+          <p:nvPr/>
+        </p:nvPicPr>
+        <p:blipFill>
+          <a:blip r:embed="rId2"/>
+          <a:stretch>
+            <a:fillRect/>
+          </a:stretch>
+        </p:blipFill>
+        <p:spPr>
+          <a:xfrm>
+            <a:off x="838200" y="1454728"/>
+            <a:ext cx="10470343" cy="4184702"/>
+          </a:xfrm>
+          <a:prstGeom prst="rect">
+            <a:avLst/>
+          </a:prstGeom>
+        </p:spPr>
+      </p:pic>
+      <p:pic>
+        <p:nvPicPr>
+          <p:cNvPr id="8" name="Grafik 7">
+            <a:extLst>
+              <a:ext uri="{FF2B5EF4-FFF2-40B4-BE49-F238E27FC236}">
+                <a16:creationId xmlns:a16="http://schemas.microsoft.com/office/drawing/2014/main" id="{2F343CAB-8E7E-4D60-AC79-E495B1DBC127}"/>
+              </a:ext>
+            </a:extLst>
+          </p:cNvPr>
+          <p:cNvPicPr>
+            <a:picLocks noChangeAspect="1"/>
+          </p:cNvPicPr>
+          <p:nvPr/>
+        </p:nvPicPr>
+        <p:blipFill>
+          <a:blip r:embed="rId3"/>
+          <a:stretch>
+            <a:fillRect/>
+          </a:stretch>
+        </p:blipFill>
+        <p:spPr>
+          <a:xfrm>
+            <a:off x="838199" y="1454728"/>
+            <a:ext cx="10470343" cy="4184702"/>
+          </a:xfrm>
+          <a:prstGeom prst="rect">
+            <a:avLst/>
+          </a:prstGeom>
+        </p:spPr>
+      </p:pic>
+      <p:sp>
+        <p:nvSpPr>
+          <p:cNvPr id="9" name="Textfeld 8">
+            <a:extLst>
+              <a:ext uri="{FF2B5EF4-FFF2-40B4-BE49-F238E27FC236}">
+                <a16:creationId xmlns:a16="http://schemas.microsoft.com/office/drawing/2014/main" id="{52124F46-0E90-461D-852C-DA878E4B8506}"/>
+              </a:ext>
+            </a:extLst>
+          </p:cNvPr>
+          <p:cNvSpPr txBox="1"/>
+          <p:nvPr/>
+        </p:nvSpPr>
+        <p:spPr>
+          <a:xfrm>
+            <a:off x="0" y="0"/>
+            <a:ext cx="5066950" cy="338554"/>
+          </a:xfrm>
+          <a:prstGeom prst="rect">
+            <a:avLst/>
+          </a:prstGeom>
+          <a:noFill/>
+        </p:spPr>
+        <p:txBody>
+          <a:bodyPr wrap="square" rtlCol="0">
+            <a:spAutoFit/>
+          </a:bodyPr>
+          <a:lstStyle/>
+          <a:p>
+            <a:r>
+              <a:rPr lang="de-DE" sz="1600" dirty="0">
+                <a:solidFill>
+                  <a:schemeClr val="accent4">
+                    <a:lumMod val="20000"/>
+                    <a:lumOff val="80000"/>
+                  </a:schemeClr>
+                </a:solidFill>
+              </a:rPr>
+              <a:t>2. Hauptresultat</a:t>
+            </a:r>
+          </a:p>
+        </p:txBody>
+      </p:sp>
+    </p:spTree>
+    <p:extLst>
+      <p:ext uri="{BB962C8B-B14F-4D97-AF65-F5344CB8AC3E}">
+        <p14:creationId xmlns:p14="http://schemas.microsoft.com/office/powerpoint/2010/main" val="2779366183"/>
+      </p:ext>
+    </p:extLst>
+  </p:cSld>
+  <p:clrMapOvr>
+    <a:masterClrMapping/>
+  </p:clrMapOvr>
+</p:sld>
+</file>
+
+<file path=ppt/slides/slide14.xml><?xml version="1.0" encoding="utf-8"?>
+<p:sld xmlns:a="http://schemas.openxmlformats.org/drawingml/2006/main" xmlns:r="http://schemas.openxmlformats.org/officeDocument/2006/relationships" xmlns:p="http://schemas.openxmlformats.org/presentationml/2006/main">
+  <p:cSld>
+    <p:spTree>
+      <p:nvGrpSpPr>
+        <p:cNvPr id="1" name=""/>
+        <p:cNvGrpSpPr/>
+        <p:nvPr/>
+      </p:nvGrpSpPr>
+      <p:grpSpPr>
+        <a:xfrm>
+          <a:off x="0" y="0"/>
+          <a:ext cx="0" cy="0"/>
+          <a:chOff x="0" y="0"/>
+          <a:chExt cx="0" cy="0"/>
+        </a:xfrm>
+      </p:grpSpPr>
+      <p:sp>
+        <p:nvSpPr>
+          <p:cNvPr id="2" name="Titel 1">
+            <a:extLst>
+              <a:ext uri="{FF2B5EF4-FFF2-40B4-BE49-F238E27FC236}">
                 <a16:creationId xmlns:a16="http://schemas.microsoft.com/office/drawing/2014/main" id="{378CC4D7-552F-4299-AB97-F2B4791053D9}"/>
               </a:ext>
             </a:extLst>
@@ -3762,7 +4270,9 @@
         </p:nvSpPr>
         <p:spPr/>
         <p:txBody>
-          <a:bodyPr/>
+          <a:bodyPr>
+            <a:normAutofit lnSpcReduction="10000"/>
+          </a:bodyPr>
           <a:lstStyle/>
           <a:p>
             <a:pPr>
@@ -3770,22 +4280,60 @@
                 <a:spcPct val="100000"/>
               </a:lnSpc>
               <a:spcBef>
-                <a:spcPts val="4200"/>
+                <a:spcPts val="1800"/>
               </a:spcBef>
             </a:pPr>
             <a:r>
-              <a:rPr lang="de-DE"/>
-              <a:t>HMM </a:t>
-            </a:r>
-            <a:r>
-              <a:rPr lang="de-DE" dirty="0"/>
-              <a:t>zur Modellierung möglicher biologischer Zustände in Abhängigkeit der Temperatur</a:t>
+              <a:rPr lang="de-DE" dirty="0"/>
+              <a:t>Erkenntnis durch Paper: </a:t>
+            </a:r>
+          </a:p>
+          <a:p>
+            <a:pPr lvl="1">
+              <a:lnSpc>
+                <a:spcPct val="100000"/>
+              </a:lnSpc>
+              <a:spcBef>
+                <a:spcPts val="1200"/>
+              </a:spcBef>
+            </a:pPr>
+            <a:r>
+              <a:rPr lang="de-DE" dirty="0"/>
+              <a:t>Getrackte Temperaturen können zur weiteren Modellierung verwendet werden</a:t>
+            </a:r>
+          </a:p>
+          <a:p>
+            <a:pPr lvl="1">
+              <a:lnSpc>
+                <a:spcPct val="100000"/>
+              </a:lnSpc>
+              <a:spcBef>
+                <a:spcPts val="1200"/>
+              </a:spcBef>
+            </a:pPr>
+            <a:r>
+              <a:rPr lang="de-DE" dirty="0"/>
+              <a:t>Geschwindigkeit/ zurückgelegte Strecke maßgeblich von Temperatur und Wasserquellen abhängig</a:t>
+            </a:r>
+          </a:p>
+          <a:p>
+            <a:pPr>
+              <a:lnSpc>
+                <a:spcPct val="100000"/>
+              </a:lnSpc>
+              <a:spcBef>
+                <a:spcPts val="1800"/>
+              </a:spcBef>
+            </a:pPr>
+            <a:r>
+              <a:rPr lang="de-DE" dirty="0"/>
+              <a:t>HMM zur Modellierung möglicher biologischer Zustände in Abhängigkeit der Temperatur</a:t>
             </a:r>
           </a:p>
           <a:p>
             <a:pPr>
               <a:spcBef>
-                <a:spcPts val="4200"/>
+                <a:spcPts val="1800"/>
               </a:spcBef>
             </a:pPr>
             <a:r>
@@ -3802,15 +4350,50 @@
             </a:r>
           </a:p>
           <a:p>
+            <a:pPr lvl="1">
+              <a:spcBef>
+                <a:spcPts val="1200"/>
+              </a:spcBef>
+            </a:pPr>
+            <a:r>
+              <a:rPr lang="de-DE" dirty="0"/>
+              <a:t>Dient der Modellierung der Abhängigkeit zum Wasser</a:t>
+            </a:r>
+          </a:p>
+          <a:p>
             <a:pPr>
               <a:spcBef>
-                <a:spcPts val="4200"/>
+                <a:spcPts val="1800"/>
               </a:spcBef>
             </a:pPr>
             <a:r>
               <a:rPr lang="de-DE" dirty="0"/>
-              <a:t>Stochastische Differentialgleichungen zur Beziehung zwischen Geschwindigkeit und Temperatur</a:t>
-            </a:r>
+              <a:t>Stochastische Differentialgleichungen zur Beziehung zwischen Geschwindigkeit und Temperatur als alternativer Ansatz (</a:t>
+            </a:r>
+            <a:r>
+              <a:rPr lang="de-DE" dirty="0" err="1"/>
+              <a:t>Varying-Coefficient</a:t>
+            </a:r>
+            <a:r>
+              <a:rPr lang="de-DE" dirty="0"/>
+              <a:t> </a:t>
+            </a:r>
+            <a:r>
+              <a:rPr lang="de-DE" dirty="0" err="1"/>
+              <a:t>Ornstein-Uhlenbeck</a:t>
+            </a:r>
+            <a:r>
+              <a:rPr lang="de-DE" dirty="0"/>
+              <a:t> Prozess)</a:t>
+            </a:r>
+          </a:p>
+          <a:p>
+            <a:pPr>
+              <a:spcBef>
+                <a:spcPts val="1800"/>
+              </a:spcBef>
+            </a:pPr>
+            <a:endParaRPr lang="de-DE" dirty="0"/>
           </a:p>
         </p:txBody>
       </p:sp>
@@ -3837,7 +4420,7 @@
           <a:p>
             <a:fld id="{57BF7E81-4A25-4945-A8A1-ED5714DDBF31}" type="datetime1">
               <a:rPr lang="de-DE" smtClean="0"/>
-              <a:t>19.12.2021</a:t>
+              <a:t>20.12.2021</a:t>
             </a:fld>
             <a:endParaRPr lang="de-DE" dirty="0"/>
           </a:p>
@@ -3896,9 +4479,51 @@
             <a:fld id="{A97D2E83-CF14-4A73-BFD5-C2A89A8455B9}" type="slidenum">
               <a:rPr lang="de-DE" smtClean="0"/>
               <a:pPr/>
-              <a:t>13</a:t>
+              <a:t>14</a:t>
             </a:fld>
             <a:endParaRPr lang="de-DE" dirty="0"/>
+          </a:p>
+        </p:txBody>
+      </p:sp>
+      <p:sp>
+        <p:nvSpPr>
+          <p:cNvPr id="7" name="Textfeld 6">
+            <a:extLst>
+              <a:ext uri="{FF2B5EF4-FFF2-40B4-BE49-F238E27FC236}">
+                <a16:creationId xmlns:a16="http://schemas.microsoft.com/office/drawing/2014/main" id="{CB51A465-2687-4E26-99BA-826B6CA1C9C9}"/>
+              </a:ext>
+            </a:extLst>
+          </p:cNvPr>
+          <p:cNvSpPr txBox="1"/>
+          <p:nvPr/>
+        </p:nvSpPr>
+        <p:spPr>
+          <a:xfrm>
+            <a:off x="0" y="0"/>
+            <a:ext cx="5066950" cy="338554"/>
+          </a:xfrm>
+          <a:prstGeom prst="rect">
+            <a:avLst/>
+          </a:prstGeom>
+          <a:noFill/>
+        </p:spPr>
+        <p:txBody>
+          <a:bodyPr wrap="square" rtlCol="0">
+            <a:spAutoFit/>
+          </a:bodyPr>
+          <a:lstStyle/>
+          <a:p>
+            <a:r>
+              <a:rPr lang="de-DE" sz="1600" dirty="0">
+                <a:solidFill>
+                  <a:schemeClr val="accent4">
+                    <a:lumMod val="20000"/>
+                    <a:lumOff val="80000"/>
+                  </a:schemeClr>
+                </a:solidFill>
+              </a:rPr>
+              <a:t>Bezug zur Masterarbeit</a:t>
+            </a:r>
           </a:p>
         </p:txBody>
       </p:sp>
@@ -3906,6 +4531,279 @@
     <p:extLst>
       <p:ext uri="{BB962C8B-B14F-4D97-AF65-F5344CB8AC3E}">
         <p14:creationId xmlns:p14="http://schemas.microsoft.com/office/powerpoint/2010/main" val="1764807153"/>
+      </p:ext>
+    </p:extLst>
+  </p:cSld>
+  <p:clrMapOvr>
+    <a:masterClrMapping/>
+  </p:clrMapOvr>
+</p:sld>
+</file>
+
+<file path=ppt/slides/slide15.xml><?xml version="1.0" encoding="utf-8"?>
+<p:sld xmlns:a="http://schemas.openxmlformats.org/drawingml/2006/main" xmlns:r="http://schemas.openxmlformats.org/officeDocument/2006/relationships" xmlns:p="http://schemas.openxmlformats.org/presentationml/2006/main">
+  <p:cSld>
+    <p:spTree>
+      <p:nvGrpSpPr>
+        <p:cNvPr id="1" name=""/>
+        <p:cNvGrpSpPr/>
+        <p:nvPr/>
+      </p:nvGrpSpPr>
+      <p:grpSpPr>
+        <a:xfrm>
+          <a:off x="0" y="0"/>
+          <a:ext cx="0" cy="0"/>
+          <a:chOff x="0" y="0"/>
+          <a:chExt cx="0" cy="0"/>
+        </a:xfrm>
+      </p:grpSpPr>
+      <p:sp>
+        <p:nvSpPr>
+          <p:cNvPr id="2" name="Titel 1">
+            <a:extLst>
+              <a:ext uri="{FF2B5EF4-FFF2-40B4-BE49-F238E27FC236}">
+                <a16:creationId xmlns:a16="http://schemas.microsoft.com/office/drawing/2014/main" id="{E4FFB2A5-B050-48D4-A517-5F168FF391A2}"/>
+              </a:ext>
+            </a:extLst>
+          </p:cNvPr>
+          <p:cNvSpPr>
+            <a:spLocks noGrp="1"/>
+          </p:cNvSpPr>
+          <p:nvPr>
+            <p:ph type="title"/>
+          </p:nvPr>
+        </p:nvSpPr>
+        <p:spPr/>
+        <p:txBody>
+          <a:bodyPr/>
+          <a:lstStyle/>
+          <a:p>
+            <a:r>
+              <a:rPr lang="de-DE" dirty="0"/>
+              <a:t>Quellen</a:t>
+            </a:r>
+          </a:p>
+        </p:txBody>
+      </p:sp>
+      <p:sp>
+        <p:nvSpPr>
+          <p:cNvPr id="3" name="Inhaltsplatzhalter 2">
+            <a:extLst>
+              <a:ext uri="{FF2B5EF4-FFF2-40B4-BE49-F238E27FC236}">
+                <a16:creationId xmlns:a16="http://schemas.microsoft.com/office/drawing/2014/main" id="{D2776DB7-825A-4408-A72D-615733068AFC}"/>
+              </a:ext>
+            </a:extLst>
+          </p:cNvPr>
+          <p:cNvSpPr>
+            <a:spLocks noGrp="1"/>
+          </p:cNvSpPr>
+          <p:nvPr>
+            <p:ph idx="1"/>
+          </p:nvPr>
+        </p:nvSpPr>
+        <p:spPr/>
+        <p:txBody>
+          <a:bodyPr/>
+          <a:lstStyle/>
+          <a:p>
+            <a:r>
+              <a:rPr lang="en-US" b="0" i="0" dirty="0" err="1">
+                <a:solidFill>
+                  <a:srgbClr val="222222"/>
+                </a:solidFill>
+                <a:effectLst/>
+                <a:latin typeface="Arial" panose="020B0604020202020204" pitchFamily="34" charset="0"/>
+              </a:rPr>
+              <a:t>Thaker</a:t>
+            </a:r>
+            <a:r>
+              <a:rPr lang="en-US" b="0" i="0" dirty="0">
+                <a:solidFill>
+                  <a:srgbClr val="222222"/>
+                </a:solidFill>
+                <a:effectLst/>
+                <a:latin typeface="Arial" panose="020B0604020202020204" pitchFamily="34" charset="0"/>
+              </a:rPr>
+              <a:t>, M., et al. "Fine-scale tracking of ambient temperature and movement reveals shuttling behavior of elephants to water. Front </a:t>
+            </a:r>
+            <a:r>
+              <a:rPr lang="en-US" b="0" i="0" dirty="0" err="1">
+                <a:solidFill>
+                  <a:srgbClr val="222222"/>
+                </a:solidFill>
+                <a:effectLst/>
+                <a:latin typeface="Arial" panose="020B0604020202020204" pitchFamily="34" charset="0"/>
+              </a:rPr>
+              <a:t>Ecol</a:t>
+            </a:r>
+            <a:r>
+              <a:rPr lang="en-US" b="0" i="0" dirty="0">
+                <a:solidFill>
+                  <a:srgbClr val="222222"/>
+                </a:solidFill>
+                <a:effectLst/>
+                <a:latin typeface="Arial" panose="020B0604020202020204" pitchFamily="34" charset="0"/>
+              </a:rPr>
+              <a:t> </a:t>
+            </a:r>
+            <a:r>
+              <a:rPr lang="en-US" b="0" i="0" dirty="0" err="1">
+                <a:solidFill>
+                  <a:srgbClr val="222222"/>
+                </a:solidFill>
+                <a:effectLst/>
+                <a:latin typeface="Arial" panose="020B0604020202020204" pitchFamily="34" charset="0"/>
+              </a:rPr>
+              <a:t>Evol</a:t>
+            </a:r>
+            <a:r>
+              <a:rPr lang="en-US" b="0" i="0" dirty="0">
+                <a:solidFill>
+                  <a:srgbClr val="222222"/>
+                </a:solidFill>
+                <a:effectLst/>
+                <a:latin typeface="Arial" panose="020B0604020202020204" pitchFamily="34" charset="0"/>
+              </a:rPr>
+              <a:t> 7, 1–12." (2019)</a:t>
+            </a:r>
+            <a:endParaRPr lang="de-DE" dirty="0"/>
+          </a:p>
+        </p:txBody>
+      </p:sp>
+      <p:sp>
+        <p:nvSpPr>
+          <p:cNvPr id="4" name="Datumsplatzhalter 3">
+            <a:extLst>
+              <a:ext uri="{FF2B5EF4-FFF2-40B4-BE49-F238E27FC236}">
+                <a16:creationId xmlns:a16="http://schemas.microsoft.com/office/drawing/2014/main" id="{8E34C6A7-0BDD-4D98-A80D-DC905BEF654F}"/>
+              </a:ext>
+            </a:extLst>
+          </p:cNvPr>
+          <p:cNvSpPr>
+            <a:spLocks noGrp="1"/>
+          </p:cNvSpPr>
+          <p:nvPr>
+            <p:ph type="dt" sz="half" idx="10"/>
+          </p:nvPr>
+        </p:nvSpPr>
+        <p:spPr/>
+        <p:txBody>
+          <a:bodyPr/>
+          <a:lstStyle/>
+          <a:p>
+            <a:fld id="{57BF7E81-4A25-4945-A8A1-ED5714DDBF31}" type="datetime1">
+              <a:rPr lang="de-DE" smtClean="0"/>
+              <a:t>20.12.2021</a:t>
+            </a:fld>
+            <a:endParaRPr lang="de-DE" dirty="0"/>
+          </a:p>
+        </p:txBody>
+      </p:sp>
+      <p:sp>
+        <p:nvSpPr>
+          <p:cNvPr id="5" name="Fußzeilenplatzhalter 4">
+            <a:extLst>
+              <a:ext uri="{FF2B5EF4-FFF2-40B4-BE49-F238E27FC236}">
+                <a16:creationId xmlns:a16="http://schemas.microsoft.com/office/drawing/2014/main" id="{4BFA361C-538F-4064-83A0-9565CA191076}"/>
+              </a:ext>
+            </a:extLst>
+          </p:cNvPr>
+          <p:cNvSpPr>
+            <a:spLocks noGrp="1"/>
+          </p:cNvSpPr>
+          <p:nvPr>
+            <p:ph type="ftr" sz="quarter" idx="11"/>
+          </p:nvPr>
+        </p:nvSpPr>
+        <p:spPr/>
+        <p:txBody>
+          <a:bodyPr/>
+          <a:lstStyle/>
+          <a:p>
+            <a:r>
+              <a:rPr lang="de-DE"/>
+              <a:t>Timo Meyer</a:t>
+            </a:r>
+            <a:endParaRPr lang="de-DE" dirty="0"/>
+          </a:p>
+        </p:txBody>
+      </p:sp>
+      <p:sp>
+        <p:nvSpPr>
+          <p:cNvPr id="6" name="Foliennummernplatzhalter 5">
+            <a:extLst>
+              <a:ext uri="{FF2B5EF4-FFF2-40B4-BE49-F238E27FC236}">
+                <a16:creationId xmlns:a16="http://schemas.microsoft.com/office/drawing/2014/main" id="{828C6F26-9F73-43B4-9C33-8EA72AE07B9C}"/>
+              </a:ext>
+            </a:extLst>
+          </p:cNvPr>
+          <p:cNvSpPr>
+            <a:spLocks noGrp="1"/>
+          </p:cNvSpPr>
+          <p:nvPr>
+            <p:ph type="sldNum" sz="quarter" idx="12"/>
+          </p:nvPr>
+        </p:nvSpPr>
+        <p:spPr/>
+        <p:txBody>
+          <a:bodyPr/>
+          <a:lstStyle/>
+          <a:p>
+            <a:fld id="{A97D2E83-CF14-4A73-BFD5-C2A89A8455B9}" type="slidenum">
+              <a:rPr lang="de-DE" smtClean="0"/>
+              <a:pPr/>
+              <a:t>15</a:t>
+            </a:fld>
+            <a:endParaRPr lang="de-DE" dirty="0"/>
+          </a:p>
+        </p:txBody>
+      </p:sp>
+      <p:sp>
+        <p:nvSpPr>
+          <p:cNvPr id="7" name="Textfeld 6">
+            <a:extLst>
+              <a:ext uri="{FF2B5EF4-FFF2-40B4-BE49-F238E27FC236}">
+                <a16:creationId xmlns:a16="http://schemas.microsoft.com/office/drawing/2014/main" id="{91669784-1D99-40DB-A40F-9F44A5EF430E}"/>
+              </a:ext>
+            </a:extLst>
+          </p:cNvPr>
+          <p:cNvSpPr txBox="1"/>
+          <p:nvPr/>
+        </p:nvSpPr>
+        <p:spPr>
+          <a:xfrm>
+            <a:off x="0" y="0"/>
+            <a:ext cx="5066950" cy="338554"/>
+          </a:xfrm>
+          <a:prstGeom prst="rect">
+            <a:avLst/>
+          </a:prstGeom>
+          <a:noFill/>
+        </p:spPr>
+        <p:txBody>
+          <a:bodyPr wrap="square" rtlCol="0">
+            <a:spAutoFit/>
+          </a:bodyPr>
+          <a:lstStyle/>
+          <a:p>
+            <a:r>
+              <a:rPr lang="de-DE" sz="1600" dirty="0">
+                <a:solidFill>
+                  <a:schemeClr val="accent4">
+                    <a:lumMod val="20000"/>
+                    <a:lumOff val="80000"/>
+                  </a:schemeClr>
+                </a:solidFill>
+              </a:rPr>
+              <a:t>Quellen</a:t>
+            </a:r>
+          </a:p>
+        </p:txBody>
+      </p:sp>
+    </p:spTree>
+    <p:extLst>
+      <p:ext uri="{BB962C8B-B14F-4D97-AF65-F5344CB8AC3E}">
+        <p14:creationId xmlns:p14="http://schemas.microsoft.com/office/powerpoint/2010/main" val="770542481"/>
       </p:ext>
     </p:extLst>
   </p:cSld>
@@ -3937,7 +4835,7 @@
           <p:cNvPr id="2" name="Titel 1">
             <a:extLst>
               <a:ext uri="{FF2B5EF4-FFF2-40B4-BE49-F238E27FC236}">
-                <a16:creationId xmlns:a16="http://schemas.microsoft.com/office/drawing/2014/main" id="{EA99AA90-9923-4C89-A85C-B2445EB4BD26}"/>
+                <a16:creationId xmlns:a16="http://schemas.microsoft.com/office/drawing/2014/main" id="{D8BFF4E1-B6A0-45EB-9A71-017F58015F3F}"/>
               </a:ext>
             </a:extLst>
           </p:cNvPr>
@@ -3954,58 +4852,67 @@
           <a:lstStyle/>
           <a:p>
             <a:r>
-              <a:rPr lang="de-DE"/>
+              <a:rPr lang="de-DE" dirty="0"/>
+              <a:t>Inhaltsverzeichnis</a:t>
+            </a:r>
+          </a:p>
+        </p:txBody>
+      </p:sp>
+      <p:sp>
+        <p:nvSpPr>
+          <p:cNvPr id="3" name="Inhaltsplatzhalter 2">
+            <a:extLst>
+              <a:ext uri="{FF2B5EF4-FFF2-40B4-BE49-F238E27FC236}">
+                <a16:creationId xmlns:a16="http://schemas.microsoft.com/office/drawing/2014/main" id="{C1F57C9D-5A99-4337-B020-CCA4BEFD1B39}"/>
+              </a:ext>
+            </a:extLst>
+          </p:cNvPr>
+          <p:cNvSpPr>
+            <a:spLocks noGrp="1"/>
+          </p:cNvSpPr>
+          <p:nvPr>
+            <p:ph idx="1"/>
+          </p:nvPr>
+        </p:nvSpPr>
+        <p:spPr/>
+        <p:txBody>
+          <a:bodyPr/>
+          <a:lstStyle/>
+          <a:p>
+            <a:r>
+              <a:rPr lang="de-DE" dirty="0"/>
               <a:t>Kontext</a:t>
             </a:r>
-            <a:endParaRPr lang="de-DE" dirty="0"/>
-          </a:p>
-        </p:txBody>
-      </p:sp>
-      <p:sp>
-        <p:nvSpPr>
-          <p:cNvPr id="3" name="Inhaltsplatzhalter 2">
-            <a:extLst>
-              <a:ext uri="{FF2B5EF4-FFF2-40B4-BE49-F238E27FC236}">
-                <a16:creationId xmlns:a16="http://schemas.microsoft.com/office/drawing/2014/main" id="{976FCAB9-6ADC-4CFC-B8A8-2B1D3EF3C10C}"/>
-              </a:ext>
-            </a:extLst>
-          </p:cNvPr>
-          <p:cNvSpPr>
-            <a:spLocks noGrp="1"/>
-          </p:cNvSpPr>
-          <p:nvPr>
-            <p:ph idx="1"/>
-          </p:nvPr>
-        </p:nvSpPr>
-        <p:spPr/>
-        <p:txBody>
-          <a:bodyPr/>
-          <a:lstStyle/>
-          <a:p>
-            <a:r>
-              <a:rPr lang="de-DE" dirty="0"/>
-              <a:t>Worum geht es?</a:t>
-            </a:r>
-          </a:p>
-          <a:p>
-            <a:pPr lvl="1"/>
-            <a:r>
-              <a:rPr lang="de-DE" dirty="0"/>
-              <a:t>Statistische Modellierung von Tracking Daten</a:t>
-            </a:r>
-          </a:p>
-          <a:p>
-            <a:pPr lvl="1"/>
-            <a:endParaRPr lang="de-DE" dirty="0"/>
-          </a:p>
-          <a:p>
-            <a:r>
-              <a:rPr lang="de-DE" dirty="0"/>
-              <a:t>Im Speziellen?</a:t>
-            </a:r>
-          </a:p>
-          <a:p>
-            <a:endParaRPr lang="de-DE" dirty="0"/>
+          </a:p>
+          <a:p>
+            <a:r>
+              <a:rPr lang="de-DE" dirty="0"/>
+              <a:t>Hauptresultate des Papers</a:t>
+            </a:r>
+          </a:p>
+          <a:p>
+            <a:r>
+              <a:rPr lang="de-DE" dirty="0"/>
+              <a:t>1. Hauptresultat</a:t>
+            </a:r>
+          </a:p>
+          <a:p>
+            <a:r>
+              <a:rPr lang="de-DE" dirty="0"/>
+              <a:t>2. Hauptresultat</a:t>
+            </a:r>
+          </a:p>
+          <a:p>
+            <a:r>
+              <a:rPr lang="de-DE" dirty="0"/>
+              <a:t>Bezug zur Masterarbeit</a:t>
+            </a:r>
+          </a:p>
+          <a:p>
+            <a:r>
+              <a:rPr lang="de-DE" dirty="0"/>
+              <a:t>Quellen</a:t>
+            </a:r>
           </a:p>
         </p:txBody>
       </p:sp>
@@ -4014,7 +4921,7 @@
           <p:cNvPr id="4" name="Datumsplatzhalter 3">
             <a:extLst>
               <a:ext uri="{FF2B5EF4-FFF2-40B4-BE49-F238E27FC236}">
-                <a16:creationId xmlns:a16="http://schemas.microsoft.com/office/drawing/2014/main" id="{746CB8F8-FA51-4B67-9833-4C94B5C68D0E}"/>
+                <a16:creationId xmlns:a16="http://schemas.microsoft.com/office/drawing/2014/main" id="{35F2E06F-DACB-46FF-A1D0-5190ADF28C48}"/>
               </a:ext>
             </a:extLst>
           </p:cNvPr>
@@ -4032,7 +4939,7 @@
           <a:p>
             <a:fld id="{57BF7E81-4A25-4945-A8A1-ED5714DDBF31}" type="datetime1">
               <a:rPr lang="de-DE" smtClean="0"/>
-              <a:t>19.12.2021</a:t>
+              <a:t>20.12.2021</a:t>
             </a:fld>
             <a:endParaRPr lang="de-DE" dirty="0"/>
           </a:p>
@@ -4043,7 +4950,7 @@
           <p:cNvPr id="5" name="Fußzeilenplatzhalter 4">
             <a:extLst>
               <a:ext uri="{FF2B5EF4-FFF2-40B4-BE49-F238E27FC236}">
-                <a16:creationId xmlns:a16="http://schemas.microsoft.com/office/drawing/2014/main" id="{01C9BF27-32D6-4E79-81A0-B9F4A99C90E6}"/>
+                <a16:creationId xmlns:a16="http://schemas.microsoft.com/office/drawing/2014/main" id="{37AF38F9-D073-4047-9B34-ADDCD0EF44B6}"/>
               </a:ext>
             </a:extLst>
           </p:cNvPr>
@@ -4072,7 +4979,7 @@
           <p:cNvPr id="6" name="Foliennummernplatzhalter 5">
             <a:extLst>
               <a:ext uri="{FF2B5EF4-FFF2-40B4-BE49-F238E27FC236}">
-                <a16:creationId xmlns:a16="http://schemas.microsoft.com/office/drawing/2014/main" id="{989260BC-DDA5-4945-8B31-D10CF97FD40E}"/>
+                <a16:creationId xmlns:a16="http://schemas.microsoft.com/office/drawing/2014/main" id="{4FFD3D6A-725E-4B2C-8448-1750097970F5}"/>
               </a:ext>
             </a:extLst>
           </p:cNvPr>
@@ -4092,6 +4999,243 @@
               <a:rPr lang="de-DE" smtClean="0"/>
               <a:pPr/>
               <a:t>2</a:t>
+            </a:fld>
+            <a:endParaRPr lang="de-DE" dirty="0"/>
+          </a:p>
+        </p:txBody>
+      </p:sp>
+      <p:sp>
+        <p:nvSpPr>
+          <p:cNvPr id="8" name="Textfeld 7">
+            <a:extLst>
+              <a:ext uri="{FF2B5EF4-FFF2-40B4-BE49-F238E27FC236}">
+                <a16:creationId xmlns:a16="http://schemas.microsoft.com/office/drawing/2014/main" id="{B726CC70-727F-4685-8804-1422A028444C}"/>
+              </a:ext>
+            </a:extLst>
+          </p:cNvPr>
+          <p:cNvSpPr txBox="1"/>
+          <p:nvPr/>
+        </p:nvSpPr>
+        <p:spPr>
+          <a:xfrm>
+            <a:off x="0" y="0"/>
+            <a:ext cx="5066950" cy="338554"/>
+          </a:xfrm>
+          <a:prstGeom prst="rect">
+            <a:avLst/>
+          </a:prstGeom>
+          <a:noFill/>
+        </p:spPr>
+        <p:txBody>
+          <a:bodyPr wrap="square" rtlCol="0">
+            <a:spAutoFit/>
+          </a:bodyPr>
+          <a:lstStyle/>
+          <a:p>
+            <a:r>
+              <a:rPr lang="de-DE" sz="1600" dirty="0">
+                <a:solidFill>
+                  <a:schemeClr val="accent4">
+                    <a:lumMod val="20000"/>
+                    <a:lumOff val="80000"/>
+                  </a:schemeClr>
+                </a:solidFill>
+              </a:rPr>
+              <a:t>Inhaltsverzeichnis</a:t>
+            </a:r>
+          </a:p>
+        </p:txBody>
+      </p:sp>
+    </p:spTree>
+    <p:extLst>
+      <p:ext uri="{BB962C8B-B14F-4D97-AF65-F5344CB8AC3E}">
+        <p14:creationId xmlns:p14="http://schemas.microsoft.com/office/powerpoint/2010/main" val="3551723672"/>
+      </p:ext>
+    </p:extLst>
+  </p:cSld>
+  <p:clrMapOvr>
+    <a:masterClrMapping/>
+  </p:clrMapOvr>
+</p:sld>
+</file>
+
+<file path=ppt/slides/slide3.xml><?xml version="1.0" encoding="utf-8"?>
+<p:sld xmlns:a="http://schemas.openxmlformats.org/drawingml/2006/main" xmlns:r="http://schemas.openxmlformats.org/officeDocument/2006/relationships" xmlns:p="http://schemas.openxmlformats.org/presentationml/2006/main">
+  <p:cSld>
+    <p:spTree>
+      <p:nvGrpSpPr>
+        <p:cNvPr id="1" name=""/>
+        <p:cNvGrpSpPr/>
+        <p:nvPr/>
+      </p:nvGrpSpPr>
+      <p:grpSpPr>
+        <a:xfrm>
+          <a:off x="0" y="0"/>
+          <a:ext cx="0" cy="0"/>
+          <a:chOff x="0" y="0"/>
+          <a:chExt cx="0" cy="0"/>
+        </a:xfrm>
+      </p:grpSpPr>
+      <p:sp>
+        <p:nvSpPr>
+          <p:cNvPr id="2" name="Titel 1">
+            <a:extLst>
+              <a:ext uri="{FF2B5EF4-FFF2-40B4-BE49-F238E27FC236}">
+                <a16:creationId xmlns:a16="http://schemas.microsoft.com/office/drawing/2014/main" id="{EA99AA90-9923-4C89-A85C-B2445EB4BD26}"/>
+              </a:ext>
+            </a:extLst>
+          </p:cNvPr>
+          <p:cNvSpPr>
+            <a:spLocks noGrp="1"/>
+          </p:cNvSpPr>
+          <p:nvPr>
+            <p:ph type="title"/>
+          </p:nvPr>
+        </p:nvSpPr>
+        <p:spPr/>
+        <p:txBody>
+          <a:bodyPr/>
+          <a:lstStyle/>
+          <a:p>
+            <a:r>
+              <a:rPr lang="de-DE"/>
+              <a:t>Kontext</a:t>
+            </a:r>
+            <a:endParaRPr lang="de-DE" dirty="0"/>
+          </a:p>
+        </p:txBody>
+      </p:sp>
+      <p:sp>
+        <p:nvSpPr>
+          <p:cNvPr id="3" name="Inhaltsplatzhalter 2">
+            <a:extLst>
+              <a:ext uri="{FF2B5EF4-FFF2-40B4-BE49-F238E27FC236}">
+                <a16:creationId xmlns:a16="http://schemas.microsoft.com/office/drawing/2014/main" id="{976FCAB9-6ADC-4CFC-B8A8-2B1D3EF3C10C}"/>
+              </a:ext>
+            </a:extLst>
+          </p:cNvPr>
+          <p:cNvSpPr>
+            <a:spLocks noGrp="1"/>
+          </p:cNvSpPr>
+          <p:nvPr>
+            <p:ph idx="1"/>
+          </p:nvPr>
+        </p:nvSpPr>
+        <p:spPr/>
+        <p:txBody>
+          <a:bodyPr/>
+          <a:lstStyle/>
+          <a:p>
+            <a:r>
+              <a:rPr lang="de-DE" dirty="0"/>
+              <a:t>Worum geht es?</a:t>
+            </a:r>
+          </a:p>
+          <a:p>
+            <a:pPr lvl="1"/>
+            <a:r>
+              <a:rPr lang="de-DE" dirty="0"/>
+              <a:t>Statistische Modellierung von Tracking Daten</a:t>
+            </a:r>
+          </a:p>
+          <a:p>
+            <a:pPr lvl="1"/>
+            <a:endParaRPr lang="de-DE" dirty="0"/>
+          </a:p>
+          <a:p>
+            <a:r>
+              <a:rPr lang="de-DE" dirty="0"/>
+              <a:t>Im Speziellen?</a:t>
+            </a:r>
+          </a:p>
+          <a:p>
+            <a:endParaRPr lang="de-DE" dirty="0"/>
+          </a:p>
+        </p:txBody>
+      </p:sp>
+      <p:sp>
+        <p:nvSpPr>
+          <p:cNvPr id="4" name="Datumsplatzhalter 3">
+            <a:extLst>
+              <a:ext uri="{FF2B5EF4-FFF2-40B4-BE49-F238E27FC236}">
+                <a16:creationId xmlns:a16="http://schemas.microsoft.com/office/drawing/2014/main" id="{746CB8F8-FA51-4B67-9833-4C94B5C68D0E}"/>
+              </a:ext>
+            </a:extLst>
+          </p:cNvPr>
+          <p:cNvSpPr>
+            <a:spLocks noGrp="1"/>
+          </p:cNvSpPr>
+          <p:nvPr>
+            <p:ph type="dt" sz="half" idx="10"/>
+          </p:nvPr>
+        </p:nvSpPr>
+        <p:spPr/>
+        <p:txBody>
+          <a:bodyPr/>
+          <a:lstStyle/>
+          <a:p>
+            <a:fld id="{57BF7E81-4A25-4945-A8A1-ED5714DDBF31}" type="datetime1">
+              <a:rPr lang="de-DE" smtClean="0"/>
+              <a:t>20.12.2021</a:t>
+            </a:fld>
+            <a:endParaRPr lang="de-DE" dirty="0"/>
+          </a:p>
+        </p:txBody>
+      </p:sp>
+      <p:sp>
+        <p:nvSpPr>
+          <p:cNvPr id="5" name="Fußzeilenplatzhalter 4">
+            <a:extLst>
+              <a:ext uri="{FF2B5EF4-FFF2-40B4-BE49-F238E27FC236}">
+                <a16:creationId xmlns:a16="http://schemas.microsoft.com/office/drawing/2014/main" id="{01C9BF27-32D6-4E79-81A0-B9F4A99C90E6}"/>
+              </a:ext>
+            </a:extLst>
+          </p:cNvPr>
+          <p:cNvSpPr>
+            <a:spLocks noGrp="1"/>
+          </p:cNvSpPr>
+          <p:nvPr>
+            <p:ph type="ftr" sz="quarter" idx="11"/>
+          </p:nvPr>
+        </p:nvSpPr>
+        <p:spPr/>
+        <p:txBody>
+          <a:bodyPr/>
+          <a:lstStyle/>
+          <a:p>
+            <a:r>
+              <a:rPr lang="de-DE"/>
+              <a:t>Timo Meyer</a:t>
+            </a:r>
+            <a:endParaRPr lang="de-DE" dirty="0"/>
+          </a:p>
+        </p:txBody>
+      </p:sp>
+      <p:sp>
+        <p:nvSpPr>
+          <p:cNvPr id="6" name="Foliennummernplatzhalter 5">
+            <a:extLst>
+              <a:ext uri="{FF2B5EF4-FFF2-40B4-BE49-F238E27FC236}">
+                <a16:creationId xmlns:a16="http://schemas.microsoft.com/office/drawing/2014/main" id="{989260BC-DDA5-4945-8B31-D10CF97FD40E}"/>
+              </a:ext>
+            </a:extLst>
+          </p:cNvPr>
+          <p:cNvSpPr>
+            <a:spLocks noGrp="1"/>
+          </p:cNvSpPr>
+          <p:nvPr>
+            <p:ph type="sldNum" sz="quarter" idx="12"/>
+          </p:nvPr>
+        </p:nvSpPr>
+        <p:spPr/>
+        <p:txBody>
+          <a:bodyPr/>
+          <a:lstStyle/>
+          <a:p>
+            <a:fld id="{A97D2E83-CF14-4A73-BFD5-C2A89A8455B9}" type="slidenum">
+              <a:rPr lang="de-DE" smtClean="0"/>
+              <a:pPr/>
+              <a:t>3</a:t>
             </a:fld>
             <a:endParaRPr lang="de-DE" dirty="0"/>
           </a:p>
@@ -4144,6 +5288,48 @@
           </a:extLst>
         </p:spPr>
       </p:pic>
+      <p:sp>
+        <p:nvSpPr>
+          <p:cNvPr id="8" name="Textfeld 7">
+            <a:extLst>
+              <a:ext uri="{FF2B5EF4-FFF2-40B4-BE49-F238E27FC236}">
+                <a16:creationId xmlns:a16="http://schemas.microsoft.com/office/drawing/2014/main" id="{E72967DD-B69E-4127-BD26-758D67D2B28E}"/>
+              </a:ext>
+            </a:extLst>
+          </p:cNvPr>
+          <p:cNvSpPr txBox="1"/>
+          <p:nvPr/>
+        </p:nvSpPr>
+        <p:spPr>
+          <a:xfrm>
+            <a:off x="0" y="0"/>
+            <a:ext cx="5066950" cy="338554"/>
+          </a:xfrm>
+          <a:prstGeom prst="rect">
+            <a:avLst/>
+          </a:prstGeom>
+          <a:noFill/>
+        </p:spPr>
+        <p:txBody>
+          <a:bodyPr wrap="square" rtlCol="0">
+            <a:spAutoFit/>
+          </a:bodyPr>
+          <a:lstStyle/>
+          <a:p>
+            <a:r>
+              <a:rPr lang="de-DE" sz="1600" dirty="0">
+                <a:solidFill>
+                  <a:schemeClr val="accent4">
+                    <a:lumMod val="20000"/>
+                    <a:lumOff val="80000"/>
+                  </a:schemeClr>
+                </a:solidFill>
+              </a:rPr>
+              <a:t>Kontext</a:t>
+            </a:r>
+          </a:p>
+        </p:txBody>
+      </p:sp>
     </p:spTree>
     <p:extLst>
       <p:ext uri="{BB962C8B-B14F-4D97-AF65-F5344CB8AC3E}">
@@ -4330,7 +5516,7 @@
 </p:sld>
 </file>
 
-<file path=ppt/slides/slide3.xml><?xml version="1.0" encoding="utf-8"?>
+<file path=ppt/slides/slide4.xml><?xml version="1.0" encoding="utf-8"?>
 <p:sld xmlns:a="http://schemas.openxmlformats.org/drawingml/2006/main" xmlns:r="http://schemas.openxmlformats.org/officeDocument/2006/relationships" xmlns:p="http://schemas.openxmlformats.org/presentationml/2006/main">
   <p:cSld>
     <p:spTree>
@@ -4476,7 +5662,7 @@
           <a:p>
             <a:fld id="{57BF7E81-4A25-4945-A8A1-ED5714DDBF31}" type="datetime1">
               <a:rPr lang="de-DE" smtClean="0"/>
-              <a:t>19.12.2021</a:t>
+              <a:t>20.12.2021</a:t>
             </a:fld>
             <a:endParaRPr lang="de-DE" dirty="0"/>
           </a:p>
@@ -4535,7 +5721,7 @@
             <a:fld id="{A97D2E83-CF14-4A73-BFD5-C2A89A8455B9}" type="slidenum">
               <a:rPr lang="de-DE" smtClean="0"/>
               <a:pPr/>
-              <a:t>3</a:t>
+              <a:t>4</a:t>
             </a:fld>
             <a:endParaRPr lang="de-DE" dirty="0"/>
           </a:p>
@@ -4571,256 +5757,52 @@
           </a:prstGeom>
         </p:spPr>
       </p:pic>
+      <p:sp>
+        <p:nvSpPr>
+          <p:cNvPr id="8" name="Textfeld 7">
+            <a:extLst>
+              <a:ext uri="{FF2B5EF4-FFF2-40B4-BE49-F238E27FC236}">
+                <a16:creationId xmlns:a16="http://schemas.microsoft.com/office/drawing/2014/main" id="{E10B5CC2-44CE-4D4C-BE3A-8A344EF0175F}"/>
+              </a:ext>
+            </a:extLst>
+          </p:cNvPr>
+          <p:cNvSpPr txBox="1"/>
+          <p:nvPr/>
+        </p:nvSpPr>
+        <p:spPr>
+          <a:xfrm>
+            <a:off x="0" y="0"/>
+            <a:ext cx="5066950" cy="338554"/>
+          </a:xfrm>
+          <a:prstGeom prst="rect">
+            <a:avLst/>
+          </a:prstGeom>
+          <a:noFill/>
+        </p:spPr>
+        <p:txBody>
+          <a:bodyPr wrap="square" rtlCol="0">
+            <a:spAutoFit/>
+          </a:bodyPr>
+          <a:lstStyle/>
+          <a:p>
+            <a:r>
+              <a:rPr lang="de-DE" sz="1600" dirty="0">
+                <a:solidFill>
+                  <a:schemeClr val="accent4">
+                    <a:lumMod val="20000"/>
+                    <a:lumOff val="80000"/>
+                  </a:schemeClr>
+                </a:solidFill>
+              </a:rPr>
+              <a:t>Hauptresultate</a:t>
+            </a:r>
+          </a:p>
+        </p:txBody>
+      </p:sp>
     </p:spTree>
     <p:extLst>
       <p:ext uri="{BB962C8B-B14F-4D97-AF65-F5344CB8AC3E}">
         <p14:creationId xmlns:p14="http://schemas.microsoft.com/office/powerpoint/2010/main" val="2521127889"/>
-      </p:ext>
-    </p:extLst>
-  </p:cSld>
-  <p:clrMapOvr>
-    <a:masterClrMapping/>
-  </p:clrMapOvr>
-</p:sld>
-</file>
-
-<file path=ppt/slides/slide4.xml><?xml version="1.0" encoding="utf-8"?>
-<p:sld xmlns:a="http://schemas.openxmlformats.org/drawingml/2006/main" xmlns:r="http://schemas.openxmlformats.org/officeDocument/2006/relationships" xmlns:p="http://schemas.openxmlformats.org/presentationml/2006/main">
-  <p:cSld>
-    <p:spTree>
-      <p:nvGrpSpPr>
-        <p:cNvPr id="1" name=""/>
-        <p:cNvGrpSpPr/>
-        <p:nvPr/>
-      </p:nvGrpSpPr>
-      <p:grpSpPr>
-        <a:xfrm>
-          <a:off x="0" y="0"/>
-          <a:ext cx="0" cy="0"/>
-          <a:chOff x="0" y="0"/>
-          <a:chExt cx="0" cy="0"/>
-        </a:xfrm>
-      </p:grpSpPr>
-      <p:sp>
-        <p:nvSpPr>
-          <p:cNvPr id="2" name="Titel 1">
-            <a:extLst>
-              <a:ext uri="{FF2B5EF4-FFF2-40B4-BE49-F238E27FC236}">
-                <a16:creationId xmlns:a16="http://schemas.microsoft.com/office/drawing/2014/main" id="{399B081B-4B5A-45BC-98FC-00A884FEF525}"/>
-              </a:ext>
-            </a:extLst>
-          </p:cNvPr>
-          <p:cNvSpPr>
-            <a:spLocks noGrp="1"/>
-          </p:cNvSpPr>
-          <p:nvPr>
-            <p:ph type="title"/>
-          </p:nvPr>
-        </p:nvSpPr>
-        <p:spPr/>
-        <p:txBody>
-          <a:bodyPr/>
-          <a:lstStyle/>
-          <a:p>
-            <a:r>
-              <a:rPr lang="de-DE" dirty="0"/>
-              <a:t>Hauptresultate des Papers II</a:t>
-            </a:r>
-          </a:p>
-        </p:txBody>
-      </p:sp>
-      <p:sp>
-        <p:nvSpPr>
-          <p:cNvPr id="3" name="Inhaltsplatzhalter 2">
-            <a:extLst>
-              <a:ext uri="{FF2B5EF4-FFF2-40B4-BE49-F238E27FC236}">
-                <a16:creationId xmlns:a16="http://schemas.microsoft.com/office/drawing/2014/main" id="{682525D5-C302-4241-A1C7-844165C5E1B8}"/>
-              </a:ext>
-            </a:extLst>
-          </p:cNvPr>
-          <p:cNvSpPr>
-            <a:spLocks noGrp="1"/>
-          </p:cNvSpPr>
-          <p:nvPr>
-            <p:ph idx="1"/>
-          </p:nvPr>
-        </p:nvSpPr>
-        <p:spPr/>
-        <p:txBody>
-          <a:bodyPr>
-            <a:normAutofit/>
-          </a:bodyPr>
-          <a:lstStyle/>
-          <a:p>
-            <a:pPr marL="514350" indent="-514350">
-              <a:spcBef>
-                <a:spcPts val="800"/>
-              </a:spcBef>
-              <a:buFont typeface="+mj-lt"/>
-              <a:buAutoNum type="arabicPeriod" startAt="2"/>
-            </a:pPr>
-            <a:r>
-              <a:rPr lang="de-DE" dirty="0"/>
-              <a:t>Bewegungsverhalten der Tiere</a:t>
-            </a:r>
-          </a:p>
-          <a:p>
-            <a:pPr marL="514350" indent="-514350">
-              <a:spcBef>
-                <a:spcPts val="800"/>
-              </a:spcBef>
-              <a:buFont typeface="+mj-lt"/>
-              <a:buAutoNum type="arabicPeriod" startAt="2"/>
-            </a:pPr>
-            <a:endParaRPr lang="de-DE" dirty="0"/>
-          </a:p>
-          <a:p>
-            <a:pPr marL="514350" indent="-514350">
-              <a:spcBef>
-                <a:spcPts val="800"/>
-              </a:spcBef>
-              <a:buFont typeface="+mj-lt"/>
-              <a:buAutoNum type="arabicPeriod" startAt="2"/>
-            </a:pPr>
-            <a:endParaRPr lang="de-DE" dirty="0"/>
-          </a:p>
-          <a:p>
-            <a:pPr marL="514350" indent="-514350">
-              <a:spcBef>
-                <a:spcPts val="800"/>
-              </a:spcBef>
-              <a:buFont typeface="+mj-lt"/>
-              <a:buAutoNum type="arabicPeriod" startAt="2"/>
-            </a:pPr>
-            <a:endParaRPr lang="de-DE" dirty="0"/>
-          </a:p>
-          <a:p>
-            <a:endParaRPr lang="de-DE" dirty="0"/>
-          </a:p>
-        </p:txBody>
-      </p:sp>
-      <p:sp>
-        <p:nvSpPr>
-          <p:cNvPr id="4" name="Datumsplatzhalter 3">
-            <a:extLst>
-              <a:ext uri="{FF2B5EF4-FFF2-40B4-BE49-F238E27FC236}">
-                <a16:creationId xmlns:a16="http://schemas.microsoft.com/office/drawing/2014/main" id="{A90E44A9-A59F-42FA-B519-D21ED1CDAE21}"/>
-              </a:ext>
-            </a:extLst>
-          </p:cNvPr>
-          <p:cNvSpPr>
-            <a:spLocks noGrp="1"/>
-          </p:cNvSpPr>
-          <p:nvPr>
-            <p:ph type="dt" sz="half" idx="10"/>
-          </p:nvPr>
-        </p:nvSpPr>
-        <p:spPr/>
-        <p:txBody>
-          <a:bodyPr/>
-          <a:lstStyle/>
-          <a:p>
-            <a:fld id="{57BF7E81-4A25-4945-A8A1-ED5714DDBF31}" type="datetime1">
-              <a:rPr lang="de-DE" smtClean="0"/>
-              <a:t>19.12.2021</a:t>
-            </a:fld>
-            <a:endParaRPr lang="de-DE" dirty="0"/>
-          </a:p>
-        </p:txBody>
-      </p:sp>
-      <p:sp>
-        <p:nvSpPr>
-          <p:cNvPr id="5" name="Fußzeilenplatzhalter 4">
-            <a:extLst>
-              <a:ext uri="{FF2B5EF4-FFF2-40B4-BE49-F238E27FC236}">
-                <a16:creationId xmlns:a16="http://schemas.microsoft.com/office/drawing/2014/main" id="{46EF5C28-7F38-4051-9BC8-658AF66A986B}"/>
-              </a:ext>
-            </a:extLst>
-          </p:cNvPr>
-          <p:cNvSpPr>
-            <a:spLocks noGrp="1"/>
-          </p:cNvSpPr>
-          <p:nvPr>
-            <p:ph type="ftr" sz="quarter" idx="11"/>
-          </p:nvPr>
-        </p:nvSpPr>
-        <p:spPr/>
-        <p:txBody>
-          <a:bodyPr/>
-          <a:lstStyle/>
-          <a:p>
-            <a:r>
-              <a:rPr lang="de-DE"/>
-              <a:t>Timo Meyer</a:t>
-            </a:r>
-            <a:endParaRPr lang="de-DE" dirty="0"/>
-          </a:p>
-        </p:txBody>
-      </p:sp>
-      <p:sp>
-        <p:nvSpPr>
-          <p:cNvPr id="6" name="Foliennummernplatzhalter 5">
-            <a:extLst>
-              <a:ext uri="{FF2B5EF4-FFF2-40B4-BE49-F238E27FC236}">
-                <a16:creationId xmlns:a16="http://schemas.microsoft.com/office/drawing/2014/main" id="{99946D70-A43E-4280-B716-4F6F3148E63F}"/>
-              </a:ext>
-            </a:extLst>
-          </p:cNvPr>
-          <p:cNvSpPr>
-            <a:spLocks noGrp="1"/>
-          </p:cNvSpPr>
-          <p:nvPr>
-            <p:ph type="sldNum" sz="quarter" idx="12"/>
-          </p:nvPr>
-        </p:nvSpPr>
-        <p:spPr/>
-        <p:txBody>
-          <a:bodyPr/>
-          <a:lstStyle/>
-          <a:p>
-            <a:fld id="{A97D2E83-CF14-4A73-BFD5-C2A89A8455B9}" type="slidenum">
-              <a:rPr lang="de-DE" smtClean="0"/>
-              <a:pPr/>
-              <a:t>4</a:t>
-            </a:fld>
-            <a:endParaRPr lang="de-DE" dirty="0"/>
-          </a:p>
-        </p:txBody>
-      </p:sp>
-      <p:pic>
-        <p:nvPicPr>
-          <p:cNvPr id="11" name="Grafik 10">
-            <a:extLst>
-              <a:ext uri="{FF2B5EF4-FFF2-40B4-BE49-F238E27FC236}">
-                <a16:creationId xmlns:a16="http://schemas.microsoft.com/office/drawing/2014/main" id="{30116C52-FDBA-409D-905D-AC4598F744E9}"/>
-              </a:ext>
-            </a:extLst>
-          </p:cNvPr>
-          <p:cNvPicPr>
-            <a:picLocks noChangeAspect="1"/>
-          </p:cNvPicPr>
-          <p:nvPr/>
-        </p:nvPicPr>
-        <p:blipFill>
-          <a:blip r:embed="rId2"/>
-          <a:stretch>
-            <a:fillRect/>
-          </a:stretch>
-        </p:blipFill>
-        <p:spPr>
-          <a:xfrm>
-            <a:off x="838201" y="2149596"/>
-            <a:ext cx="10470343" cy="4184702"/>
-          </a:xfrm>
-          <a:prstGeom prst="rect">
-            <a:avLst/>
-          </a:prstGeom>
-        </p:spPr>
-      </p:pic>
-    </p:spTree>
-    <p:extLst>
-      <p:ext uri="{BB962C8B-B14F-4D97-AF65-F5344CB8AC3E}">
-        <p14:creationId xmlns:p14="http://schemas.microsoft.com/office/powerpoint/2010/main" val="2783089434"/>
       </p:ext>
     </p:extLst>
   </p:cSld>
@@ -4852,7 +5834,7 @@
           <p:cNvPr id="2" name="Titel 1">
             <a:extLst>
               <a:ext uri="{FF2B5EF4-FFF2-40B4-BE49-F238E27FC236}">
-                <a16:creationId xmlns:a16="http://schemas.microsoft.com/office/drawing/2014/main" id="{A57C38E9-24FB-4CF9-9A87-8FC744EDA00B}"/>
+                <a16:creationId xmlns:a16="http://schemas.microsoft.com/office/drawing/2014/main" id="{399B081B-4B5A-45BC-98FC-00A884FEF525}"/>
               </a:ext>
             </a:extLst>
           </p:cNvPr>
@@ -4861,6 +5843,34 @@
           </p:cNvSpPr>
           <p:nvPr>
             <p:ph type="title"/>
+          </p:nvPr>
+        </p:nvSpPr>
+        <p:spPr/>
+        <p:txBody>
+          <a:bodyPr/>
+          <a:lstStyle/>
+          <a:p>
+            <a:r>
+              <a:rPr lang="de-DE" dirty="0"/>
+              <a:t>Hauptresultate des Papers II</a:t>
+            </a:r>
+          </a:p>
+        </p:txBody>
+      </p:sp>
+      <p:sp>
+        <p:nvSpPr>
+          <p:cNvPr id="3" name="Inhaltsplatzhalter 2">
+            <a:extLst>
+              <a:ext uri="{FF2B5EF4-FFF2-40B4-BE49-F238E27FC236}">
+                <a16:creationId xmlns:a16="http://schemas.microsoft.com/office/drawing/2014/main" id="{682525D5-C302-4241-A1C7-844165C5E1B8}"/>
+              </a:ext>
+            </a:extLst>
+          </p:cNvPr>
+          <p:cNvSpPr>
+            <a:spLocks noGrp="1"/>
+          </p:cNvSpPr>
+          <p:nvPr>
+            <p:ph idx="1"/>
           </p:nvPr>
         </p:nvSpPr>
         <p:spPr/>
@@ -4870,252 +5880,47 @@
           </a:bodyPr>
           <a:lstStyle/>
           <a:p>
-            <a:r>
-              <a:rPr lang="de-DE" dirty="0"/>
-              <a:t>1. </a:t>
-            </a:r>
-            <a:r>
-              <a:rPr lang="de-DE" dirty="0" err="1"/>
-              <a:t>Collar</a:t>
-            </a:r>
-            <a:r>
-              <a:rPr lang="de-DE" dirty="0"/>
-              <a:t> Temperatur als Maß für Umgebungstemperatur</a:t>
-            </a:r>
-          </a:p>
-        </p:txBody>
-      </p:sp>
-      <p:sp>
-        <p:nvSpPr>
-          <p:cNvPr id="3" name="Inhaltsplatzhalter 2">
-            <a:extLst>
-              <a:ext uri="{FF2B5EF4-FFF2-40B4-BE49-F238E27FC236}">
-                <a16:creationId xmlns:a16="http://schemas.microsoft.com/office/drawing/2014/main" id="{94B6FDB5-F3FB-4F2C-A340-36156005F910}"/>
-              </a:ext>
-            </a:extLst>
-          </p:cNvPr>
-          <p:cNvSpPr>
-            <a:spLocks noGrp="1"/>
-          </p:cNvSpPr>
-          <p:nvPr>
-            <p:ph idx="1"/>
-          </p:nvPr>
-        </p:nvSpPr>
-        <p:spPr/>
-        <p:txBody>
-          <a:bodyPr>
-            <a:normAutofit/>
-          </a:bodyPr>
-          <a:lstStyle/>
-          <a:p>
-            <a:r>
-              <a:rPr lang="de-DE" dirty="0"/>
-              <a:t>Zwei Maßstäbe für Inferenz</a:t>
-            </a:r>
-          </a:p>
-          <a:p>
-            <a:pPr lvl="1"/>
-            <a:r>
-              <a:rPr lang="de-DE" dirty="0"/>
-              <a:t>Zeitlich (Schwerpunkt): Beziehung der getrackten Temperatur zu </a:t>
-            </a:r>
-            <a:r>
-              <a:rPr lang="de-DE" dirty="0" err="1"/>
-              <a:t>Flux</a:t>
-            </a:r>
-            <a:r>
-              <a:rPr lang="de-DE" dirty="0"/>
-              <a:t>-Turm</a:t>
-            </a:r>
-          </a:p>
-          <a:p>
-            <a:pPr lvl="1"/>
-            <a:r>
-              <a:rPr lang="de-DE" dirty="0"/>
-              <a:t>Räumlich: Beziehung der getrackten Temperatur zu LANDSAT Satelliten + Schatten + Season</a:t>
-            </a:r>
-          </a:p>
-          <a:p>
-            <a:pPr lvl="1"/>
-            <a:endParaRPr lang="de-DE" dirty="0"/>
-          </a:p>
-          <a:p>
-            <a:r>
-              <a:rPr lang="de-DE" dirty="0"/>
-              <a:t>Zeitlich: Linear Mixed Model (LMM)/ Generalisiertes Additives Model (GAM) für Bland-Altman Test</a:t>
-            </a:r>
-          </a:p>
-          <a:p>
-            <a:pPr lvl="1"/>
-            <a:r>
-              <a:rPr lang="de-DE" dirty="0" err="1"/>
-              <a:t>lmer</a:t>
-            </a:r>
-            <a:r>
-              <a:rPr lang="de-DE" dirty="0"/>
-              <a:t>(</a:t>
-            </a:r>
-            <a:r>
-              <a:rPr lang="de-DE" dirty="0" err="1"/>
-              <a:t>temp</a:t>
-            </a:r>
-            <a:r>
-              <a:rPr lang="de-DE" dirty="0"/>
-              <a:t> ~ </a:t>
-            </a:r>
-            <a:r>
-              <a:rPr lang="de-DE" dirty="0" err="1"/>
-              <a:t>temp_amb</a:t>
-            </a:r>
-            <a:r>
-              <a:rPr lang="de-DE" dirty="0"/>
-              <a:t> + </a:t>
-            </a:r>
-            <a:r>
-              <a:rPr lang="de-DE" dirty="0" err="1"/>
-              <a:t>season</a:t>
-            </a:r>
-            <a:r>
-              <a:rPr lang="de-DE" dirty="0"/>
-              <a:t> + (1|hour) + (1|id), </a:t>
-            </a:r>
-            <a:r>
-              <a:rPr lang="de-DE" dirty="0" err="1"/>
-              <a:t>data</a:t>
-            </a:r>
-            <a:r>
-              <a:rPr lang="de-DE" dirty="0"/>
-              <a:t> = </a:t>
-            </a:r>
-            <a:r>
-              <a:rPr lang="de-DE" dirty="0" err="1"/>
-              <a:t>data</a:t>
-            </a:r>
-            <a:r>
-              <a:rPr lang="de-DE" dirty="0"/>
-              <a:t>)</a:t>
-            </a:r>
-          </a:p>
-          <a:p>
-            <a:pPr lvl="1"/>
-            <a:r>
-              <a:rPr lang="en-US" dirty="0"/>
-              <a:t>gam(diff ~ s(</a:t>
-            </a:r>
-            <a:r>
-              <a:rPr lang="en-US" dirty="0" err="1"/>
-              <a:t>mean_of_measurements</a:t>
-            </a:r>
-            <a:r>
-              <a:rPr lang="en-US" dirty="0"/>
-              <a:t>, by = season), data = data)</a:t>
-            </a:r>
-          </a:p>
-          <a:p>
-            <a:pPr lvl="1"/>
-            <a:r>
-              <a:rPr lang="de-DE" dirty="0"/>
-              <a:t>Limit </a:t>
-            </a:r>
-            <a:r>
-              <a:rPr lang="de-DE" dirty="0" err="1"/>
-              <a:t>of</a:t>
-            </a:r>
-            <a:r>
-              <a:rPr lang="de-DE" dirty="0"/>
-              <a:t> Agreement: </a:t>
-            </a:r>
-            <a:r>
-              <a:rPr lang="de-DE" dirty="0" err="1"/>
-              <a:t>mean_of_measurements</a:t>
-            </a:r>
-            <a:r>
-              <a:rPr lang="de-DE" dirty="0"/>
-              <a:t> ± 1.96* </a:t>
-            </a:r>
-            <a:r>
-              <a:rPr lang="de-DE" dirty="0" err="1"/>
-              <a:t>sd</a:t>
-            </a:r>
-            <a:r>
-              <a:rPr lang="de-DE" dirty="0"/>
-              <a:t> (aus LMM)</a:t>
-            </a:r>
-          </a:p>
-          <a:p>
-            <a:pPr marL="0" indent="0">
-              <a:buNone/>
+            <a:pPr marL="514350" indent="-514350">
+              <a:spcBef>
+                <a:spcPts val="800"/>
+              </a:spcBef>
+              <a:buFont typeface="+mj-lt"/>
+              <a:buAutoNum type="arabicPeriod" startAt="2"/>
             </a:pPr>
-            <a:endParaRPr lang="de-DE" dirty="0"/>
-          </a:p>
-          <a:p>
-            <a:r>
-              <a:rPr lang="de-DE" dirty="0"/>
-              <a:t>Räumlich: LMM</a:t>
-            </a:r>
-          </a:p>
-          <a:p>
-            <a:pPr lvl="1"/>
-            <a:r>
-              <a:rPr lang="de-DE" dirty="0"/>
-              <a:t> </a:t>
-            </a:r>
-            <a:r>
-              <a:rPr lang="de-DE" dirty="0" err="1"/>
-              <a:t>lmer</a:t>
-            </a:r>
-            <a:r>
-              <a:rPr lang="de-DE" dirty="0"/>
-              <a:t>(</a:t>
-            </a:r>
-            <a:r>
-              <a:rPr lang="de-DE" dirty="0" err="1"/>
-              <a:t>temp</a:t>
-            </a:r>
-            <a:r>
-              <a:rPr lang="de-DE" dirty="0"/>
-              <a:t> ~ </a:t>
-            </a:r>
-            <a:r>
-              <a:rPr lang="de-DE" dirty="0" err="1"/>
-              <a:t>landsat_temp</a:t>
-            </a:r>
-            <a:r>
-              <a:rPr lang="de-DE" dirty="0"/>
-              <a:t> + </a:t>
-            </a:r>
-            <a:r>
-              <a:rPr lang="de-DE" dirty="0" err="1"/>
-              <a:t>woody_density</a:t>
-            </a:r>
-            <a:r>
-              <a:rPr lang="de-DE" dirty="0"/>
-              <a:t> + </a:t>
-            </a:r>
-            <a:r>
-              <a:rPr lang="de-DE" dirty="0" err="1"/>
-              <a:t>season</a:t>
-            </a:r>
-            <a:r>
-              <a:rPr lang="de-DE" dirty="0"/>
-              <a:t> + (1|id), </a:t>
-            </a:r>
-            <a:r>
-              <a:rPr lang="de-DE" dirty="0" err="1"/>
-              <a:t>data</a:t>
-            </a:r>
-            <a:r>
-              <a:rPr lang="de-DE" dirty="0"/>
-              <a:t> = </a:t>
-            </a:r>
-            <a:r>
-              <a:rPr lang="de-DE" dirty="0" err="1"/>
-              <a:t>data</a:t>
-            </a:r>
-            <a:r>
-              <a:rPr lang="de-DE" dirty="0"/>
-              <a:t>)</a:t>
-            </a:r>
+            <a:r>
+              <a:rPr lang="de-DE" dirty="0"/>
+              <a:t>Bewegungsverhalten der Tiere</a:t>
+            </a:r>
+          </a:p>
+          <a:p>
+            <a:pPr marL="514350" indent="-514350">
+              <a:spcBef>
+                <a:spcPts val="800"/>
+              </a:spcBef>
+              <a:buFont typeface="+mj-lt"/>
+              <a:buAutoNum type="arabicPeriod" startAt="2"/>
+            </a:pPr>
+            <a:endParaRPr lang="de-DE" dirty="0"/>
+          </a:p>
+          <a:p>
+            <a:pPr marL="514350" indent="-514350">
+              <a:spcBef>
+                <a:spcPts val="800"/>
+              </a:spcBef>
+              <a:buFont typeface="+mj-lt"/>
+              <a:buAutoNum type="arabicPeriod" startAt="2"/>
+            </a:pPr>
+            <a:endParaRPr lang="de-DE" dirty="0"/>
+          </a:p>
+          <a:p>
+            <a:pPr marL="514350" indent="-514350">
+              <a:spcBef>
+                <a:spcPts val="800"/>
+              </a:spcBef>
+              <a:buFont typeface="+mj-lt"/>
+              <a:buAutoNum type="arabicPeriod" startAt="2"/>
+            </a:pPr>
+            <a:endParaRPr lang="de-DE" dirty="0"/>
           </a:p>
           <a:p>
             <a:endParaRPr lang="de-DE" dirty="0"/>
@@ -5127,7 +5932,7 @@
           <p:cNvPr id="4" name="Datumsplatzhalter 3">
             <a:extLst>
               <a:ext uri="{FF2B5EF4-FFF2-40B4-BE49-F238E27FC236}">
-                <a16:creationId xmlns:a16="http://schemas.microsoft.com/office/drawing/2014/main" id="{58A39809-E6AC-46C7-BCB2-145E724E036A}"/>
+                <a16:creationId xmlns:a16="http://schemas.microsoft.com/office/drawing/2014/main" id="{A90E44A9-A59F-42FA-B519-D21ED1CDAE21}"/>
               </a:ext>
             </a:extLst>
           </p:cNvPr>
@@ -5145,7 +5950,7 @@
           <a:p>
             <a:fld id="{57BF7E81-4A25-4945-A8A1-ED5714DDBF31}" type="datetime1">
               <a:rPr lang="de-DE" smtClean="0"/>
-              <a:t>19.12.2021</a:t>
+              <a:t>20.12.2021</a:t>
             </a:fld>
             <a:endParaRPr lang="de-DE" dirty="0"/>
           </a:p>
@@ -5156,7 +5961,7 @@
           <p:cNvPr id="5" name="Fußzeilenplatzhalter 4">
             <a:extLst>
               <a:ext uri="{FF2B5EF4-FFF2-40B4-BE49-F238E27FC236}">
-                <a16:creationId xmlns:a16="http://schemas.microsoft.com/office/drawing/2014/main" id="{8ED5F8AE-D544-4D0B-833E-BE7AB5C285B3}"/>
+                <a16:creationId xmlns:a16="http://schemas.microsoft.com/office/drawing/2014/main" id="{46EF5C28-7F38-4051-9BC8-658AF66A986B}"/>
               </a:ext>
             </a:extLst>
           </p:cNvPr>
@@ -5185,7 +5990,7 @@
           <p:cNvPr id="6" name="Foliennummernplatzhalter 5">
             <a:extLst>
               <a:ext uri="{FF2B5EF4-FFF2-40B4-BE49-F238E27FC236}">
-                <a16:creationId xmlns:a16="http://schemas.microsoft.com/office/drawing/2014/main" id="{E2CE1D4D-4AB5-4BB3-8D62-CD4EED35C5FC}"/>
+                <a16:creationId xmlns:a16="http://schemas.microsoft.com/office/drawing/2014/main" id="{99946D70-A43E-4280-B716-4F6F3148E63F}"/>
               </a:ext>
             </a:extLst>
           </p:cNvPr>
@@ -5210,10 +6015,82 @@
           </a:p>
         </p:txBody>
       </p:sp>
+      <p:pic>
+        <p:nvPicPr>
+          <p:cNvPr id="11" name="Grafik 10">
+            <a:extLst>
+              <a:ext uri="{FF2B5EF4-FFF2-40B4-BE49-F238E27FC236}">
+                <a16:creationId xmlns:a16="http://schemas.microsoft.com/office/drawing/2014/main" id="{30116C52-FDBA-409D-905D-AC4598F744E9}"/>
+              </a:ext>
+            </a:extLst>
+          </p:cNvPr>
+          <p:cNvPicPr>
+            <a:picLocks noChangeAspect="1"/>
+          </p:cNvPicPr>
+          <p:nvPr/>
+        </p:nvPicPr>
+        <p:blipFill>
+          <a:blip r:embed="rId2"/>
+          <a:stretch>
+            <a:fillRect/>
+          </a:stretch>
+        </p:blipFill>
+        <p:spPr>
+          <a:xfrm>
+            <a:off x="838201" y="2149596"/>
+            <a:ext cx="10470343" cy="4184702"/>
+          </a:xfrm>
+          <a:prstGeom prst="rect">
+            <a:avLst/>
+          </a:prstGeom>
+        </p:spPr>
+      </p:pic>
+      <p:sp>
+        <p:nvSpPr>
+          <p:cNvPr id="8" name="Textfeld 7">
+            <a:extLst>
+              <a:ext uri="{FF2B5EF4-FFF2-40B4-BE49-F238E27FC236}">
+                <a16:creationId xmlns:a16="http://schemas.microsoft.com/office/drawing/2014/main" id="{B9E0A3DF-EB10-4742-9D32-6BFE01FD8DC5}"/>
+              </a:ext>
+            </a:extLst>
+          </p:cNvPr>
+          <p:cNvSpPr txBox="1"/>
+          <p:nvPr/>
+        </p:nvSpPr>
+        <p:spPr>
+          <a:xfrm>
+            <a:off x="0" y="0"/>
+            <a:ext cx="5066950" cy="338554"/>
+          </a:xfrm>
+          <a:prstGeom prst="rect">
+            <a:avLst/>
+          </a:prstGeom>
+          <a:noFill/>
+        </p:spPr>
+        <p:txBody>
+          <a:bodyPr wrap="square" rtlCol="0">
+            <a:spAutoFit/>
+          </a:bodyPr>
+          <a:lstStyle/>
+          <a:p>
+            <a:r>
+              <a:rPr lang="de-DE" sz="1600" dirty="0">
+                <a:solidFill>
+                  <a:schemeClr val="accent4">
+                    <a:lumMod val="20000"/>
+                    <a:lumOff val="80000"/>
+                  </a:schemeClr>
+                </a:solidFill>
+              </a:rPr>
+              <a:t>Hauptresultate</a:t>
+            </a:r>
+          </a:p>
+        </p:txBody>
+      </p:sp>
     </p:spTree>
     <p:extLst>
       <p:ext uri="{BB962C8B-B14F-4D97-AF65-F5344CB8AC3E}">
-        <p14:creationId xmlns:p14="http://schemas.microsoft.com/office/powerpoint/2010/main" val="181390743"/>
+        <p14:creationId xmlns:p14="http://schemas.microsoft.com/office/powerpoint/2010/main" val="2783089434"/>
       </p:ext>
     </p:extLst>
   </p:cSld>
@@ -5245,7 +6122,7 @@
           <p:cNvPr id="2" name="Titel 1">
             <a:extLst>
               <a:ext uri="{FF2B5EF4-FFF2-40B4-BE49-F238E27FC236}">
-                <a16:creationId xmlns:a16="http://schemas.microsoft.com/office/drawing/2014/main" id="{6250F068-E0AA-4B45-A181-DC9BDE7031F9}"/>
+                <a16:creationId xmlns:a16="http://schemas.microsoft.com/office/drawing/2014/main" id="{A57C38E9-24FB-4CF9-9A87-8FC744EDA00B}"/>
               </a:ext>
             </a:extLst>
           </p:cNvPr>
@@ -5258,12 +6135,22 @@
         </p:nvSpPr>
         <p:spPr/>
         <p:txBody>
-          <a:bodyPr/>
-          <a:lstStyle/>
-          <a:p>
-            <a:r>
-              <a:rPr lang="de-DE" dirty="0"/>
-              <a:t>Ergebnisse der LMMs</a:t>
+          <a:bodyPr>
+            <a:normAutofit/>
+          </a:bodyPr>
+          <a:lstStyle/>
+          <a:p>
+            <a:r>
+              <a:rPr lang="de-DE" dirty="0"/>
+              <a:t>1. </a:t>
+            </a:r>
+            <a:r>
+              <a:rPr lang="de-DE" dirty="0" err="1"/>
+              <a:t>Collar</a:t>
+            </a:r>
+            <a:r>
+              <a:rPr lang="de-DE" dirty="0"/>
+              <a:t> Temperatur als Maß für Umgebungstemperatur</a:t>
             </a:r>
           </a:p>
         </p:txBody>
@@ -5273,7 +6160,7 @@
           <p:cNvPr id="3" name="Inhaltsplatzhalter 2">
             <a:extLst>
               <a:ext uri="{FF2B5EF4-FFF2-40B4-BE49-F238E27FC236}">
-                <a16:creationId xmlns:a16="http://schemas.microsoft.com/office/drawing/2014/main" id="{3D2EB237-0982-408D-A4C1-E1F5FE67DB38}"/>
+                <a16:creationId xmlns:a16="http://schemas.microsoft.com/office/drawing/2014/main" id="{94B6FDB5-F3FB-4F2C-A340-36156005F910}"/>
               </a:ext>
             </a:extLst>
           </p:cNvPr>
@@ -5286,19 +6173,65 @@
         </p:nvSpPr>
         <p:spPr/>
         <p:txBody>
-          <a:bodyPr/>
-          <a:lstStyle/>
-          <a:p>
-            <a:r>
-              <a:rPr lang="de-DE" dirty="0"/>
-              <a:t>Zeitlich: </a:t>
+          <a:bodyPr>
+            <a:normAutofit/>
+          </a:bodyPr>
+          <a:lstStyle/>
+          <a:p>
+            <a:r>
+              <a:rPr lang="de-DE" dirty="0"/>
+              <a:t>Zwei Maßstäbe</a:t>
             </a:r>
           </a:p>
           <a:p>
             <a:pPr lvl="1"/>
             <a:r>
               <a:rPr lang="de-DE" dirty="0"/>
-              <a:t>LMM Schätzung für </a:t>
+              <a:t>Zeitlich (Schwerpunkt): Beziehung der getrackten Temperatur zu </a:t>
+            </a:r>
+            <a:r>
+              <a:rPr lang="de-DE" dirty="0" err="1"/>
+              <a:t>Flux</a:t>
+            </a:r>
+            <a:r>
+              <a:rPr lang="de-DE" dirty="0"/>
+              <a:t>-Turm</a:t>
+            </a:r>
+          </a:p>
+          <a:p>
+            <a:pPr lvl="1"/>
+            <a:r>
+              <a:rPr lang="de-DE" dirty="0"/>
+              <a:t>Räumlich: Beziehung der getrackten Temperatur zu LANDSAT Satelliten + Schatten + Season</a:t>
+            </a:r>
+          </a:p>
+          <a:p>
+            <a:pPr lvl="1"/>
+            <a:endParaRPr lang="de-DE" dirty="0"/>
+          </a:p>
+          <a:p>
+            <a:r>
+              <a:rPr lang="de-DE" dirty="0"/>
+              <a:t>Zeitlich: Linear Mixed Model (LMM)/ Generalisiertes Additives Model (GAM) für Bland-Altman Test</a:t>
+            </a:r>
+          </a:p>
+          <a:p>
+            <a:pPr lvl="1"/>
+            <a:r>
+              <a:rPr lang="de-DE" dirty="0" err="1"/>
+              <a:t>lmer</a:t>
+            </a:r>
+            <a:r>
+              <a:rPr lang="de-DE" dirty="0"/>
+              <a:t>(</a:t>
+            </a:r>
+            <a:r>
+              <a:rPr lang="de-DE" dirty="0" err="1"/>
+              <a:t>temp</a:t>
+            </a:r>
+            <a:r>
+              <a:rPr lang="de-DE" dirty="0"/>
+              <a:t> ~ </a:t>
             </a:r>
             <a:r>
               <a:rPr lang="de-DE" dirty="0" err="1"/>
@@ -5306,14 +6239,7 @@
             </a:r>
             <a:r>
               <a:rPr lang="de-DE" dirty="0"/>
-              <a:t>: 0.69 (p &lt;0.01)</a:t>
-            </a:r>
-          </a:p>
-          <a:p>
-            <a:pPr lvl="1"/>
-            <a:r>
-              <a:rPr lang="de-DE" dirty="0"/>
-              <a:t>LMM Schätzung für </a:t>
+              <a:t> + </a:t>
             </a:r>
             <a:r>
               <a:rPr lang="de-DE" dirty="0" err="1"/>
@@ -5321,191 +6247,148 @@
             </a:r>
             <a:r>
               <a:rPr lang="de-DE" dirty="0"/>
-              <a:t>: 0.78 (p &lt;0.01)</a:t>
+              <a:t> + (1|hour) + (1|id), </a:t>
+            </a:r>
+            <a:r>
+              <a:rPr lang="de-DE" dirty="0" err="1"/>
+              <a:t>data</a:t>
+            </a:r>
+            <a:r>
+              <a:rPr lang="de-DE" dirty="0"/>
+              <a:t> = </a:t>
+            </a:r>
+            <a:r>
+              <a:rPr lang="de-DE" dirty="0" err="1"/>
+              <a:t>data</a:t>
+            </a:r>
+            <a:r>
+              <a:rPr lang="de-DE" dirty="0"/>
+              <a:t>)</a:t>
             </a:r>
           </a:p>
           <a:p>
             <a:pPr lvl="1"/>
             <a:r>
               <a:rPr lang="en-US" dirty="0"/>
-              <a:t>ID und hour </a:t>
+              <a:t>gam(diff ~ s(</a:t>
             </a:r>
             <a:r>
               <a:rPr lang="en-US" dirty="0" err="1"/>
-              <a:t>als</a:t>
+              <a:t>mean_of_measurements</a:t>
             </a:r>
             <a:r>
               <a:rPr lang="en-US" dirty="0"/>
-              <a:t> Random Effects </a:t>
-            </a:r>
-            <a:r>
-              <a:rPr lang="en-US" dirty="0" err="1"/>
-              <a:t>trugen</a:t>
-            </a:r>
-            <a:r>
-              <a:rPr lang="en-US" dirty="0"/>
+              <a:t>, by = season), data = data)</a:t>
+            </a:r>
+          </a:p>
+          <a:p>
+            <a:pPr lvl="1"/>
+            <a:r>
+              <a:rPr lang="de-DE" dirty="0"/>
+              <a:t>Limit </a:t>
+            </a:r>
+            <a:r>
+              <a:rPr lang="de-DE" dirty="0" err="1"/>
+              <a:t>of</a:t>
+            </a:r>
+            <a:r>
+              <a:rPr lang="de-DE" dirty="0"/>
+              <a:t> Agreement: </a:t>
+            </a:r>
+            <a:r>
+              <a:rPr lang="de-DE" dirty="0" err="1"/>
+              <a:t>mean_of_measurements</a:t>
+            </a:r>
+            <a:r>
+              <a:rPr lang="de-DE" dirty="0"/>
+              <a:t> ± 1.96* </a:t>
+            </a:r>
+            <a:r>
+              <a:rPr lang="de-DE" dirty="0" err="1"/>
+              <a:t>sd</a:t>
+            </a:r>
+            <a:r>
+              <a:rPr lang="de-DE" dirty="0"/>
+              <a:t> (aus LMM)</a:t>
+            </a:r>
+          </a:p>
+          <a:p>
+            <a:pPr marL="0" indent="0">
+              <a:buNone/>
+            </a:pPr>
+            <a:endParaRPr lang="de-DE" dirty="0"/>
+          </a:p>
+          <a:p>
+            <a:r>
+              <a:rPr lang="de-DE" dirty="0"/>
+              <a:t>Räumlich: LMM</a:t>
+            </a:r>
+          </a:p>
+          <a:p>
+            <a:pPr lvl="1"/>
+            <a:r>
+              <a:rPr lang="de-DE" dirty="0"/>
               <a:t> </a:t>
             </a:r>
             <a:r>
-              <a:rPr lang="en-US" dirty="0" err="1"/>
-              <a:t>zu</a:t>
-            </a:r>
-            <a:r>
-              <a:rPr lang="en-US" dirty="0"/>
-              <a:t> </a:t>
-            </a:r>
-            <a:r>
-              <a:rPr lang="en-US" dirty="0" err="1"/>
-              <a:t>Standardabweichung</a:t>
-            </a:r>
-            <a:r>
-              <a:rPr lang="en-US" dirty="0"/>
-              <a:t> von 5.3°C </a:t>
-            </a:r>
-            <a:r>
-              <a:rPr lang="en-US" dirty="0" err="1"/>
-              <a:t>bei</a:t>
-            </a:r>
-            <a:r>
-              <a:rPr lang="en-US" dirty="0"/>
-              <a:t> </a:t>
-            </a:r>
-          </a:p>
-          <a:p>
-            <a:pPr lvl="2"/>
-            <a:r>
-              <a:rPr lang="en-US" dirty="0"/>
-              <a:t>5.3 * 1.96 = 10.39 = Bland-Altman Limits of Agreement</a:t>
-            </a:r>
-          </a:p>
-          <a:p>
-            <a:pPr lvl="1"/>
-            <a:r>
-              <a:rPr lang="en-US" dirty="0"/>
-              <a:t>GAM </a:t>
-            </a:r>
-            <a:r>
-              <a:rPr lang="en-US" dirty="0" err="1"/>
-              <a:t>zeigt</a:t>
-            </a:r>
-            <a:r>
-              <a:rPr lang="en-US" dirty="0"/>
-              <a:t>, </a:t>
-            </a:r>
-            <a:r>
-              <a:rPr lang="en-US" dirty="0" err="1"/>
-              <a:t>dass</a:t>
-            </a:r>
-            <a:r>
-              <a:rPr lang="en-US" dirty="0"/>
-              <a:t> smoothing Spline (</a:t>
-            </a:r>
-            <a:r>
-              <a:rPr lang="en-US" dirty="0" err="1"/>
-              <a:t>Mittelwerte</a:t>
-            </a:r>
-            <a:r>
-              <a:rPr lang="en-US" dirty="0"/>
-              <a:t>) </a:t>
-            </a:r>
-            <a:r>
-              <a:rPr lang="en-US" dirty="0" err="1"/>
-              <a:t>signifikanter</a:t>
-            </a:r>
-            <a:r>
-              <a:rPr lang="en-US" dirty="0"/>
-              <a:t> </a:t>
-            </a:r>
-            <a:r>
-              <a:rPr lang="en-US" dirty="0" err="1"/>
-              <a:t>Prädiktor</a:t>
-            </a:r>
-            <a:r>
-              <a:rPr lang="en-US" dirty="0"/>
-              <a:t> für temp </a:t>
-            </a:r>
-            <a:r>
-              <a:rPr lang="en-US" dirty="0" err="1"/>
-              <a:t>ist</a:t>
-            </a:r>
-            <a:r>
-              <a:rPr lang="en-US" dirty="0"/>
-              <a:t> (p &lt;0.01)</a:t>
-            </a:r>
-          </a:p>
-          <a:p>
-            <a:endParaRPr lang="en-US" dirty="0"/>
-          </a:p>
-          <a:p>
-            <a:r>
-              <a:rPr lang="en-US" dirty="0" err="1"/>
-              <a:t>Räumlich</a:t>
-            </a:r>
-            <a:r>
-              <a:rPr lang="en-US" dirty="0"/>
-              <a:t>:</a:t>
-            </a:r>
-          </a:p>
-          <a:p>
-            <a:pPr lvl="1"/>
-            <a:r>
-              <a:rPr lang="en-US" dirty="0"/>
-              <a:t>LMM </a:t>
-            </a:r>
-            <a:r>
-              <a:rPr lang="en-US" dirty="0" err="1"/>
-              <a:t>Schätzung</a:t>
-            </a:r>
-            <a:r>
-              <a:rPr lang="en-US" dirty="0"/>
-              <a:t> für </a:t>
-            </a:r>
-            <a:r>
-              <a:rPr lang="en-US" dirty="0" err="1"/>
+              <a:rPr lang="de-DE" dirty="0" err="1"/>
+              <a:t>lmer</a:t>
+            </a:r>
+            <a:r>
+              <a:rPr lang="de-DE" dirty="0"/>
+              <a:t>(</a:t>
+            </a:r>
+            <a:r>
+              <a:rPr lang="de-DE" dirty="0" err="1"/>
+              <a:t>temp</a:t>
+            </a:r>
+            <a:r>
+              <a:rPr lang="de-DE" dirty="0"/>
+              <a:t> ~ </a:t>
+            </a:r>
+            <a:r>
+              <a:rPr lang="de-DE" dirty="0" err="1"/>
               <a:t>landsat_temp</a:t>
             </a:r>
             <a:r>
-              <a:rPr lang="en-US" dirty="0"/>
-              <a:t>: 0.9 (p &lt;0.01)</a:t>
-            </a:r>
-          </a:p>
-          <a:p>
-            <a:pPr lvl="1"/>
-            <a:r>
-              <a:rPr lang="en-US" dirty="0"/>
-              <a:t>LMM </a:t>
-            </a:r>
-            <a:r>
-              <a:rPr lang="en-US" dirty="0" err="1"/>
-              <a:t>Schätzung</a:t>
-            </a:r>
-            <a:r>
-              <a:rPr lang="en-US" dirty="0"/>
-              <a:t> für season: 0.3 (p &lt;0.01)</a:t>
-            </a:r>
-          </a:p>
-          <a:p>
-            <a:pPr lvl="1"/>
-            <a:r>
-              <a:rPr lang="en-US" dirty="0"/>
-              <a:t>LMM </a:t>
-            </a:r>
-            <a:r>
-              <a:rPr lang="en-US" dirty="0" err="1"/>
-              <a:t>Schätzung</a:t>
-            </a:r>
-            <a:r>
-              <a:rPr lang="en-US" dirty="0"/>
-              <a:t> für </a:t>
-            </a:r>
-            <a:r>
-              <a:rPr lang="en-US" dirty="0" err="1"/>
+              <a:rPr lang="de-DE" dirty="0"/>
+              <a:t> + </a:t>
+            </a:r>
+            <a:r>
+              <a:rPr lang="de-DE" dirty="0" err="1"/>
               <a:t>woody_density</a:t>
             </a:r>
             <a:r>
-              <a:rPr lang="en-US" dirty="0"/>
-              <a:t>: 0.01 (p =0.03)</a:t>
-            </a:r>
+              <a:rPr lang="de-DE" dirty="0"/>
+              <a:t> + </a:t>
+            </a:r>
+            <a:r>
+              <a:rPr lang="de-DE" dirty="0" err="1"/>
+              <a:t>season</a:t>
+            </a:r>
+            <a:r>
+              <a:rPr lang="de-DE" dirty="0"/>
+              <a:t> + (1|id), </a:t>
+            </a:r>
+            <a:r>
+              <a:rPr lang="de-DE" dirty="0" err="1"/>
+              <a:t>data</a:t>
+            </a:r>
+            <a:r>
+              <a:rPr lang="de-DE" dirty="0"/>
+              <a:t> = </a:t>
+            </a:r>
+            <a:r>
+              <a:rPr lang="de-DE" dirty="0" err="1"/>
+              <a:t>data</a:t>
+            </a:r>
+            <a:r>
+              <a:rPr lang="de-DE" dirty="0"/>
+              <a:t>)</a:t>
+            </a:r>
+          </a:p>
+          <a:p>
+            <a:endParaRPr lang="de-DE" dirty="0"/>
           </a:p>
         </p:txBody>
       </p:sp>
@@ -5514,7 +6397,7 @@
           <p:cNvPr id="4" name="Datumsplatzhalter 3">
             <a:extLst>
               <a:ext uri="{FF2B5EF4-FFF2-40B4-BE49-F238E27FC236}">
-                <a16:creationId xmlns:a16="http://schemas.microsoft.com/office/drawing/2014/main" id="{3AEC9EC9-6400-494C-80AC-BBCA222F91B4}"/>
+                <a16:creationId xmlns:a16="http://schemas.microsoft.com/office/drawing/2014/main" id="{58A39809-E6AC-46C7-BCB2-145E724E036A}"/>
               </a:ext>
             </a:extLst>
           </p:cNvPr>
@@ -5532,7 +6415,7 @@
           <a:p>
             <a:fld id="{57BF7E81-4A25-4945-A8A1-ED5714DDBF31}" type="datetime1">
               <a:rPr lang="de-DE" smtClean="0"/>
-              <a:t>19.12.2021</a:t>
+              <a:t>20.12.2021</a:t>
             </a:fld>
             <a:endParaRPr lang="de-DE" dirty="0"/>
           </a:p>
@@ -5543,7 +6426,7 @@
           <p:cNvPr id="5" name="Fußzeilenplatzhalter 4">
             <a:extLst>
               <a:ext uri="{FF2B5EF4-FFF2-40B4-BE49-F238E27FC236}">
-                <a16:creationId xmlns:a16="http://schemas.microsoft.com/office/drawing/2014/main" id="{3C7DB185-EBEE-4307-B236-C56F1F1D3501}"/>
+                <a16:creationId xmlns:a16="http://schemas.microsoft.com/office/drawing/2014/main" id="{8ED5F8AE-D544-4D0B-833E-BE7AB5C285B3}"/>
               </a:ext>
             </a:extLst>
           </p:cNvPr>
@@ -5572,7 +6455,7 @@
           <p:cNvPr id="6" name="Foliennummernplatzhalter 5">
             <a:extLst>
               <a:ext uri="{FF2B5EF4-FFF2-40B4-BE49-F238E27FC236}">
-                <a16:creationId xmlns:a16="http://schemas.microsoft.com/office/drawing/2014/main" id="{221521D2-0890-4BA4-BD35-7DA7B68CD858}"/>
+                <a16:creationId xmlns:a16="http://schemas.microsoft.com/office/drawing/2014/main" id="{E2CE1D4D-4AB5-4BB3-8D62-CD4EED35C5FC}"/>
               </a:ext>
             </a:extLst>
           </p:cNvPr>
@@ -5597,10 +6480,52 @@
           </a:p>
         </p:txBody>
       </p:sp>
+      <p:sp>
+        <p:nvSpPr>
+          <p:cNvPr id="7" name="Textfeld 6">
+            <a:extLst>
+              <a:ext uri="{FF2B5EF4-FFF2-40B4-BE49-F238E27FC236}">
+                <a16:creationId xmlns:a16="http://schemas.microsoft.com/office/drawing/2014/main" id="{D03E3721-F46D-4008-8793-89FE80D43D79}"/>
+              </a:ext>
+            </a:extLst>
+          </p:cNvPr>
+          <p:cNvSpPr txBox="1"/>
+          <p:nvPr/>
+        </p:nvSpPr>
+        <p:spPr>
+          <a:xfrm>
+            <a:off x="0" y="0"/>
+            <a:ext cx="5066950" cy="338554"/>
+          </a:xfrm>
+          <a:prstGeom prst="rect">
+            <a:avLst/>
+          </a:prstGeom>
+          <a:noFill/>
+        </p:spPr>
+        <p:txBody>
+          <a:bodyPr wrap="square" rtlCol="0">
+            <a:spAutoFit/>
+          </a:bodyPr>
+          <a:lstStyle/>
+          <a:p>
+            <a:r>
+              <a:rPr lang="de-DE" sz="1600" dirty="0">
+                <a:solidFill>
+                  <a:schemeClr val="accent4">
+                    <a:lumMod val="20000"/>
+                    <a:lumOff val="80000"/>
+                  </a:schemeClr>
+                </a:solidFill>
+              </a:rPr>
+              <a:t>1. Hauptresultat</a:t>
+            </a:r>
+          </a:p>
+        </p:txBody>
+      </p:sp>
     </p:spTree>
     <p:extLst>
       <p:ext uri="{BB962C8B-B14F-4D97-AF65-F5344CB8AC3E}">
-        <p14:creationId xmlns:p14="http://schemas.microsoft.com/office/powerpoint/2010/main" val="2487847922"/>
+        <p14:creationId xmlns:p14="http://schemas.microsoft.com/office/powerpoint/2010/main" val="181390743"/>
       </p:ext>
     </p:extLst>
   </p:cSld>
@@ -5632,7 +6557,7 @@
           <p:cNvPr id="2" name="Titel 1">
             <a:extLst>
               <a:ext uri="{FF2B5EF4-FFF2-40B4-BE49-F238E27FC236}">
-                <a16:creationId xmlns:a16="http://schemas.microsoft.com/office/drawing/2014/main" id="{399B081B-4B5A-45BC-98FC-00A884FEF525}"/>
+                <a16:creationId xmlns:a16="http://schemas.microsoft.com/office/drawing/2014/main" id="{6250F068-E0AA-4B45-A181-DC9BDE7031F9}"/>
               </a:ext>
             </a:extLst>
           </p:cNvPr>
@@ -5650,7 +6575,7 @@
           <a:p>
             <a:r>
               <a:rPr lang="de-DE" dirty="0"/>
-              <a:t>Zurück zur Grafik</a:t>
+              <a:t>Ergebnisse der LMMs</a:t>
             </a:r>
           </a:p>
         </p:txBody>
@@ -5660,7 +6585,7 @@
           <p:cNvPr id="3" name="Inhaltsplatzhalter 2">
             <a:extLst>
               <a:ext uri="{FF2B5EF4-FFF2-40B4-BE49-F238E27FC236}">
-                <a16:creationId xmlns:a16="http://schemas.microsoft.com/office/drawing/2014/main" id="{682525D5-C302-4241-A1C7-844165C5E1B8}"/>
+                <a16:creationId xmlns:a16="http://schemas.microsoft.com/office/drawing/2014/main" id="{3D2EB237-0982-408D-A4C1-E1F5FE67DB38}"/>
               </a:ext>
             </a:extLst>
           </p:cNvPr>
@@ -5673,156 +6598,242 @@
         </p:nvSpPr>
         <p:spPr/>
         <p:txBody>
-          <a:bodyPr>
-            <a:normAutofit fontScale="92500" lnSpcReduction="20000"/>
-          </a:bodyPr>
-          <a:lstStyle/>
-          <a:p>
-            <a:pPr marL="0" indent="0">
-              <a:spcBef>
-                <a:spcPts val="800"/>
-              </a:spcBef>
-              <a:buNone/>
-            </a:pPr>
-            <a:endParaRPr lang="de-DE" dirty="0"/>
-          </a:p>
-          <a:p>
-            <a:pPr marL="0" indent="0">
-              <a:spcBef>
-                <a:spcPts val="800"/>
-              </a:spcBef>
-              <a:buNone/>
-            </a:pPr>
-            <a:endParaRPr lang="de-DE" dirty="0"/>
-          </a:p>
-          <a:p>
-            <a:pPr marL="0" indent="0">
-              <a:spcBef>
-                <a:spcPts val="800"/>
-              </a:spcBef>
-              <a:buNone/>
-            </a:pPr>
-            <a:endParaRPr lang="de-DE" dirty="0"/>
-          </a:p>
-          <a:p>
-            <a:pPr marL="0" indent="0">
-              <a:spcBef>
-                <a:spcPts val="800"/>
-              </a:spcBef>
-              <a:buNone/>
-            </a:pPr>
-            <a:endParaRPr lang="de-DE" dirty="0"/>
-          </a:p>
-          <a:p>
-            <a:pPr marL="0" indent="0">
-              <a:spcBef>
-                <a:spcPts val="800"/>
-              </a:spcBef>
-              <a:buNone/>
-            </a:pPr>
-            <a:endParaRPr lang="de-DE" dirty="0"/>
-          </a:p>
-          <a:p>
-            <a:pPr marL="0" indent="0">
-              <a:spcBef>
-                <a:spcPts val="800"/>
-              </a:spcBef>
-              <a:buNone/>
-            </a:pPr>
-            <a:endParaRPr lang="de-DE" dirty="0"/>
-          </a:p>
-          <a:p>
-            <a:pPr marL="0" indent="0">
-              <a:spcBef>
-                <a:spcPts val="800"/>
-              </a:spcBef>
-              <a:buNone/>
-            </a:pPr>
-            <a:endParaRPr lang="de-DE" dirty="0"/>
-          </a:p>
-          <a:p>
-            <a:pPr marL="0" indent="0">
-              <a:spcBef>
-                <a:spcPts val="800"/>
-              </a:spcBef>
-              <a:buNone/>
-            </a:pPr>
-            <a:endParaRPr lang="de-DE" dirty="0"/>
-          </a:p>
-          <a:p>
-            <a:pPr marL="0" indent="0">
-              <a:spcBef>
-                <a:spcPts val="800"/>
-              </a:spcBef>
-              <a:buNone/>
-            </a:pPr>
-            <a:endParaRPr lang="de-DE" dirty="0"/>
-          </a:p>
-          <a:p>
-            <a:pPr marL="0" indent="0">
-              <a:spcBef>
-                <a:spcPts val="800"/>
-              </a:spcBef>
-              <a:buNone/>
-            </a:pPr>
-            <a:endParaRPr lang="de-DE" dirty="0"/>
-          </a:p>
-          <a:p>
-            <a:pPr marL="0" indent="0">
-              <a:spcBef>
-                <a:spcPts val="800"/>
-              </a:spcBef>
-              <a:buNone/>
-            </a:pPr>
-            <a:endParaRPr lang="de-DE" dirty="0"/>
-          </a:p>
-          <a:p>
-            <a:pPr marL="0" indent="0">
-              <a:spcBef>
-                <a:spcPts val="800"/>
-              </a:spcBef>
-              <a:buNone/>
-            </a:pPr>
-            <a:endParaRPr lang="de-DE" dirty="0"/>
-          </a:p>
-          <a:p>
-            <a:pPr marL="0" indent="0">
-              <a:spcBef>
-                <a:spcPts val="800"/>
-              </a:spcBef>
-              <a:buNone/>
-            </a:pPr>
+          <a:bodyPr/>
+          <a:lstStyle/>
+          <a:p>
+            <a:r>
+              <a:rPr lang="de-DE" dirty="0"/>
+              <a:t>Zeitlich: </a:t>
+            </a:r>
+          </a:p>
+          <a:p>
+            <a:pPr lvl="1"/>
+            <a:r>
+              <a:rPr lang="de-DE" dirty="0"/>
+              <a:t>LMM Schätzung für </a:t>
+            </a:r>
             <a:r>
               <a:rPr lang="de-DE" dirty="0" err="1"/>
-              <a:t>Collar</a:t>
-            </a:r>
-            <a:r>
-              <a:rPr lang="de-DE" dirty="0"/>
-              <a:t> Temperatur als zuverlässiger Indikator für Umgebungstemperatur</a:t>
-            </a:r>
-          </a:p>
-          <a:p>
-            <a:pPr marL="514350" indent="-514350">
-              <a:spcBef>
-                <a:spcPts val="800"/>
-              </a:spcBef>
-              <a:buFont typeface="+mj-lt"/>
-              <a:buAutoNum type="arabicPeriod"/>
-            </a:pPr>
-            <a:endParaRPr lang="de-DE" dirty="0"/>
-          </a:p>
-          <a:p>
-            <a:pPr marL="514350" indent="-514350">
-              <a:spcBef>
-                <a:spcPts val="800"/>
-              </a:spcBef>
-              <a:buFont typeface="+mj-lt"/>
-              <a:buAutoNum type="arabicPeriod"/>
-            </a:pPr>
-            <a:endParaRPr lang="de-DE" dirty="0"/>
-          </a:p>
-          <a:p>
-            <a:endParaRPr lang="de-DE" dirty="0"/>
+              <a:t>temp_amb</a:t>
+            </a:r>
+            <a:r>
+              <a:rPr lang="de-DE" dirty="0"/>
+              <a:t> ist signifikanter Prädiktor: 0.69 (p &lt;0.01)</a:t>
+            </a:r>
+          </a:p>
+          <a:p>
+            <a:pPr lvl="1"/>
+            <a:r>
+              <a:rPr lang="de-DE" dirty="0"/>
+              <a:t>LMM Schätzung für </a:t>
+            </a:r>
+            <a:r>
+              <a:rPr lang="de-DE" dirty="0" err="1"/>
+              <a:t>season</a:t>
+            </a:r>
+            <a:r>
+              <a:rPr lang="de-DE" dirty="0"/>
+              <a:t> ist signifikanter Prädiktor : 0.78 (p &lt;0.01)</a:t>
+            </a:r>
+          </a:p>
+          <a:p>
+            <a:pPr lvl="1"/>
+            <a:r>
+              <a:rPr lang="en-US" dirty="0"/>
+              <a:t>ID und hour </a:t>
+            </a:r>
+            <a:r>
+              <a:rPr lang="en-US" dirty="0" err="1"/>
+              <a:t>als</a:t>
+            </a:r>
+            <a:r>
+              <a:rPr lang="en-US" dirty="0"/>
+              <a:t> Random Effects </a:t>
+            </a:r>
+            <a:r>
+              <a:rPr lang="en-US" dirty="0" err="1"/>
+              <a:t>trugen</a:t>
+            </a:r>
+            <a:r>
+              <a:rPr lang="en-US" dirty="0"/>
+              <a:t> </a:t>
+            </a:r>
+            <a:r>
+              <a:rPr lang="en-US" dirty="0" err="1"/>
+              <a:t>zu</a:t>
+            </a:r>
+            <a:r>
+              <a:rPr lang="en-US" dirty="0"/>
+              <a:t> </a:t>
+            </a:r>
+            <a:r>
+              <a:rPr lang="en-US" dirty="0" err="1"/>
+              <a:t>Standardabweichung</a:t>
+            </a:r>
+            <a:r>
+              <a:rPr lang="en-US" dirty="0"/>
+              <a:t> von 5.3°C </a:t>
+            </a:r>
+            <a:r>
+              <a:rPr lang="en-US" dirty="0" err="1"/>
+              <a:t>bei</a:t>
+            </a:r>
+            <a:r>
+              <a:rPr lang="en-US" dirty="0"/>
+              <a:t> </a:t>
+            </a:r>
+          </a:p>
+          <a:p>
+            <a:pPr lvl="2"/>
+            <a:r>
+              <a:rPr lang="en-US" dirty="0"/>
+              <a:t>5.3 * 1.96 = 10.39 = Bland-Altman Limits of Agreement </a:t>
+            </a:r>
+          </a:p>
+          <a:p>
+            <a:pPr lvl="1"/>
+            <a:r>
+              <a:rPr lang="en-US" dirty="0"/>
+              <a:t>GAM </a:t>
+            </a:r>
+            <a:r>
+              <a:rPr lang="en-US" dirty="0" err="1"/>
+              <a:t>zeigt</a:t>
+            </a:r>
+            <a:r>
+              <a:rPr lang="en-US" dirty="0"/>
+              <a:t>, </a:t>
+            </a:r>
+            <a:r>
+              <a:rPr lang="en-US" dirty="0" err="1"/>
+              <a:t>dass</a:t>
+            </a:r>
+            <a:r>
+              <a:rPr lang="en-US" dirty="0"/>
+              <a:t> smoothing Spline (</a:t>
+            </a:r>
+            <a:r>
+              <a:rPr lang="en-US" dirty="0" err="1"/>
+              <a:t>Mittelwerte</a:t>
+            </a:r>
+            <a:r>
+              <a:rPr lang="en-US" dirty="0"/>
+              <a:t>) </a:t>
+            </a:r>
+            <a:r>
+              <a:rPr lang="en-US" dirty="0" err="1"/>
+              <a:t>signifikanter</a:t>
+            </a:r>
+            <a:r>
+              <a:rPr lang="en-US" dirty="0"/>
+              <a:t> </a:t>
+            </a:r>
+            <a:r>
+              <a:rPr lang="en-US" dirty="0" err="1"/>
+              <a:t>Prädiktor</a:t>
+            </a:r>
+            <a:r>
+              <a:rPr lang="en-US" dirty="0"/>
+              <a:t> für die </a:t>
+            </a:r>
+            <a:r>
+              <a:rPr lang="en-US" dirty="0" err="1"/>
+              <a:t>Differenzen</a:t>
+            </a:r>
+            <a:r>
+              <a:rPr lang="en-US" dirty="0"/>
+              <a:t> in den </a:t>
+            </a:r>
+            <a:r>
+              <a:rPr lang="en-US" dirty="0" err="1"/>
+              <a:t>Temperaturen</a:t>
+            </a:r>
+            <a:r>
+              <a:rPr lang="en-US" dirty="0"/>
+              <a:t> </a:t>
+            </a:r>
+            <a:r>
+              <a:rPr lang="en-US" dirty="0" err="1"/>
+              <a:t>ist</a:t>
+            </a:r>
+            <a:r>
+              <a:rPr lang="en-US" dirty="0"/>
+              <a:t> (p &lt;0.01)</a:t>
+            </a:r>
+          </a:p>
+          <a:p>
+            <a:endParaRPr lang="en-US" dirty="0"/>
+          </a:p>
+          <a:p>
+            <a:r>
+              <a:rPr lang="en-US" dirty="0" err="1"/>
+              <a:t>Räumlich</a:t>
+            </a:r>
+            <a:r>
+              <a:rPr lang="en-US" dirty="0"/>
+              <a:t>:</a:t>
+            </a:r>
+          </a:p>
+          <a:p>
+            <a:pPr lvl="1"/>
+            <a:r>
+              <a:rPr lang="en-US" dirty="0"/>
+              <a:t>LMM </a:t>
+            </a:r>
+            <a:r>
+              <a:rPr lang="en-US" dirty="0" err="1"/>
+              <a:t>Schätzung</a:t>
+            </a:r>
+            <a:r>
+              <a:rPr lang="en-US" dirty="0"/>
+              <a:t> für </a:t>
+            </a:r>
+            <a:r>
+              <a:rPr lang="en-US" dirty="0" err="1"/>
+              <a:t>landsat_temp</a:t>
+            </a:r>
+            <a:r>
+              <a:rPr lang="en-US" dirty="0"/>
+              <a:t>: 0.9 (p &lt;0.01)</a:t>
+            </a:r>
+          </a:p>
+          <a:p>
+            <a:pPr lvl="1"/>
+            <a:r>
+              <a:rPr lang="en-US" dirty="0"/>
+              <a:t>LMM </a:t>
+            </a:r>
+            <a:r>
+              <a:rPr lang="en-US" dirty="0" err="1"/>
+              <a:t>Schätzung</a:t>
+            </a:r>
+            <a:r>
+              <a:rPr lang="en-US" dirty="0"/>
+              <a:t> für season: 0.3 (p &lt;0.01)</a:t>
+            </a:r>
+          </a:p>
+          <a:p>
+            <a:pPr lvl="1"/>
+            <a:r>
+              <a:rPr lang="en-US" dirty="0"/>
+              <a:t>LMM </a:t>
+            </a:r>
+            <a:r>
+              <a:rPr lang="en-US" dirty="0" err="1"/>
+              <a:t>Schätzung</a:t>
+            </a:r>
+            <a:r>
+              <a:rPr lang="en-US" dirty="0"/>
+              <a:t> für </a:t>
+            </a:r>
+            <a:r>
+              <a:rPr lang="en-US" dirty="0" err="1"/>
+              <a:t>woody_density</a:t>
+            </a:r>
+            <a:r>
+              <a:rPr lang="en-US" dirty="0"/>
+              <a:t>: 0.01 (p =0.03)</a:t>
+            </a:r>
           </a:p>
         </p:txBody>
       </p:sp>
@@ -5831,7 +6842,7 @@
           <p:cNvPr id="4" name="Datumsplatzhalter 3">
             <a:extLst>
               <a:ext uri="{FF2B5EF4-FFF2-40B4-BE49-F238E27FC236}">
-                <a16:creationId xmlns:a16="http://schemas.microsoft.com/office/drawing/2014/main" id="{A90E44A9-A59F-42FA-B519-D21ED1CDAE21}"/>
+                <a16:creationId xmlns:a16="http://schemas.microsoft.com/office/drawing/2014/main" id="{3AEC9EC9-6400-494C-80AC-BBCA222F91B4}"/>
               </a:ext>
             </a:extLst>
           </p:cNvPr>
@@ -5849,7 +6860,7 @@
           <a:p>
             <a:fld id="{57BF7E81-4A25-4945-A8A1-ED5714DDBF31}" type="datetime1">
               <a:rPr lang="de-DE" smtClean="0"/>
-              <a:t>19.12.2021</a:t>
+              <a:t>20.12.2021</a:t>
             </a:fld>
             <a:endParaRPr lang="de-DE" dirty="0"/>
           </a:p>
@@ -5860,7 +6871,7 @@
           <p:cNvPr id="5" name="Fußzeilenplatzhalter 4">
             <a:extLst>
               <a:ext uri="{FF2B5EF4-FFF2-40B4-BE49-F238E27FC236}">
-                <a16:creationId xmlns:a16="http://schemas.microsoft.com/office/drawing/2014/main" id="{46EF5C28-7F38-4051-9BC8-658AF66A986B}"/>
+                <a16:creationId xmlns:a16="http://schemas.microsoft.com/office/drawing/2014/main" id="{3C7DB185-EBEE-4307-B236-C56F1F1D3501}"/>
               </a:ext>
             </a:extLst>
           </p:cNvPr>
@@ -5889,7 +6900,7 @@
           <p:cNvPr id="6" name="Foliennummernplatzhalter 5">
             <a:extLst>
               <a:ext uri="{FF2B5EF4-FFF2-40B4-BE49-F238E27FC236}">
-                <a16:creationId xmlns:a16="http://schemas.microsoft.com/office/drawing/2014/main" id="{99946D70-A43E-4280-B716-4F6F3148E63F}"/>
+                <a16:creationId xmlns:a16="http://schemas.microsoft.com/office/drawing/2014/main" id="{221521D2-0890-4BA4-BD35-7DA7B68CD858}"/>
               </a:ext>
             </a:extLst>
           </p:cNvPr>
@@ -5914,40 +6925,52 @@
           </a:p>
         </p:txBody>
       </p:sp>
-      <p:pic>
-        <p:nvPicPr>
-          <p:cNvPr id="10" name="Grafik 9">
-            <a:extLst>
-              <a:ext uri="{FF2B5EF4-FFF2-40B4-BE49-F238E27FC236}">
-                <a16:creationId xmlns:a16="http://schemas.microsoft.com/office/drawing/2014/main" id="{627FCD6F-D4C1-4E9C-BE27-5D5D1B1C3B63}"/>
-              </a:ext>
-            </a:extLst>
-          </p:cNvPr>
-          <p:cNvPicPr>
-            <a:picLocks noChangeAspect="1"/>
-          </p:cNvPicPr>
+      <p:sp>
+        <p:nvSpPr>
+          <p:cNvPr id="7" name="Textfeld 6">
+            <a:extLst>
+              <a:ext uri="{FF2B5EF4-FFF2-40B4-BE49-F238E27FC236}">
+                <a16:creationId xmlns:a16="http://schemas.microsoft.com/office/drawing/2014/main" id="{0064BCBC-D9D7-4DC4-BAA2-A645E7860AC3}"/>
+              </a:ext>
+            </a:extLst>
+          </p:cNvPr>
+          <p:cNvSpPr txBox="1"/>
           <p:nvPr/>
-        </p:nvPicPr>
-        <p:blipFill>
-          <a:blip r:embed="rId2"/>
-          <a:stretch>
-            <a:fillRect/>
-          </a:stretch>
-        </p:blipFill>
+        </p:nvSpPr>
         <p:spPr>
           <a:xfrm>
-            <a:off x="838200" y="1454728"/>
-            <a:ext cx="10470343" cy="4184702"/>
+            <a:off x="0" y="0"/>
+            <a:ext cx="5066950" cy="338554"/>
           </a:xfrm>
           <a:prstGeom prst="rect">
             <a:avLst/>
           </a:prstGeom>
+          <a:noFill/>
         </p:spPr>
-      </p:pic>
+        <p:txBody>
+          <a:bodyPr wrap="square" rtlCol="0">
+            <a:spAutoFit/>
+          </a:bodyPr>
+          <a:lstStyle/>
+          <a:p>
+            <a:r>
+              <a:rPr lang="de-DE" sz="1600" dirty="0">
+                <a:solidFill>
+                  <a:schemeClr val="accent4">
+                    <a:lumMod val="20000"/>
+                    <a:lumOff val="80000"/>
+                  </a:schemeClr>
+                </a:solidFill>
+              </a:rPr>
+              <a:t>1. Hauptresultat</a:t>
+            </a:r>
+          </a:p>
+        </p:txBody>
+      </p:sp>
     </p:spTree>
     <p:extLst>
       <p:ext uri="{BB962C8B-B14F-4D97-AF65-F5344CB8AC3E}">
-        <p14:creationId xmlns:p14="http://schemas.microsoft.com/office/powerpoint/2010/main" val="1446575921"/>
+        <p14:creationId xmlns:p14="http://schemas.microsoft.com/office/powerpoint/2010/main" val="2487847922"/>
       </p:ext>
     </p:extLst>
   </p:cSld>
@@ -5979,7 +7002,7 @@
           <p:cNvPr id="2" name="Titel 1">
             <a:extLst>
               <a:ext uri="{FF2B5EF4-FFF2-40B4-BE49-F238E27FC236}">
-                <a16:creationId xmlns:a16="http://schemas.microsoft.com/office/drawing/2014/main" id="{1D4355E2-8F1A-4DB4-858B-624B1EAC4E3A}"/>
+                <a16:creationId xmlns:a16="http://schemas.microsoft.com/office/drawing/2014/main" id="{399B081B-4B5A-45BC-98FC-00A884FEF525}"/>
               </a:ext>
             </a:extLst>
           </p:cNvPr>
@@ -5994,189 +7017,182 @@
         <p:txBody>
           <a:bodyPr/>
           <a:lstStyle/>
+          <a:p>
+            <a:r>
+              <a:rPr lang="de-DE" dirty="0"/>
+              <a:t>Zurück zur Grafik</a:t>
+            </a:r>
+          </a:p>
+        </p:txBody>
+      </p:sp>
+      <p:sp>
+        <p:nvSpPr>
+          <p:cNvPr id="3" name="Inhaltsplatzhalter 2">
+            <a:extLst>
+              <a:ext uri="{FF2B5EF4-FFF2-40B4-BE49-F238E27FC236}">
+                <a16:creationId xmlns:a16="http://schemas.microsoft.com/office/drawing/2014/main" id="{682525D5-C302-4241-A1C7-844165C5E1B8}"/>
+              </a:ext>
+            </a:extLst>
+          </p:cNvPr>
+          <p:cNvSpPr>
+            <a:spLocks noGrp="1"/>
+          </p:cNvSpPr>
+          <p:nvPr>
+            <p:ph idx="1"/>
+          </p:nvPr>
+        </p:nvSpPr>
+        <p:spPr/>
+        <p:txBody>
+          <a:bodyPr>
+            <a:normAutofit fontScale="92500" lnSpcReduction="20000"/>
+          </a:bodyPr>
+          <a:lstStyle/>
+          <a:p>
+            <a:pPr marL="0" indent="0">
+              <a:spcBef>
+                <a:spcPts val="800"/>
+              </a:spcBef>
+              <a:buNone/>
+            </a:pPr>
+            <a:endParaRPr lang="de-DE" dirty="0"/>
+          </a:p>
+          <a:p>
+            <a:pPr marL="0" indent="0">
+              <a:spcBef>
+                <a:spcPts val="800"/>
+              </a:spcBef>
+              <a:buNone/>
+            </a:pPr>
+            <a:endParaRPr lang="de-DE" dirty="0"/>
+          </a:p>
+          <a:p>
+            <a:pPr marL="0" indent="0">
+              <a:spcBef>
+                <a:spcPts val="800"/>
+              </a:spcBef>
+              <a:buNone/>
+            </a:pPr>
+            <a:endParaRPr lang="de-DE" dirty="0"/>
+          </a:p>
+          <a:p>
+            <a:pPr marL="0" indent="0">
+              <a:spcBef>
+                <a:spcPts val="800"/>
+              </a:spcBef>
+              <a:buNone/>
+            </a:pPr>
+            <a:endParaRPr lang="de-DE" dirty="0"/>
+          </a:p>
+          <a:p>
+            <a:pPr marL="0" indent="0">
+              <a:spcBef>
+                <a:spcPts val="800"/>
+              </a:spcBef>
+              <a:buNone/>
+            </a:pPr>
+            <a:endParaRPr lang="de-DE" dirty="0"/>
+          </a:p>
+          <a:p>
+            <a:pPr marL="0" indent="0">
+              <a:spcBef>
+                <a:spcPts val="800"/>
+              </a:spcBef>
+              <a:buNone/>
+            </a:pPr>
+            <a:endParaRPr lang="de-DE" dirty="0"/>
+          </a:p>
+          <a:p>
+            <a:pPr marL="0" indent="0">
+              <a:spcBef>
+                <a:spcPts val="800"/>
+              </a:spcBef>
+              <a:buNone/>
+            </a:pPr>
+            <a:endParaRPr lang="de-DE" dirty="0"/>
+          </a:p>
+          <a:p>
+            <a:pPr marL="0" indent="0">
+              <a:spcBef>
+                <a:spcPts val="800"/>
+              </a:spcBef>
+              <a:buNone/>
+            </a:pPr>
+            <a:endParaRPr lang="de-DE" dirty="0"/>
+          </a:p>
+          <a:p>
+            <a:pPr marL="0" indent="0">
+              <a:spcBef>
+                <a:spcPts val="800"/>
+              </a:spcBef>
+              <a:buNone/>
+            </a:pPr>
+            <a:endParaRPr lang="de-DE" dirty="0"/>
+          </a:p>
+          <a:p>
+            <a:pPr marL="0" indent="0">
+              <a:spcBef>
+                <a:spcPts val="800"/>
+              </a:spcBef>
+              <a:buNone/>
+            </a:pPr>
+            <a:endParaRPr lang="de-DE" dirty="0"/>
+          </a:p>
+          <a:p>
+            <a:pPr marL="0" indent="0">
+              <a:spcBef>
+                <a:spcPts val="800"/>
+              </a:spcBef>
+              <a:buNone/>
+            </a:pPr>
+            <a:endParaRPr lang="de-DE" dirty="0"/>
+          </a:p>
+          <a:p>
+            <a:pPr marL="0" indent="0">
+              <a:spcBef>
+                <a:spcPts val="800"/>
+              </a:spcBef>
+              <a:buNone/>
+            </a:pPr>
+            <a:endParaRPr lang="de-DE" dirty="0"/>
+          </a:p>
+          <a:p>
+            <a:pPr marL="0" indent="0">
+              <a:spcBef>
+                <a:spcPts val="800"/>
+              </a:spcBef>
+              <a:buNone/>
+            </a:pPr>
+            <a:r>
+              <a:rPr lang="de-DE" dirty="0" err="1"/>
+              <a:t>Collar</a:t>
+            </a:r>
+            <a:r>
+              <a:rPr lang="de-DE" dirty="0"/>
+              <a:t> Temperatur als zuverlässiger Indikator für Umgebungstemperatur</a:t>
+            </a:r>
+          </a:p>
           <a:p>
             <a:pPr marL="514350" indent="-514350">
               <a:spcBef>
                 <a:spcPts val="800"/>
               </a:spcBef>
               <a:buFont typeface="+mj-lt"/>
-              <a:buAutoNum type="arabicPeriod" startAt="2"/>
+              <a:buAutoNum type="arabicPeriod"/>
             </a:pPr>
-            <a:r>
-              <a:rPr lang="de-DE" dirty="0"/>
-              <a:t>Bewegungsverhalten der Tiere</a:t>
-            </a:r>
-          </a:p>
-        </p:txBody>
-      </p:sp>
-      <p:sp>
-        <p:nvSpPr>
-          <p:cNvPr id="3" name="Inhaltsplatzhalter 2">
-            <a:extLst>
-              <a:ext uri="{FF2B5EF4-FFF2-40B4-BE49-F238E27FC236}">
-                <a16:creationId xmlns:a16="http://schemas.microsoft.com/office/drawing/2014/main" id="{C61A4A0A-947B-45AB-9D62-4A097B47494E}"/>
-              </a:ext>
-            </a:extLst>
-          </p:cNvPr>
-          <p:cNvSpPr>
-            <a:spLocks noGrp="1"/>
-          </p:cNvSpPr>
-          <p:nvPr>
-            <p:ph idx="1"/>
-          </p:nvPr>
-        </p:nvSpPr>
-        <p:spPr/>
-        <p:txBody>
-          <a:bodyPr/>
-          <a:lstStyle/>
-          <a:p>
-            <a:r>
-              <a:rPr lang="de-DE" dirty="0"/>
-              <a:t>Beziehung zwischen Temperatur und Geschwindigkeit mittels GAMM ermittelt:</a:t>
-            </a:r>
-          </a:p>
-          <a:p>
-            <a:pPr lvl="1"/>
-            <a:r>
-              <a:rPr lang="en-US" dirty="0"/>
-              <a:t>bam(v ~ s(temp) + season + </a:t>
-            </a:r>
-            <a:r>
-              <a:rPr lang="en-US" dirty="0" err="1"/>
-              <a:t>woody_density</a:t>
-            </a:r>
-            <a:r>
-              <a:rPr lang="en-US" dirty="0"/>
-              <a:t> + s(id, bs = "re"), data = data)</a:t>
-            </a:r>
-          </a:p>
-          <a:p>
-            <a:pPr lvl="1"/>
-            <a:endParaRPr lang="en-US" dirty="0"/>
-          </a:p>
-          <a:p>
-            <a:pPr lvl="1"/>
-            <a:endParaRPr lang="en-US" dirty="0"/>
-          </a:p>
-          <a:p>
-            <a:r>
-              <a:rPr lang="en-US" dirty="0" err="1"/>
-              <a:t>Ergebnis</a:t>
-            </a:r>
-            <a:r>
-              <a:rPr lang="en-US" dirty="0"/>
-              <a:t>:</a:t>
-            </a:r>
-          </a:p>
-          <a:p>
-            <a:pPr lvl="1">
+            <a:endParaRPr lang="de-DE" dirty="0"/>
+          </a:p>
+          <a:p>
+            <a:pPr marL="514350" indent="-514350">
               <a:spcBef>
-                <a:spcPts val="1200"/>
+                <a:spcPts val="800"/>
               </a:spcBef>
+              <a:buFont typeface="+mj-lt"/>
+              <a:buAutoNum type="arabicPeriod"/>
             </a:pPr>
-            <a:r>
-              <a:rPr lang="en-US" dirty="0"/>
-              <a:t>temp </a:t>
-            </a:r>
-            <a:r>
-              <a:rPr lang="en-US" dirty="0" err="1"/>
-              <a:t>als</a:t>
-            </a:r>
-            <a:r>
-              <a:rPr lang="en-US" dirty="0"/>
-              <a:t> </a:t>
-            </a:r>
-            <a:r>
-              <a:rPr lang="en-US" dirty="0" err="1"/>
-              <a:t>signifikanter</a:t>
-            </a:r>
-            <a:r>
-              <a:rPr lang="en-US" dirty="0"/>
-              <a:t> </a:t>
-            </a:r>
-            <a:r>
-              <a:rPr lang="en-US" dirty="0" err="1"/>
-              <a:t>Prädiktor</a:t>
-            </a:r>
-            <a:r>
-              <a:rPr lang="en-US" dirty="0"/>
-              <a:t> für </a:t>
-            </a:r>
-            <a:r>
-              <a:rPr lang="en-US" dirty="0" err="1"/>
-              <a:t>Geschwindigkeit</a:t>
-            </a:r>
-            <a:r>
-              <a:rPr lang="en-US" dirty="0"/>
-              <a:t> (p &lt;0.01)</a:t>
-            </a:r>
-          </a:p>
-          <a:p>
-            <a:pPr lvl="1">
-              <a:spcBef>
-                <a:spcPts val="1200"/>
-              </a:spcBef>
-            </a:pPr>
-            <a:r>
-              <a:rPr lang="en-US" dirty="0"/>
-              <a:t>Schneller (</a:t>
-            </a:r>
-            <a:r>
-              <a:rPr lang="en-US" dirty="0" err="1"/>
-              <a:t>Langsamer</a:t>
-            </a:r>
-            <a:r>
-              <a:rPr lang="en-US" dirty="0"/>
-              <a:t>) in </a:t>
-            </a:r>
-            <a:r>
-              <a:rPr lang="en-US" dirty="0" err="1"/>
-              <a:t>Regenzeit</a:t>
-            </a:r>
-            <a:r>
-              <a:rPr lang="en-US" dirty="0"/>
-              <a:t> (</a:t>
-            </a:r>
-            <a:r>
-              <a:rPr lang="en-US" dirty="0" err="1"/>
-              <a:t>Trockenzeit</a:t>
-            </a:r>
-            <a:r>
-              <a:rPr lang="en-US" dirty="0"/>
-              <a:t>) (p &lt;0.01)</a:t>
-            </a:r>
-          </a:p>
-          <a:p>
-            <a:pPr lvl="1">
-              <a:spcBef>
-                <a:spcPts val="1200"/>
-              </a:spcBef>
-            </a:pPr>
-            <a:r>
-              <a:rPr lang="en-US" dirty="0" err="1"/>
-              <a:t>Unter</a:t>
-            </a:r>
-            <a:r>
-              <a:rPr lang="en-US" dirty="0"/>
-              <a:t> Dichter Vegetation </a:t>
-            </a:r>
-            <a:r>
-              <a:rPr lang="en-US" dirty="0" err="1"/>
-              <a:t>ebenfalls</a:t>
-            </a:r>
-            <a:r>
-              <a:rPr lang="en-US" dirty="0"/>
-              <a:t> </a:t>
-            </a:r>
-            <a:r>
-              <a:rPr lang="en-US" dirty="0" err="1"/>
-              <a:t>langsamer</a:t>
-            </a:r>
-            <a:endParaRPr lang="en-US" dirty="0"/>
-          </a:p>
-          <a:p>
-            <a:pPr lvl="1"/>
-            <a:endParaRPr lang="en-US" dirty="0"/>
+            <a:endParaRPr lang="de-DE" dirty="0"/>
+          </a:p>
+          <a:p>
+            <a:endParaRPr lang="de-DE" dirty="0"/>
           </a:p>
         </p:txBody>
       </p:sp>
@@ -6185,7 +7201,7 @@
           <p:cNvPr id="4" name="Datumsplatzhalter 3">
             <a:extLst>
               <a:ext uri="{FF2B5EF4-FFF2-40B4-BE49-F238E27FC236}">
-                <a16:creationId xmlns:a16="http://schemas.microsoft.com/office/drawing/2014/main" id="{6D6B01EC-0A95-4439-BF90-C0A749046B3D}"/>
+                <a16:creationId xmlns:a16="http://schemas.microsoft.com/office/drawing/2014/main" id="{A90E44A9-A59F-42FA-B519-D21ED1CDAE21}"/>
               </a:ext>
             </a:extLst>
           </p:cNvPr>
@@ -6203,7 +7219,7 @@
           <a:p>
             <a:fld id="{57BF7E81-4A25-4945-A8A1-ED5714DDBF31}" type="datetime1">
               <a:rPr lang="de-DE" smtClean="0"/>
-              <a:t>19.12.2021</a:t>
+              <a:t>20.12.2021</a:t>
             </a:fld>
             <a:endParaRPr lang="de-DE" dirty="0"/>
           </a:p>
@@ -6214,7 +7230,7 @@
           <p:cNvPr id="5" name="Fußzeilenplatzhalter 4">
             <a:extLst>
               <a:ext uri="{FF2B5EF4-FFF2-40B4-BE49-F238E27FC236}">
-                <a16:creationId xmlns:a16="http://schemas.microsoft.com/office/drawing/2014/main" id="{4BC54D9F-1512-4B57-9ACD-78CC111CF708}"/>
+                <a16:creationId xmlns:a16="http://schemas.microsoft.com/office/drawing/2014/main" id="{46EF5C28-7F38-4051-9BC8-658AF66A986B}"/>
               </a:ext>
             </a:extLst>
           </p:cNvPr>
@@ -6243,7 +7259,7 @@
           <p:cNvPr id="6" name="Foliennummernplatzhalter 5">
             <a:extLst>
               <a:ext uri="{FF2B5EF4-FFF2-40B4-BE49-F238E27FC236}">
-                <a16:creationId xmlns:a16="http://schemas.microsoft.com/office/drawing/2014/main" id="{DBD75ABC-741D-48DE-A646-04C3CF786466}"/>
+                <a16:creationId xmlns:a16="http://schemas.microsoft.com/office/drawing/2014/main" id="{99946D70-A43E-4280-B716-4F6F3148E63F}"/>
               </a:ext>
             </a:extLst>
           </p:cNvPr>
@@ -6268,10 +7284,82 @@
           </a:p>
         </p:txBody>
       </p:sp>
+      <p:pic>
+        <p:nvPicPr>
+          <p:cNvPr id="10" name="Grafik 9">
+            <a:extLst>
+              <a:ext uri="{FF2B5EF4-FFF2-40B4-BE49-F238E27FC236}">
+                <a16:creationId xmlns:a16="http://schemas.microsoft.com/office/drawing/2014/main" id="{627FCD6F-D4C1-4E9C-BE27-5D5D1B1C3B63}"/>
+              </a:ext>
+            </a:extLst>
+          </p:cNvPr>
+          <p:cNvPicPr>
+            <a:picLocks noChangeAspect="1"/>
+          </p:cNvPicPr>
+          <p:nvPr/>
+        </p:nvPicPr>
+        <p:blipFill>
+          <a:blip r:embed="rId2"/>
+          <a:stretch>
+            <a:fillRect/>
+          </a:stretch>
+        </p:blipFill>
+        <p:spPr>
+          <a:xfrm>
+            <a:off x="838200" y="1454728"/>
+            <a:ext cx="10470343" cy="4184702"/>
+          </a:xfrm>
+          <a:prstGeom prst="rect">
+            <a:avLst/>
+          </a:prstGeom>
+        </p:spPr>
+      </p:pic>
+      <p:sp>
+        <p:nvSpPr>
+          <p:cNvPr id="8" name="Textfeld 7">
+            <a:extLst>
+              <a:ext uri="{FF2B5EF4-FFF2-40B4-BE49-F238E27FC236}">
+                <a16:creationId xmlns:a16="http://schemas.microsoft.com/office/drawing/2014/main" id="{F2FBA7E8-6809-4FB8-83A4-1D80DB39371F}"/>
+              </a:ext>
+            </a:extLst>
+          </p:cNvPr>
+          <p:cNvSpPr txBox="1"/>
+          <p:nvPr/>
+        </p:nvSpPr>
+        <p:spPr>
+          <a:xfrm>
+            <a:off x="0" y="0"/>
+            <a:ext cx="5066950" cy="338554"/>
+          </a:xfrm>
+          <a:prstGeom prst="rect">
+            <a:avLst/>
+          </a:prstGeom>
+          <a:noFill/>
+        </p:spPr>
+        <p:txBody>
+          <a:bodyPr wrap="square" rtlCol="0">
+            <a:spAutoFit/>
+          </a:bodyPr>
+          <a:lstStyle/>
+          <a:p>
+            <a:r>
+              <a:rPr lang="de-DE" sz="1600" dirty="0">
+                <a:solidFill>
+                  <a:schemeClr val="accent4">
+                    <a:lumMod val="20000"/>
+                    <a:lumOff val="80000"/>
+                  </a:schemeClr>
+                </a:solidFill>
+              </a:rPr>
+              <a:t>1. Hauptresultat</a:t>
+            </a:r>
+          </a:p>
+        </p:txBody>
+      </p:sp>
     </p:spTree>
     <p:extLst>
       <p:ext uri="{BB962C8B-B14F-4D97-AF65-F5344CB8AC3E}">
-        <p14:creationId xmlns:p14="http://schemas.microsoft.com/office/powerpoint/2010/main" val="2238525789"/>
+        <p14:creationId xmlns:p14="http://schemas.microsoft.com/office/powerpoint/2010/main" val="1446575921"/>
       </p:ext>
     </p:extLst>
   </p:cSld>
@@ -6303,7 +7391,7 @@
           <p:cNvPr id="2" name="Titel 1">
             <a:extLst>
               <a:ext uri="{FF2B5EF4-FFF2-40B4-BE49-F238E27FC236}">
-                <a16:creationId xmlns:a16="http://schemas.microsoft.com/office/drawing/2014/main" id="{BFE9B805-56A0-4A5A-8B55-36A815C80D1B}"/>
+                <a16:creationId xmlns:a16="http://schemas.microsoft.com/office/drawing/2014/main" id="{1D4355E2-8F1A-4DB4-858B-624B1EAC4E3A}"/>
               </a:ext>
             </a:extLst>
           </p:cNvPr>
@@ -6319,9 +7407,16 @@
           <a:bodyPr/>
           <a:lstStyle/>
           <a:p>
-            <a:r>
-              <a:rPr lang="de-DE" dirty="0"/>
-              <a:t>Beziehung zwischen Geschwindigkeit und Temperatur</a:t>
+            <a:pPr marL="514350" indent="-514350">
+              <a:spcBef>
+                <a:spcPts val="800"/>
+              </a:spcBef>
+              <a:buFont typeface="+mj-lt"/>
+              <a:buAutoNum type="arabicPeriod" startAt="2"/>
+            </a:pPr>
+            <a:r>
+              <a:rPr lang="de-DE" dirty="0"/>
+              <a:t>Bewegungsverhalten der Tiere</a:t>
             </a:r>
           </a:p>
         </p:txBody>
@@ -6331,7 +7426,7 @@
           <p:cNvPr id="3" name="Inhaltsplatzhalter 2">
             <a:extLst>
               <a:ext uri="{FF2B5EF4-FFF2-40B4-BE49-F238E27FC236}">
-                <a16:creationId xmlns:a16="http://schemas.microsoft.com/office/drawing/2014/main" id="{A5142B95-0C01-4C1B-8753-667DD20A13C7}"/>
+                <a16:creationId xmlns:a16="http://schemas.microsoft.com/office/drawing/2014/main" id="{C61A4A0A-947B-45AB-9D62-4A097B47494E}"/>
               </a:ext>
             </a:extLst>
           </p:cNvPr>
@@ -6347,13 +7442,153 @@
           <a:bodyPr/>
           <a:lstStyle/>
           <a:p>
-            <a:pPr marL="0" indent="0">
-              <a:buNone/>
+            <a:r>
+              <a:rPr lang="de-DE" dirty="0"/>
+              <a:t>Beziehung zwischen Temperatur und Geschwindigkeit mittels GAMM ermittelt:</a:t>
+            </a:r>
+          </a:p>
+          <a:p>
+            <a:pPr lvl="1"/>
+            <a:r>
+              <a:rPr lang="en-US" dirty="0"/>
+              <a:t>bam(v ~ s(temp) + season + </a:t>
+            </a:r>
+            <a:r>
+              <a:rPr lang="en-US" dirty="0" err="1"/>
+              <a:t>woody_density</a:t>
+            </a:r>
+            <a:r>
+              <a:rPr lang="en-US" dirty="0"/>
+              <a:t> + s(id, bs = "re"), data = data)</a:t>
+            </a:r>
+          </a:p>
+          <a:p>
+            <a:pPr lvl="1"/>
+            <a:endParaRPr lang="en-US" dirty="0"/>
+          </a:p>
+          <a:p>
+            <a:pPr lvl="1"/>
+            <a:endParaRPr lang="en-US" dirty="0"/>
+          </a:p>
+          <a:p>
+            <a:r>
+              <a:rPr lang="en-US" dirty="0" err="1"/>
+              <a:t>Ergebnis</a:t>
+            </a:r>
+            <a:r>
+              <a:rPr lang="en-US" dirty="0"/>
+              <a:t>:</a:t>
+            </a:r>
+          </a:p>
+          <a:p>
+            <a:pPr lvl="1">
+              <a:spcBef>
+                <a:spcPts val="1200"/>
+              </a:spcBef>
             </a:pPr>
-            <a:endParaRPr lang="de-DE" dirty="0"/>
-          </a:p>
-          <a:p>
-            <a:endParaRPr lang="de-DE" dirty="0"/>
+            <a:r>
+              <a:rPr lang="en-US" dirty="0"/>
+              <a:t>temp </a:t>
+            </a:r>
+            <a:r>
+              <a:rPr lang="en-US" dirty="0" err="1"/>
+              <a:t>als</a:t>
+            </a:r>
+            <a:r>
+              <a:rPr lang="en-US" dirty="0"/>
+              <a:t> </a:t>
+            </a:r>
+            <a:r>
+              <a:rPr lang="en-US" dirty="0" err="1"/>
+              <a:t>signifikanter</a:t>
+            </a:r>
+            <a:r>
+              <a:rPr lang="en-US" dirty="0"/>
+              <a:t> </a:t>
+            </a:r>
+            <a:r>
+              <a:rPr lang="en-US" dirty="0" err="1"/>
+              <a:t>Prädiktor</a:t>
+            </a:r>
+            <a:r>
+              <a:rPr lang="en-US" dirty="0"/>
+              <a:t> für </a:t>
+            </a:r>
+            <a:r>
+              <a:rPr lang="en-US" dirty="0" err="1"/>
+              <a:t>Geschwindigkeit</a:t>
+            </a:r>
+            <a:r>
+              <a:rPr lang="en-US" dirty="0"/>
+              <a:t> (p &lt;0.01)</a:t>
+            </a:r>
+          </a:p>
+          <a:p>
+            <a:pPr lvl="1">
+              <a:spcBef>
+                <a:spcPts val="1200"/>
+              </a:spcBef>
+            </a:pPr>
+            <a:r>
+              <a:rPr lang="en-US" dirty="0"/>
+              <a:t>Schneller (</a:t>
+            </a:r>
+            <a:r>
+              <a:rPr lang="en-US" dirty="0" err="1"/>
+              <a:t>Langsamer</a:t>
+            </a:r>
+            <a:r>
+              <a:rPr lang="en-US" dirty="0"/>
+              <a:t>) in </a:t>
+            </a:r>
+            <a:r>
+              <a:rPr lang="en-US" dirty="0" err="1"/>
+              <a:t>Regenzeit</a:t>
+            </a:r>
+            <a:r>
+              <a:rPr lang="en-US" dirty="0"/>
+              <a:t> (</a:t>
+            </a:r>
+            <a:r>
+              <a:rPr lang="en-US" dirty="0" err="1"/>
+              <a:t>Trockenzeit</a:t>
+            </a:r>
+            <a:r>
+              <a:rPr lang="en-US" dirty="0"/>
+              <a:t>) (p &lt;0.01)</a:t>
+            </a:r>
+          </a:p>
+          <a:p>
+            <a:pPr lvl="1">
+              <a:spcBef>
+                <a:spcPts val="1200"/>
+              </a:spcBef>
+            </a:pPr>
+            <a:r>
+              <a:rPr lang="en-US" dirty="0" err="1"/>
+              <a:t>Unter</a:t>
+            </a:r>
+            <a:r>
+              <a:rPr lang="en-US" dirty="0"/>
+              <a:t> Dichter Vegetation </a:t>
+            </a:r>
+            <a:r>
+              <a:rPr lang="en-US" dirty="0" err="1"/>
+              <a:t>ebenfalls</a:t>
+            </a:r>
+            <a:r>
+              <a:rPr lang="en-US" dirty="0"/>
+              <a:t> </a:t>
+            </a:r>
+            <a:r>
+              <a:rPr lang="en-US" dirty="0" err="1"/>
+              <a:t>langsamer</a:t>
+            </a:r>
+            <a:endParaRPr lang="en-US" dirty="0"/>
+          </a:p>
+          <a:p>
+            <a:pPr lvl="1"/>
+            <a:endParaRPr lang="en-US" dirty="0"/>
           </a:p>
         </p:txBody>
       </p:sp>
@@ -6362,7 +7597,7 @@
           <p:cNvPr id="4" name="Datumsplatzhalter 3">
             <a:extLst>
               <a:ext uri="{FF2B5EF4-FFF2-40B4-BE49-F238E27FC236}">
-                <a16:creationId xmlns:a16="http://schemas.microsoft.com/office/drawing/2014/main" id="{B834A4EC-3FEB-4923-974A-B62C04AD0FBC}"/>
+                <a16:creationId xmlns:a16="http://schemas.microsoft.com/office/drawing/2014/main" id="{6D6B01EC-0A95-4439-BF90-C0A749046B3D}"/>
               </a:ext>
             </a:extLst>
           </p:cNvPr>
@@ -6380,7 +7615,7 @@
           <a:p>
             <a:fld id="{57BF7E81-4A25-4945-A8A1-ED5714DDBF31}" type="datetime1">
               <a:rPr lang="de-DE" smtClean="0"/>
-              <a:t>19.12.2021</a:t>
+              <a:t>20.12.2021</a:t>
             </a:fld>
             <a:endParaRPr lang="de-DE" dirty="0"/>
           </a:p>
@@ -6391,7 +7626,7 @@
           <p:cNvPr id="5" name="Fußzeilenplatzhalter 4">
             <a:extLst>
               <a:ext uri="{FF2B5EF4-FFF2-40B4-BE49-F238E27FC236}">
-                <a16:creationId xmlns:a16="http://schemas.microsoft.com/office/drawing/2014/main" id="{FC974BB4-5806-44EF-91D1-746FFE1D9EE3}"/>
+                <a16:creationId xmlns:a16="http://schemas.microsoft.com/office/drawing/2014/main" id="{4BC54D9F-1512-4B57-9ACD-78CC111CF708}"/>
               </a:ext>
             </a:extLst>
           </p:cNvPr>
@@ -6420,7 +7655,7 @@
           <p:cNvPr id="6" name="Foliennummernplatzhalter 5">
             <a:extLst>
               <a:ext uri="{FF2B5EF4-FFF2-40B4-BE49-F238E27FC236}">
-                <a16:creationId xmlns:a16="http://schemas.microsoft.com/office/drawing/2014/main" id="{CD8B40E4-A3A4-4B42-A2BE-542E89943AE4}"/>
+                <a16:creationId xmlns:a16="http://schemas.microsoft.com/office/drawing/2014/main" id="{DBD75ABC-741D-48DE-A646-04C3CF786466}"/>
               </a:ext>
             </a:extLst>
           </p:cNvPr>
@@ -6445,40 +7680,52 @@
           </a:p>
         </p:txBody>
       </p:sp>
-      <p:pic>
-        <p:nvPicPr>
-          <p:cNvPr id="9" name="Grafik 8">
-            <a:extLst>
-              <a:ext uri="{FF2B5EF4-FFF2-40B4-BE49-F238E27FC236}">
-                <a16:creationId xmlns:a16="http://schemas.microsoft.com/office/drawing/2014/main" id="{7EA390A3-7A3F-4C1E-ADD0-87DC32103938}"/>
-              </a:ext>
-            </a:extLst>
-          </p:cNvPr>
-          <p:cNvPicPr>
-            <a:picLocks noChangeAspect="1"/>
-          </p:cNvPicPr>
+      <p:sp>
+        <p:nvSpPr>
+          <p:cNvPr id="7" name="Textfeld 6">
+            <a:extLst>
+              <a:ext uri="{FF2B5EF4-FFF2-40B4-BE49-F238E27FC236}">
+                <a16:creationId xmlns:a16="http://schemas.microsoft.com/office/drawing/2014/main" id="{14C4D6F8-7C12-41CF-8BB7-2E7248D51CC2}"/>
+              </a:ext>
+            </a:extLst>
+          </p:cNvPr>
+          <p:cNvSpPr txBox="1"/>
           <p:nvPr/>
-        </p:nvPicPr>
-        <p:blipFill>
-          <a:blip r:embed="rId2"/>
-          <a:stretch>
-            <a:fillRect/>
-          </a:stretch>
-        </p:blipFill>
+        </p:nvSpPr>
         <p:spPr>
           <a:xfrm>
-            <a:off x="838200" y="1454728"/>
-            <a:ext cx="10470343" cy="4184701"/>
+            <a:off x="0" y="0"/>
+            <a:ext cx="5066950" cy="338554"/>
           </a:xfrm>
           <a:prstGeom prst="rect">
             <a:avLst/>
           </a:prstGeom>
+          <a:noFill/>
         </p:spPr>
-      </p:pic>
+        <p:txBody>
+          <a:bodyPr wrap="square" rtlCol="0">
+            <a:spAutoFit/>
+          </a:bodyPr>
+          <a:lstStyle/>
+          <a:p>
+            <a:r>
+              <a:rPr lang="de-DE" sz="1600" dirty="0">
+                <a:solidFill>
+                  <a:schemeClr val="accent4">
+                    <a:lumMod val="20000"/>
+                    <a:lumOff val="80000"/>
+                  </a:schemeClr>
+                </a:solidFill>
+              </a:rPr>
+              <a:t>2. Hauptresultat</a:t>
+            </a:r>
+          </a:p>
+        </p:txBody>
+      </p:sp>
     </p:spTree>
     <p:extLst>
       <p:ext uri="{BB962C8B-B14F-4D97-AF65-F5344CB8AC3E}">
-        <p14:creationId xmlns:p14="http://schemas.microsoft.com/office/powerpoint/2010/main" val="3000718789"/>
+        <p14:creationId xmlns:p14="http://schemas.microsoft.com/office/powerpoint/2010/main" val="2238525789"/>
       </p:ext>
     </p:extLst>
   </p:cSld>
